--- a/visualizations/Diagrams.pptx
+++ b/visualizations/Diagrams.pptx
@@ -7,6 +7,10 @@
   <p:sldIdLst>
     <p:sldId id="256" r:id="rId2"/>
     <p:sldId id="257" r:id="rId3"/>
+    <p:sldId id="258" r:id="rId4"/>
+    <p:sldId id="259" r:id="rId5"/>
+    <p:sldId id="260" r:id="rId6"/>
+    <p:sldId id="261" r:id="rId7"/>
   </p:sldIdLst>
   <p:sldSz cx="12192000" cy="6858000"/>
   <p:notesSz cx="6858000" cy="9144000"/>
@@ -262,7 +266,7 @@
           <a:p>
             <a:fld id="{E9DB031D-56B3-4206-A4EC-8F4FFECEEA0D}" type="datetimeFigureOut">
               <a:rPr lang="en-US" smtClean="0"/>
-              <a:t>12/3/2020</a:t>
+              <a:t>12/6/2020</a:t>
             </a:fld>
             <a:endParaRPr lang="en-US"/>
           </a:p>
@@ -462,7 +466,7 @@
           <a:p>
             <a:fld id="{E9DB031D-56B3-4206-A4EC-8F4FFECEEA0D}" type="datetimeFigureOut">
               <a:rPr lang="en-US" smtClean="0"/>
-              <a:t>12/3/2020</a:t>
+              <a:t>12/6/2020</a:t>
             </a:fld>
             <a:endParaRPr lang="en-US"/>
           </a:p>
@@ -672,7 +676,7 @@
           <a:p>
             <a:fld id="{E9DB031D-56B3-4206-A4EC-8F4FFECEEA0D}" type="datetimeFigureOut">
               <a:rPr lang="en-US" smtClean="0"/>
-              <a:t>12/3/2020</a:t>
+              <a:t>12/6/2020</a:t>
             </a:fld>
             <a:endParaRPr lang="en-US"/>
           </a:p>
@@ -872,7 +876,7 @@
           <a:p>
             <a:fld id="{E9DB031D-56B3-4206-A4EC-8F4FFECEEA0D}" type="datetimeFigureOut">
               <a:rPr lang="en-US" smtClean="0"/>
-              <a:t>12/3/2020</a:t>
+              <a:t>12/6/2020</a:t>
             </a:fld>
             <a:endParaRPr lang="en-US"/>
           </a:p>
@@ -1148,7 +1152,7 @@
           <a:p>
             <a:fld id="{E9DB031D-56B3-4206-A4EC-8F4FFECEEA0D}" type="datetimeFigureOut">
               <a:rPr lang="en-US" smtClean="0"/>
-              <a:t>12/3/2020</a:t>
+              <a:t>12/6/2020</a:t>
             </a:fld>
             <a:endParaRPr lang="en-US"/>
           </a:p>
@@ -1416,7 +1420,7 @@
           <a:p>
             <a:fld id="{E9DB031D-56B3-4206-A4EC-8F4FFECEEA0D}" type="datetimeFigureOut">
               <a:rPr lang="en-US" smtClean="0"/>
-              <a:t>12/3/2020</a:t>
+              <a:t>12/6/2020</a:t>
             </a:fld>
             <a:endParaRPr lang="en-US"/>
           </a:p>
@@ -1831,7 +1835,7 @@
           <a:p>
             <a:fld id="{E9DB031D-56B3-4206-A4EC-8F4FFECEEA0D}" type="datetimeFigureOut">
               <a:rPr lang="en-US" smtClean="0"/>
-              <a:t>12/3/2020</a:t>
+              <a:t>12/6/2020</a:t>
             </a:fld>
             <a:endParaRPr lang="en-US"/>
           </a:p>
@@ -1973,7 +1977,7 @@
           <a:p>
             <a:fld id="{E9DB031D-56B3-4206-A4EC-8F4FFECEEA0D}" type="datetimeFigureOut">
               <a:rPr lang="en-US" smtClean="0"/>
-              <a:t>12/3/2020</a:t>
+              <a:t>12/6/2020</a:t>
             </a:fld>
             <a:endParaRPr lang="en-US"/>
           </a:p>
@@ -2086,7 +2090,7 @@
           <a:p>
             <a:fld id="{E9DB031D-56B3-4206-A4EC-8F4FFECEEA0D}" type="datetimeFigureOut">
               <a:rPr lang="en-US" smtClean="0"/>
-              <a:t>12/3/2020</a:t>
+              <a:t>12/6/2020</a:t>
             </a:fld>
             <a:endParaRPr lang="en-US"/>
           </a:p>
@@ -2399,7 +2403,7 @@
           <a:p>
             <a:fld id="{E9DB031D-56B3-4206-A4EC-8F4FFECEEA0D}" type="datetimeFigureOut">
               <a:rPr lang="en-US" smtClean="0"/>
-              <a:t>12/3/2020</a:t>
+              <a:t>12/6/2020</a:t>
             </a:fld>
             <a:endParaRPr lang="en-US"/>
           </a:p>
@@ -2688,7 +2692,7 @@
           <a:p>
             <a:fld id="{E9DB031D-56B3-4206-A4EC-8F4FFECEEA0D}" type="datetimeFigureOut">
               <a:rPr lang="en-US" smtClean="0"/>
-              <a:t>12/3/2020</a:t>
+              <a:t>12/6/2020</a:t>
             </a:fld>
             <a:endParaRPr lang="en-US"/>
           </a:p>
@@ -2931,7 +2935,7 @@
           <a:p>
             <a:fld id="{E9DB031D-56B3-4206-A4EC-8F4FFECEEA0D}" type="datetimeFigureOut">
               <a:rPr lang="en-US" smtClean="0"/>
-              <a:t>12/3/2020</a:t>
+              <a:t>12/6/2020</a:t>
             </a:fld>
             <a:endParaRPr lang="en-US"/>
           </a:p>
@@ -4259,7 +4263,7 @@
             <a:pPr algn="ctr"/>
             <a:r>
               <a:rPr lang="en-US" sz="2000" dirty="0">
-                <a:latin typeface="Montserrat SemiBold" panose="00000700000000000000" pitchFamily="50" charset="0"/>
+                <a:latin typeface="Montserrat Medium" panose="00000600000000000000" pitchFamily="50" charset="0"/>
               </a:rPr>
               <a:t>Cross-Lagged Model: Gentrification and Felony Crime Rates</a:t>
             </a:r>
@@ -4310,8 +4314,8 @@
         </p:nvSpPr>
         <p:spPr>
           <a:xfrm>
-            <a:off x="329411" y="120648"/>
-            <a:ext cx="10825133" cy="5685183"/>
+            <a:off x="1316433" y="550912"/>
+            <a:ext cx="9757014" cy="6004938"/>
           </a:xfrm>
           <a:prstGeom prst="rect">
             <a:avLst/>
@@ -4350,26 +4354,37 @@
       </p:sp>
       <p:pic>
         <p:nvPicPr>
-          <p:cNvPr id="4" name="Image 3">
-            <a:extLst>
-              <a:ext uri="{FF2B5EF4-FFF2-40B4-BE49-F238E27FC236}">
-                <a16:creationId xmlns:a16="http://schemas.microsoft.com/office/drawing/2014/main" id="{0A564696-8AF0-4790-A202-DFE68D2D1AC8}"/>
-              </a:ext>
-            </a:extLst>
-          </p:cNvPr>
-          <p:cNvPicPr/>
+          <p:cNvPr id="11" name="Graphique 10">
+            <a:extLst>
+              <a:ext uri="{FF2B5EF4-FFF2-40B4-BE49-F238E27FC236}">
+                <a16:creationId xmlns:a16="http://schemas.microsoft.com/office/drawing/2014/main" id="{0C9AB456-EAE3-4962-A41C-CEDEB840334D}"/>
+              </a:ext>
+            </a:extLst>
+          </p:cNvPr>
+          <p:cNvPicPr>
+            <a:picLocks noChangeAspect="1"/>
+          </p:cNvPicPr>
           <p:nvPr/>
         </p:nvPicPr>
         <p:blipFill>
-          <a:blip r:embed="rId2"/>
+          <a:blip r:embed="rId2">
+            <a:extLst>
+              <a:ext uri="{28A0092B-C50C-407E-A947-70E740481C1C}">
+                <a14:useLocalDpi xmlns:a14="http://schemas.microsoft.com/office/drawing/2010/main" val="0"/>
+              </a:ext>
+              <a:ext uri="{96DAC541-7B7A-43D3-8B79-37D633B846F1}">
+                <asvg:svgBlip xmlns:asvg="http://schemas.microsoft.com/office/drawing/2016/SVG/main" r:embed="rId3"/>
+              </a:ext>
+            </a:extLst>
+          </a:blip>
           <a:stretch>
             <a:fillRect/>
           </a:stretch>
         </p:blipFill>
         <p:spPr>
           <a:xfrm>
-            <a:off x="1611306" y="695288"/>
-            <a:ext cx="9171671" cy="4671191"/>
+            <a:off x="1624281" y="634175"/>
+            <a:ext cx="9249108" cy="5780693"/>
           </a:xfrm>
           <a:prstGeom prst="rect">
             <a:avLst/>
@@ -4390,8 +4405,8 @@
         </p:nvSpPr>
         <p:spPr>
           <a:xfrm>
-            <a:off x="1409023" y="2600388"/>
-            <a:ext cx="2053877" cy="646331"/>
+            <a:off x="1507497" y="3362009"/>
+            <a:ext cx="2053877" cy="461665"/>
           </a:xfrm>
           <a:prstGeom prst="rect">
             <a:avLst/>
@@ -4405,41 +4420,6 @@
           <a:lstStyle/>
           <a:p>
             <a:pPr algn="ctr"/>
-            <a:r>
-              <a:rPr lang="en-US" sz="1200" dirty="0">
-                <a:solidFill>
-                  <a:schemeClr val="bg2">
-                    <a:lumMod val="25000"/>
-                  </a:schemeClr>
-                </a:solidFill>
-                <a:effectLst>
-                  <a:outerShdw blurRad="38100" dist="38100" dir="2700000" algn="tl">
-                    <a:srgbClr val="000000">
-                      <a:alpha val="43137"/>
-                    </a:srgbClr>
-                  </a:outerShdw>
-                </a:effectLst>
-                <a:latin typeface="Montserrat Light" panose="00000400000000000000" pitchFamily="50" charset="0"/>
-              </a:rPr>
-              <a:t>Fort Hamilton – </a:t>
-            </a:r>
-            <a:br>
-              <a:rPr lang="en-US" sz="1200" dirty="0">
-                <a:solidFill>
-                  <a:schemeClr val="bg2">
-                    <a:lumMod val="25000"/>
-                  </a:schemeClr>
-                </a:solidFill>
-                <a:effectLst>
-                  <a:outerShdw blurRad="38100" dist="38100" dir="2700000" algn="tl">
-                    <a:srgbClr val="000000">
-                      <a:alpha val="43137"/>
-                    </a:srgbClr>
-                  </a:outerShdw>
-                </a:effectLst>
-                <a:latin typeface="Montserrat Light" panose="00000400000000000000" pitchFamily="50" charset="0"/>
-              </a:rPr>
-            </a:br>
             <a:r>
               <a:rPr lang="en-US" sz="1200" dirty="0">
                 <a:solidFill>
@@ -4492,7 +4472,7 @@
         </p:nvSpPr>
         <p:spPr>
           <a:xfrm>
-            <a:off x="2686798" y="1807975"/>
+            <a:off x="2703893" y="2686240"/>
             <a:ext cx="2053877" cy="276999"/>
           </a:xfrm>
           <a:prstGeom prst="rect">
@@ -4523,7 +4503,7 @@
                 </a:effectLst>
                 <a:latin typeface="Montserrat Light" panose="00000400000000000000" pitchFamily="50" charset="0"/>
               </a:rPr>
-              <a:t>Sunset Park</a:t>
+              <a:t>Sunset Park East</a:t>
             </a:r>
           </a:p>
         </p:txBody>
@@ -4542,7 +4522,7 @@
         </p:nvSpPr>
         <p:spPr>
           <a:xfrm>
-            <a:off x="4882630" y="2323389"/>
+            <a:off x="4608874" y="3047508"/>
             <a:ext cx="2053877" cy="276999"/>
           </a:xfrm>
           <a:prstGeom prst="rect">
@@ -4592,7 +4572,7 @@
         </p:nvSpPr>
         <p:spPr>
           <a:xfrm>
-            <a:off x="6096000" y="2753884"/>
+            <a:off x="5741977" y="3386021"/>
             <a:ext cx="2053877" cy="276999"/>
           </a:xfrm>
           <a:prstGeom prst="rect">
@@ -4632,6 +4612,1014 @@
     <p:extLst>
       <p:ext uri="{BB962C8B-B14F-4D97-AF65-F5344CB8AC3E}">
         <p14:creationId xmlns:p14="http://schemas.microsoft.com/office/powerpoint/2010/main" val="4040723859"/>
+      </p:ext>
+    </p:extLst>
+  </p:cSld>
+  <p:clrMapOvr>
+    <a:masterClrMapping/>
+  </p:clrMapOvr>
+</p:sld>
+</file>
+
+<file path=ppt/slides/slide3.xml><?xml version="1.0" encoding="utf-8"?>
+<p:sld xmlns:a="http://schemas.openxmlformats.org/drawingml/2006/main" xmlns:r="http://schemas.openxmlformats.org/officeDocument/2006/relationships" xmlns:p="http://schemas.openxmlformats.org/presentationml/2006/main">
+  <p:cSld>
+    <p:spTree>
+      <p:nvGrpSpPr>
+        <p:cNvPr id="1" name=""/>
+        <p:cNvGrpSpPr/>
+        <p:nvPr/>
+      </p:nvGrpSpPr>
+      <p:grpSpPr>
+        <a:xfrm>
+          <a:off x="0" y="0"/>
+          <a:ext cx="0" cy="0"/>
+          <a:chOff x="0" y="0"/>
+          <a:chExt cx="0" cy="0"/>
+        </a:xfrm>
+      </p:grpSpPr>
+      <p:pic>
+        <p:nvPicPr>
+          <p:cNvPr id="9" name="Graphique 8">
+            <a:extLst>
+              <a:ext uri="{FF2B5EF4-FFF2-40B4-BE49-F238E27FC236}">
+                <a16:creationId xmlns:a16="http://schemas.microsoft.com/office/drawing/2014/main" id="{5F3E1C3A-A4E4-4739-B8B9-81E41C636B6D}"/>
+              </a:ext>
+            </a:extLst>
+          </p:cNvPr>
+          <p:cNvPicPr>
+            <a:picLocks noChangeAspect="1"/>
+          </p:cNvPicPr>
+          <p:nvPr/>
+        </p:nvPicPr>
+        <p:blipFill>
+          <a:blip r:embed="rId2">
+            <a:extLst>
+              <a:ext uri="{28A0092B-C50C-407E-A947-70E740481C1C}">
+                <a14:useLocalDpi xmlns:a14="http://schemas.microsoft.com/office/drawing/2010/main" val="0"/>
+              </a:ext>
+              <a:ext uri="{96DAC541-7B7A-43D3-8B79-37D633B846F1}">
+                <asvg:svgBlip xmlns:asvg="http://schemas.microsoft.com/office/drawing/2016/SVG/main" r:embed="rId3"/>
+              </a:ext>
+            </a:extLst>
+          </a:blip>
+          <a:stretch>
+            <a:fillRect/>
+          </a:stretch>
+        </p:blipFill>
+        <p:spPr>
+          <a:xfrm>
+            <a:off x="996844" y="1033046"/>
+            <a:ext cx="10557069" cy="4398779"/>
+          </a:xfrm>
+          <a:prstGeom prst="rect">
+            <a:avLst/>
+          </a:prstGeom>
+        </p:spPr>
+      </p:pic>
+      <p:sp>
+        <p:nvSpPr>
+          <p:cNvPr id="10" name="Ellipse 9">
+            <a:extLst>
+              <a:ext uri="{FF2B5EF4-FFF2-40B4-BE49-F238E27FC236}">
+                <a16:creationId xmlns:a16="http://schemas.microsoft.com/office/drawing/2014/main" id="{EBCF7279-84E7-47D1-B02B-9F375581E86E}"/>
+              </a:ext>
+            </a:extLst>
+          </p:cNvPr>
+          <p:cNvSpPr/>
+          <p:nvPr/>
+        </p:nvSpPr>
+        <p:spPr>
+          <a:xfrm>
+            <a:off x="9952517" y="3516514"/>
+            <a:ext cx="60852" cy="60852"/>
+          </a:xfrm>
+          <a:prstGeom prst="ellipse">
+            <a:avLst/>
+          </a:prstGeom>
+          <a:solidFill>
+            <a:srgbClr val="83AEBB"/>
+          </a:solidFill>
+          <a:ln>
+            <a:noFill/>
+          </a:ln>
+        </p:spPr>
+        <p:style>
+          <a:lnRef idx="2">
+            <a:schemeClr val="accent1">
+              <a:shade val="50000"/>
+            </a:schemeClr>
+          </a:lnRef>
+          <a:fillRef idx="1">
+            <a:schemeClr val="accent1"/>
+          </a:fillRef>
+          <a:effectRef idx="0">
+            <a:schemeClr val="accent1"/>
+          </a:effectRef>
+          <a:fontRef idx="minor">
+            <a:schemeClr val="lt1"/>
+          </a:fontRef>
+        </p:style>
+        <p:txBody>
+          <a:bodyPr rtlCol="0" anchor="ctr"/>
+          <a:lstStyle/>
+          <a:p>
+            <a:pPr algn="ctr"/>
+            <a:endParaRPr lang="en-US"/>
+          </a:p>
+        </p:txBody>
+      </p:sp>
+    </p:spTree>
+    <p:extLst>
+      <p:ext uri="{BB962C8B-B14F-4D97-AF65-F5344CB8AC3E}">
+        <p14:creationId xmlns:p14="http://schemas.microsoft.com/office/powerpoint/2010/main" val="3534834762"/>
+      </p:ext>
+    </p:extLst>
+  </p:cSld>
+  <p:clrMapOvr>
+    <a:masterClrMapping/>
+  </p:clrMapOvr>
+</p:sld>
+</file>
+
+<file path=ppt/slides/slide4.xml><?xml version="1.0" encoding="utf-8"?>
+<p:sld xmlns:a="http://schemas.openxmlformats.org/drawingml/2006/main" xmlns:r="http://schemas.openxmlformats.org/officeDocument/2006/relationships" xmlns:p="http://schemas.openxmlformats.org/presentationml/2006/main">
+  <p:cSld>
+    <p:spTree>
+      <p:nvGrpSpPr>
+        <p:cNvPr id="1" name=""/>
+        <p:cNvGrpSpPr/>
+        <p:nvPr/>
+      </p:nvGrpSpPr>
+      <p:grpSpPr>
+        <a:xfrm>
+          <a:off x="0" y="0"/>
+          <a:ext cx="0" cy="0"/>
+          <a:chOff x="0" y="0"/>
+          <a:chExt cx="0" cy="0"/>
+        </a:xfrm>
+      </p:grpSpPr>
+      <p:sp>
+        <p:nvSpPr>
+          <p:cNvPr id="6" name="Rectangle 5">
+            <a:extLst>
+              <a:ext uri="{FF2B5EF4-FFF2-40B4-BE49-F238E27FC236}">
+                <a16:creationId xmlns:a16="http://schemas.microsoft.com/office/drawing/2014/main" id="{8DA14CA5-A771-4A50-8DEE-CC5F67B948C6}"/>
+              </a:ext>
+            </a:extLst>
+          </p:cNvPr>
+          <p:cNvSpPr/>
+          <p:nvPr/>
+        </p:nvSpPr>
+        <p:spPr>
+          <a:xfrm>
+            <a:off x="924542" y="1204055"/>
+            <a:ext cx="7577673" cy="3629202"/>
+          </a:xfrm>
+          <a:prstGeom prst="rect">
+            <a:avLst/>
+          </a:prstGeom>
+          <a:solidFill>
+            <a:schemeClr val="bg1"/>
+          </a:solidFill>
+          <a:ln>
+            <a:noFill/>
+          </a:ln>
+        </p:spPr>
+        <p:style>
+          <a:lnRef idx="2">
+            <a:schemeClr val="accent1">
+              <a:shade val="50000"/>
+            </a:schemeClr>
+          </a:lnRef>
+          <a:fillRef idx="1">
+            <a:schemeClr val="accent1"/>
+          </a:fillRef>
+          <a:effectRef idx="0">
+            <a:schemeClr val="accent1"/>
+          </a:effectRef>
+          <a:fontRef idx="minor">
+            <a:schemeClr val="lt1"/>
+          </a:fontRef>
+        </p:style>
+        <p:txBody>
+          <a:bodyPr rtlCol="0" anchor="ctr"/>
+          <a:lstStyle/>
+          <a:p>
+            <a:pPr algn="ctr"/>
+            <a:endParaRPr lang="en-US" dirty="0"/>
+          </a:p>
+        </p:txBody>
+      </p:sp>
+      <p:sp>
+        <p:nvSpPr>
+          <p:cNvPr id="5" name="ZoneTexte 4">
+            <a:extLst>
+              <a:ext uri="{FF2B5EF4-FFF2-40B4-BE49-F238E27FC236}">
+                <a16:creationId xmlns:a16="http://schemas.microsoft.com/office/drawing/2014/main" id="{742E1E36-2EBB-45ED-B480-A7EB073CC419}"/>
+              </a:ext>
+            </a:extLst>
+          </p:cNvPr>
+          <p:cNvSpPr txBox="1"/>
+          <p:nvPr/>
+        </p:nvSpPr>
+        <p:spPr>
+          <a:xfrm>
+            <a:off x="1385799" y="1866439"/>
+            <a:ext cx="6730211" cy="2616101"/>
+          </a:xfrm>
+          <a:prstGeom prst="rect">
+            <a:avLst/>
+          </a:prstGeom>
+          <a:noFill/>
+        </p:spPr>
+        <p:txBody>
+          <a:bodyPr wrap="square">
+            <a:spAutoFit/>
+          </a:bodyPr>
+          <a:lstStyle/>
+          <a:p>
+            <a:endParaRPr lang="en-US" sz="1600" dirty="0">
+              <a:latin typeface="Montserrat Light" panose="00000400000000000000" pitchFamily="50" charset="0"/>
+            </a:endParaRPr>
+          </a:p>
+          <a:p>
+            <a:r>
+              <a:rPr lang="en-US" sz="1600" dirty="0">
+                <a:latin typeface="Montserrat Light" panose="00000400000000000000" pitchFamily="50" charset="0"/>
+              </a:rPr>
+              <a:t>===============================================================</a:t>
+            </a:r>
+          </a:p>
+          <a:p>
+            <a:r>
+              <a:rPr lang="en-US" sz="1600" dirty="0">
+                <a:latin typeface="Montserrat Light" panose="00000400000000000000" pitchFamily="50" charset="0"/>
+              </a:rPr>
+              <a:t>Statistic   N   Mean   St. Dev.   Min         </a:t>
+            </a:r>
+            <a:r>
+              <a:rPr lang="en-US" sz="1600" dirty="0" err="1">
+                <a:latin typeface="Montserrat Light" panose="00000400000000000000" pitchFamily="50" charset="0"/>
+              </a:rPr>
+              <a:t>Pctl</a:t>
+            </a:r>
+            <a:r>
+              <a:rPr lang="en-US" sz="1600" dirty="0">
+                <a:latin typeface="Montserrat Light" panose="00000400000000000000" pitchFamily="50" charset="0"/>
+              </a:rPr>
+              <a:t>(25)   </a:t>
+            </a:r>
+            <a:r>
+              <a:rPr lang="en-US" sz="1600" dirty="0" err="1">
+                <a:latin typeface="Montserrat Light" panose="00000400000000000000" pitchFamily="50" charset="0"/>
+              </a:rPr>
+              <a:t>Pctl</a:t>
+            </a:r>
+            <a:r>
+              <a:rPr lang="en-US" sz="1600" dirty="0">
+                <a:latin typeface="Montserrat Light" panose="00000400000000000000" pitchFamily="50" charset="0"/>
+              </a:rPr>
+              <a:t>(75)  Max  </a:t>
+            </a:r>
+          </a:p>
+          <a:p>
+            <a:r>
+              <a:rPr lang="en-US" sz="1600" dirty="0">
+                <a:latin typeface="Montserrat Light" panose="00000400000000000000" pitchFamily="50" charset="0"/>
+              </a:rPr>
+              <a:t>------------------------------------------------------------------------------------</a:t>
+            </a:r>
+          </a:p>
+          <a:p>
+            <a:r>
+              <a:rPr lang="en-US" sz="1600" dirty="0" err="1">
+                <a:latin typeface="Montserrat Light" panose="00000400000000000000" pitchFamily="50" charset="0"/>
+              </a:rPr>
+              <a:t>Ii</a:t>
+            </a:r>
+            <a:r>
+              <a:rPr lang="en-US" sz="1600" dirty="0">
+                <a:latin typeface="Montserrat Light" panose="00000400000000000000" pitchFamily="50" charset="0"/>
+              </a:rPr>
+              <a:t>             19   0.366    0.653     -0.445      -0.084     0.492     2.021 </a:t>
+            </a:r>
+          </a:p>
+          <a:p>
+            <a:r>
+              <a:rPr lang="en-US" sz="1600" dirty="0" err="1">
+                <a:latin typeface="Montserrat Light" panose="00000400000000000000" pitchFamily="50" charset="0"/>
+              </a:rPr>
+              <a:t>E.Ii</a:t>
+            </a:r>
+            <a:r>
+              <a:rPr lang="en-US" sz="1600" dirty="0">
+                <a:latin typeface="Montserrat Light" panose="00000400000000000000" pitchFamily="50" charset="0"/>
+              </a:rPr>
+              <a:t>      	19   -0.056   0.000     -0.056      -0.056     -0.056    -0.056</a:t>
+            </a:r>
+          </a:p>
+          <a:p>
+            <a:r>
+              <a:rPr lang="en-US" sz="1600" dirty="0" err="1">
+                <a:latin typeface="Montserrat Light" panose="00000400000000000000" pitchFamily="50" charset="0"/>
+              </a:rPr>
+              <a:t>Var.Ii</a:t>
+            </a:r>
+            <a:r>
+              <a:rPr lang="en-US" sz="1600" dirty="0">
+                <a:latin typeface="Montserrat Light" panose="00000400000000000000" pitchFamily="50" charset="0"/>
+              </a:rPr>
+              <a:t>    	19   0.257    0.189      0.088       0.142      0.267    0.896 </a:t>
+            </a:r>
+          </a:p>
+          <a:p>
+            <a:r>
+              <a:rPr lang="en-US" sz="1600" dirty="0" err="1">
+                <a:latin typeface="Montserrat Light" panose="00000400000000000000" pitchFamily="50" charset="0"/>
+              </a:rPr>
+              <a:t>Z.Ii</a:t>
+            </a:r>
+            <a:r>
+              <a:rPr lang="en-US" sz="1600" dirty="0">
+                <a:latin typeface="Montserrat Light" panose="00000400000000000000" pitchFamily="50" charset="0"/>
+              </a:rPr>
+              <a:t>      	19   0.908    1.352     -1.034      -0.063      1.454    4.015 </a:t>
+            </a:r>
+          </a:p>
+          <a:p>
+            <a:r>
+              <a:rPr lang="en-US" sz="1600" dirty="0" err="1">
+                <a:latin typeface="Montserrat Light" panose="00000400000000000000" pitchFamily="50" charset="0"/>
+              </a:rPr>
+              <a:t>Pr</a:t>
+            </a:r>
+            <a:r>
+              <a:rPr lang="en-US" sz="1600" dirty="0">
+                <a:latin typeface="Montserrat Light" panose="00000400000000000000" pitchFamily="50" charset="0"/>
+              </a:rPr>
+              <a:t>(z &gt; 0)  19   0.309    0.256      0.00003   0.074      0.525    0.849 </a:t>
+            </a:r>
+          </a:p>
+          <a:p>
+            <a:r>
+              <a:rPr lang="en-US" sz="1600" dirty="0">
+                <a:latin typeface="Montserrat Light" panose="00000400000000000000" pitchFamily="50" charset="0"/>
+              </a:rPr>
+              <a:t>------------------------------------------------------------------------------------</a:t>
+            </a:r>
+          </a:p>
+        </p:txBody>
+      </p:sp>
+      <p:sp>
+        <p:nvSpPr>
+          <p:cNvPr id="8" name="ZoneTexte 7">
+            <a:extLst>
+              <a:ext uri="{FF2B5EF4-FFF2-40B4-BE49-F238E27FC236}">
+                <a16:creationId xmlns:a16="http://schemas.microsoft.com/office/drawing/2014/main" id="{D4CA711E-EEA9-4E6A-811F-A16133ED0CBB}"/>
+              </a:ext>
+            </a:extLst>
+          </p:cNvPr>
+          <p:cNvSpPr txBox="1"/>
+          <p:nvPr/>
+        </p:nvSpPr>
+        <p:spPr>
+          <a:xfrm>
+            <a:off x="1418449" y="1670347"/>
+            <a:ext cx="6096946" cy="369332"/>
+          </a:xfrm>
+          <a:prstGeom prst="rect">
+            <a:avLst/>
+          </a:prstGeom>
+          <a:noFill/>
+        </p:spPr>
+        <p:txBody>
+          <a:bodyPr wrap="square">
+            <a:spAutoFit/>
+          </a:bodyPr>
+          <a:lstStyle/>
+          <a:p>
+            <a:r>
+              <a:rPr lang="en-US" sz="1800" dirty="0">
+                <a:latin typeface="Montserrat Medium" panose="00000600000000000000" pitchFamily="50" charset="0"/>
+              </a:rPr>
+              <a:t>Moran’s I of Felony Rates for Non-Gentrified Areas</a:t>
+            </a:r>
+          </a:p>
+        </p:txBody>
+      </p:sp>
+    </p:spTree>
+    <p:extLst>
+      <p:ext uri="{BB962C8B-B14F-4D97-AF65-F5344CB8AC3E}">
+        <p14:creationId xmlns:p14="http://schemas.microsoft.com/office/powerpoint/2010/main" val="1171683375"/>
+      </p:ext>
+    </p:extLst>
+  </p:cSld>
+  <p:clrMapOvr>
+    <a:masterClrMapping/>
+  </p:clrMapOvr>
+</p:sld>
+</file>
+
+<file path=ppt/slides/slide5.xml><?xml version="1.0" encoding="utf-8"?>
+<p:sld xmlns:a="http://schemas.openxmlformats.org/drawingml/2006/main" xmlns:r="http://schemas.openxmlformats.org/officeDocument/2006/relationships" xmlns:p="http://schemas.openxmlformats.org/presentationml/2006/main">
+  <p:cSld>
+    <p:spTree>
+      <p:nvGrpSpPr>
+        <p:cNvPr id="1" name=""/>
+        <p:cNvGrpSpPr/>
+        <p:nvPr/>
+      </p:nvGrpSpPr>
+      <p:grpSpPr>
+        <a:xfrm>
+          <a:off x="0" y="0"/>
+          <a:ext cx="0" cy="0"/>
+          <a:chOff x="0" y="0"/>
+          <a:chExt cx="0" cy="0"/>
+        </a:xfrm>
+      </p:grpSpPr>
+      <p:sp>
+        <p:nvSpPr>
+          <p:cNvPr id="5" name="ZoneTexte 4">
+            <a:extLst>
+              <a:ext uri="{FF2B5EF4-FFF2-40B4-BE49-F238E27FC236}">
+                <a16:creationId xmlns:a16="http://schemas.microsoft.com/office/drawing/2014/main" id="{C7CD257E-71D2-40C6-8F1A-2DDD4FE5184B}"/>
+              </a:ext>
+            </a:extLst>
+          </p:cNvPr>
+          <p:cNvSpPr txBox="1"/>
+          <p:nvPr/>
+        </p:nvSpPr>
+        <p:spPr>
+          <a:xfrm>
+            <a:off x="3048472" y="1306762"/>
+            <a:ext cx="7288223" cy="4524315"/>
+          </a:xfrm>
+          <a:prstGeom prst="rect">
+            <a:avLst/>
+          </a:prstGeom>
+          <a:noFill/>
+        </p:spPr>
+        <p:txBody>
+          <a:bodyPr wrap="square">
+            <a:spAutoFit/>
+          </a:bodyPr>
+          <a:lstStyle/>
+          <a:p>
+            <a:r>
+              <a:rPr lang="en-US" u="sng" dirty="0" err="1">
+                <a:latin typeface="Montserrat Light" panose="00000400000000000000" pitchFamily="50" charset="0"/>
+              </a:rPr>
+              <a:t>Stan_glm</a:t>
+            </a:r>
+            <a:r>
+              <a:rPr lang="en-US" u="sng" dirty="0">
+                <a:latin typeface="Montserrat Light" panose="00000400000000000000" pitchFamily="50" charset="0"/>
+              </a:rPr>
+              <a:t> linear regression</a:t>
+            </a:r>
+          </a:p>
+          <a:p>
+            <a:endParaRPr lang="en-US" dirty="0">
+              <a:latin typeface="Montserrat Light" panose="00000400000000000000" pitchFamily="50" charset="0"/>
+            </a:endParaRPr>
+          </a:p>
+          <a:p>
+            <a:r>
+              <a:rPr lang="en-US" dirty="0">
+                <a:latin typeface="Montserrat Light" panose="00000400000000000000" pitchFamily="50" charset="0"/>
+              </a:rPr>
+              <a:t> family:       gaussian [identity]</a:t>
+            </a:r>
+          </a:p>
+          <a:p>
+            <a:r>
+              <a:rPr lang="en-US" dirty="0">
+                <a:latin typeface="Montserrat Light" panose="00000400000000000000" pitchFamily="50" charset="0"/>
+              </a:rPr>
+              <a:t> formula:      FEL_NTA_CHANGE ~ NTA_GENTRI_SCORE</a:t>
+            </a:r>
+          </a:p>
+          <a:p>
+            <a:r>
+              <a:rPr lang="en-US" dirty="0">
+                <a:latin typeface="Montserrat Light" panose="00000400000000000000" pitchFamily="50" charset="0"/>
+              </a:rPr>
+              <a:t> observations: 19</a:t>
+            </a:r>
+          </a:p>
+          <a:p>
+            <a:r>
+              <a:rPr lang="en-US" dirty="0">
+                <a:latin typeface="Montserrat Light" panose="00000400000000000000" pitchFamily="50" charset="0"/>
+              </a:rPr>
+              <a:t> predictors:   2</a:t>
+            </a:r>
+          </a:p>
+          <a:p>
+            <a:r>
+              <a:rPr lang="en-US" dirty="0">
+                <a:latin typeface="Montserrat Light" panose="00000400000000000000" pitchFamily="50" charset="0"/>
+              </a:rPr>
+              <a:t>------</a:t>
+            </a:r>
+          </a:p>
+          <a:p>
+            <a:r>
+              <a:rPr lang="en-US" dirty="0">
+                <a:latin typeface="Montserrat Light" panose="00000400000000000000" pitchFamily="50" charset="0"/>
+              </a:rPr>
+              <a:t>                 Median    MAD_SD   </a:t>
+            </a:r>
+          </a:p>
+          <a:p>
+            <a:r>
+              <a:rPr lang="en-US" dirty="0">
+                <a:latin typeface="Montserrat Light" panose="00000400000000000000" pitchFamily="50" charset="0"/>
+              </a:rPr>
+              <a:t>(Intercept)      -0.001651  0.000755</a:t>
+            </a:r>
+          </a:p>
+          <a:p>
+            <a:r>
+              <a:rPr lang="en-US" dirty="0">
+                <a:latin typeface="Montserrat Light" panose="00000400000000000000" pitchFamily="50" charset="0"/>
+              </a:rPr>
+              <a:t>NTA_GENTRI_SCORE -0.000204  0.000435</a:t>
+            </a:r>
+          </a:p>
+          <a:p>
+            <a:endParaRPr lang="en-US" dirty="0">
+              <a:latin typeface="Montserrat Light" panose="00000400000000000000" pitchFamily="50" charset="0"/>
+            </a:endParaRPr>
+          </a:p>
+          <a:p>
+            <a:r>
+              <a:rPr lang="en-US" dirty="0">
+                <a:latin typeface="Montserrat Light" panose="00000400000000000000" pitchFamily="50" charset="0"/>
+              </a:rPr>
+              <a:t>Auxiliary parameter(s):</a:t>
+            </a:r>
+          </a:p>
+          <a:p>
+            <a:r>
+              <a:rPr lang="en-US" dirty="0">
+                <a:latin typeface="Montserrat Light" panose="00000400000000000000" pitchFamily="50" charset="0"/>
+              </a:rPr>
+              <a:t>      Median   MAD_SD  </a:t>
+            </a:r>
+          </a:p>
+          <a:p>
+            <a:r>
+              <a:rPr lang="en-US" dirty="0">
+                <a:latin typeface="Montserrat Light" panose="00000400000000000000" pitchFamily="50" charset="0"/>
+              </a:rPr>
+              <a:t>sigma 0.001646 0.000292</a:t>
+            </a:r>
+          </a:p>
+          <a:p>
+            <a:endParaRPr lang="en-US" dirty="0">
+              <a:latin typeface="Montserrat Light" panose="00000400000000000000" pitchFamily="50" charset="0"/>
+            </a:endParaRPr>
+          </a:p>
+          <a:p>
+            <a:r>
+              <a:rPr lang="en-US" dirty="0">
+                <a:latin typeface="Montserrat Light" panose="00000400000000000000" pitchFamily="50" charset="0"/>
+              </a:rPr>
+              <a:t>------</a:t>
+            </a:r>
+          </a:p>
+        </p:txBody>
+      </p:sp>
+    </p:spTree>
+    <p:extLst>
+      <p:ext uri="{BB962C8B-B14F-4D97-AF65-F5344CB8AC3E}">
+        <p14:creationId xmlns:p14="http://schemas.microsoft.com/office/powerpoint/2010/main" val="999052377"/>
+      </p:ext>
+    </p:extLst>
+  </p:cSld>
+  <p:clrMapOvr>
+    <a:masterClrMapping/>
+  </p:clrMapOvr>
+</p:sld>
+</file>
+
+<file path=ppt/slides/slide6.xml><?xml version="1.0" encoding="utf-8"?>
+<p:sld xmlns:a="http://schemas.openxmlformats.org/drawingml/2006/main" xmlns:r="http://schemas.openxmlformats.org/officeDocument/2006/relationships" xmlns:p="http://schemas.openxmlformats.org/presentationml/2006/main">
+  <p:cSld>
+    <p:spTree>
+      <p:nvGrpSpPr>
+        <p:cNvPr id="1" name=""/>
+        <p:cNvGrpSpPr/>
+        <p:nvPr/>
+      </p:nvGrpSpPr>
+      <p:grpSpPr>
+        <a:xfrm>
+          <a:off x="0" y="0"/>
+          <a:ext cx="0" cy="0"/>
+          <a:chOff x="0" y="0"/>
+          <a:chExt cx="0" cy="0"/>
+        </a:xfrm>
+      </p:grpSpPr>
+      <p:pic>
+        <p:nvPicPr>
+          <p:cNvPr id="11" name="Graphique 10">
+            <a:extLst>
+              <a:ext uri="{FF2B5EF4-FFF2-40B4-BE49-F238E27FC236}">
+                <a16:creationId xmlns:a16="http://schemas.microsoft.com/office/drawing/2014/main" id="{91C4C44D-A44C-4BDC-AC1B-8569F3A8D978}"/>
+              </a:ext>
+            </a:extLst>
+          </p:cNvPr>
+          <p:cNvPicPr>
+            <a:picLocks noChangeAspect="1"/>
+          </p:cNvPicPr>
+          <p:nvPr/>
+        </p:nvPicPr>
+        <p:blipFill rotWithShape="1">
+          <a:blip r:embed="rId2">
+            <a:extLst>
+              <a:ext uri="{28A0092B-C50C-407E-A947-70E740481C1C}">
+                <a14:useLocalDpi xmlns:a14="http://schemas.microsoft.com/office/drawing/2010/main" val="0"/>
+              </a:ext>
+              <a:ext uri="{96DAC541-7B7A-43D3-8B79-37D633B846F1}">
+                <asvg:svgBlip xmlns:asvg="http://schemas.microsoft.com/office/drawing/2016/SVG/main" r:embed="rId3"/>
+              </a:ext>
+            </a:extLst>
+          </a:blip>
+          <a:srcRect l="260" t="-131" r="26790" b="26105"/>
+          <a:stretch/>
+        </p:blipFill>
+        <p:spPr>
+          <a:xfrm>
+            <a:off x="2453715" y="859261"/>
+            <a:ext cx="4861485" cy="3083228"/>
+          </a:xfrm>
+          <a:prstGeom prst="rect">
+            <a:avLst/>
+          </a:prstGeom>
+        </p:spPr>
+      </p:pic>
+      <p:pic>
+        <p:nvPicPr>
+          <p:cNvPr id="6" name="Graphique 5">
+            <a:extLst>
+              <a:ext uri="{FF2B5EF4-FFF2-40B4-BE49-F238E27FC236}">
+                <a16:creationId xmlns:a16="http://schemas.microsoft.com/office/drawing/2014/main" id="{788BD658-ACC0-484E-B440-4E0A677480F1}"/>
+              </a:ext>
+            </a:extLst>
+          </p:cNvPr>
+          <p:cNvPicPr>
+            <a:picLocks noChangeAspect="1"/>
+          </p:cNvPicPr>
+          <p:nvPr/>
+        </p:nvPicPr>
+        <p:blipFill rotWithShape="1">
+          <a:blip r:embed="rId2">
+            <a:extLst>
+              <a:ext uri="{28A0092B-C50C-407E-A947-70E740481C1C}">
+                <a14:useLocalDpi xmlns:a14="http://schemas.microsoft.com/office/drawing/2010/main" val="0"/>
+              </a:ext>
+              <a:ext uri="{96DAC541-7B7A-43D3-8B79-37D633B846F1}">
+                <asvg:svgBlip xmlns:asvg="http://schemas.microsoft.com/office/drawing/2016/SVG/main" r:embed="rId3"/>
+              </a:ext>
+            </a:extLst>
+          </a:blip>
+          <a:srcRect l="7141" t="18683" b="12305"/>
+          <a:stretch/>
+        </p:blipFill>
+        <p:spPr>
+          <a:xfrm>
+            <a:off x="3018898" y="1847180"/>
+            <a:ext cx="5094588" cy="2366412"/>
+          </a:xfrm>
+          <a:prstGeom prst="rect">
+            <a:avLst/>
+          </a:prstGeom>
+        </p:spPr>
+      </p:pic>
+      <p:sp>
+        <p:nvSpPr>
+          <p:cNvPr id="7" name="ZoneTexte 6">
+            <a:extLst>
+              <a:ext uri="{FF2B5EF4-FFF2-40B4-BE49-F238E27FC236}">
+                <a16:creationId xmlns:a16="http://schemas.microsoft.com/office/drawing/2014/main" id="{3E57A669-9E7A-43F6-BAC9-B402AA94C0A6}"/>
+              </a:ext>
+            </a:extLst>
+          </p:cNvPr>
+          <p:cNvSpPr txBox="1"/>
+          <p:nvPr/>
+        </p:nvSpPr>
+        <p:spPr>
+          <a:xfrm>
+            <a:off x="3118748" y="1598752"/>
+            <a:ext cx="2053877" cy="400110"/>
+          </a:xfrm>
+          <a:prstGeom prst="rect">
+            <a:avLst/>
+          </a:prstGeom>
+          <a:noFill/>
+        </p:spPr>
+        <p:txBody>
+          <a:bodyPr wrap="square" rtlCol="0">
+            <a:spAutoFit/>
+          </a:bodyPr>
+          <a:lstStyle/>
+          <a:p>
+            <a:pPr algn="ctr"/>
+            <a:r>
+              <a:rPr lang="en-US" sz="1000" dirty="0">
+                <a:solidFill>
+                  <a:schemeClr val="bg2">
+                    <a:lumMod val="25000"/>
+                  </a:schemeClr>
+                </a:solidFill>
+                <a:effectLst>
+                  <a:outerShdw blurRad="38100" dist="38100" dir="2700000" algn="tl">
+                    <a:srgbClr val="000000">
+                      <a:alpha val="43137"/>
+                    </a:srgbClr>
+                  </a:outerShdw>
+                </a:effectLst>
+                <a:latin typeface="Montserrat Light" panose="00000400000000000000" pitchFamily="50" charset="0"/>
+              </a:rPr>
+              <a:t>Low-High</a:t>
+            </a:r>
+          </a:p>
+          <a:p>
+            <a:pPr algn="ctr"/>
+            <a:r>
+              <a:rPr lang="en-US" sz="1000" dirty="0">
+                <a:solidFill>
+                  <a:schemeClr val="bg2">
+                    <a:lumMod val="25000"/>
+                  </a:schemeClr>
+                </a:solidFill>
+                <a:latin typeface="Montserrat ExtraLight" panose="00000300000000000000" pitchFamily="50" charset="0"/>
+              </a:rPr>
+              <a:t>outliers</a:t>
+            </a:r>
+          </a:p>
+        </p:txBody>
+      </p:sp>
+      <p:sp>
+        <p:nvSpPr>
+          <p:cNvPr id="8" name="ZoneTexte 7">
+            <a:extLst>
+              <a:ext uri="{FF2B5EF4-FFF2-40B4-BE49-F238E27FC236}">
+                <a16:creationId xmlns:a16="http://schemas.microsoft.com/office/drawing/2014/main" id="{D5CC98DB-2286-403E-A04D-548D0DDD8F35}"/>
+              </a:ext>
+            </a:extLst>
+          </p:cNvPr>
+          <p:cNvSpPr txBox="1"/>
+          <p:nvPr/>
+        </p:nvSpPr>
+        <p:spPr>
+          <a:xfrm>
+            <a:off x="5566192" y="1629143"/>
+            <a:ext cx="2053877" cy="400110"/>
+          </a:xfrm>
+          <a:prstGeom prst="rect">
+            <a:avLst/>
+          </a:prstGeom>
+          <a:noFill/>
+        </p:spPr>
+        <p:txBody>
+          <a:bodyPr wrap="square" rtlCol="0">
+            <a:spAutoFit/>
+          </a:bodyPr>
+          <a:lstStyle/>
+          <a:p>
+            <a:pPr algn="ctr"/>
+            <a:r>
+              <a:rPr lang="en-US" sz="1000" dirty="0">
+                <a:solidFill>
+                  <a:schemeClr val="bg2">
+                    <a:lumMod val="25000"/>
+                  </a:schemeClr>
+                </a:solidFill>
+                <a:effectLst>
+                  <a:outerShdw blurRad="38100" dist="38100" dir="2700000" algn="tl">
+                    <a:srgbClr val="000000">
+                      <a:alpha val="43137"/>
+                    </a:srgbClr>
+                  </a:outerShdw>
+                </a:effectLst>
+                <a:latin typeface="Montserrat Light" panose="00000400000000000000" pitchFamily="50" charset="0"/>
+              </a:rPr>
+              <a:t>High-High</a:t>
+            </a:r>
+          </a:p>
+          <a:p>
+            <a:pPr algn="ctr"/>
+            <a:r>
+              <a:rPr lang="en-US" sz="1000" dirty="0">
+                <a:solidFill>
+                  <a:schemeClr val="bg2">
+                    <a:lumMod val="25000"/>
+                  </a:schemeClr>
+                </a:solidFill>
+                <a:latin typeface="Montserrat ExtraLight" panose="00000300000000000000" pitchFamily="50" charset="0"/>
+              </a:rPr>
+              <a:t>Positive Correlation</a:t>
+            </a:r>
+          </a:p>
+        </p:txBody>
+      </p:sp>
+      <p:sp>
+        <p:nvSpPr>
+          <p:cNvPr id="9" name="ZoneTexte 8">
+            <a:extLst>
+              <a:ext uri="{FF2B5EF4-FFF2-40B4-BE49-F238E27FC236}">
+                <a16:creationId xmlns:a16="http://schemas.microsoft.com/office/drawing/2014/main" id="{E2A3F27B-CCC9-42CB-9DD0-519145865F9A}"/>
+              </a:ext>
+            </a:extLst>
+          </p:cNvPr>
+          <p:cNvSpPr txBox="1"/>
+          <p:nvPr/>
+        </p:nvSpPr>
+        <p:spPr>
+          <a:xfrm>
+            <a:off x="5635487" y="4268839"/>
+            <a:ext cx="2053877" cy="400110"/>
+          </a:xfrm>
+          <a:prstGeom prst="rect">
+            <a:avLst/>
+          </a:prstGeom>
+          <a:noFill/>
+        </p:spPr>
+        <p:txBody>
+          <a:bodyPr wrap="square" rtlCol="0">
+            <a:spAutoFit/>
+          </a:bodyPr>
+          <a:lstStyle/>
+          <a:p>
+            <a:pPr algn="ctr"/>
+            <a:r>
+              <a:rPr lang="en-US" sz="1000" dirty="0">
+                <a:solidFill>
+                  <a:schemeClr val="bg2">
+                    <a:lumMod val="25000"/>
+                  </a:schemeClr>
+                </a:solidFill>
+                <a:effectLst>
+                  <a:outerShdw blurRad="38100" dist="38100" dir="2700000" algn="tl">
+                    <a:srgbClr val="000000">
+                      <a:alpha val="43137"/>
+                    </a:srgbClr>
+                  </a:outerShdw>
+                </a:effectLst>
+                <a:latin typeface="Montserrat Light" panose="00000400000000000000" pitchFamily="50" charset="0"/>
+              </a:rPr>
+              <a:t>High-low</a:t>
+            </a:r>
+          </a:p>
+          <a:p>
+            <a:pPr algn="ctr"/>
+            <a:r>
+              <a:rPr lang="en-US" sz="1000" dirty="0">
+                <a:solidFill>
+                  <a:schemeClr val="bg2">
+                    <a:lumMod val="25000"/>
+                  </a:schemeClr>
+                </a:solidFill>
+                <a:latin typeface="Montserrat ExtraLight" panose="00000300000000000000" pitchFamily="50" charset="0"/>
+              </a:rPr>
+              <a:t>outliers</a:t>
+            </a:r>
+          </a:p>
+        </p:txBody>
+      </p:sp>
+      <p:sp>
+        <p:nvSpPr>
+          <p:cNvPr id="10" name="ZoneTexte 9">
+            <a:extLst>
+              <a:ext uri="{FF2B5EF4-FFF2-40B4-BE49-F238E27FC236}">
+                <a16:creationId xmlns:a16="http://schemas.microsoft.com/office/drawing/2014/main" id="{C1D2E02E-E77C-41AD-82C6-02CB1B1E39DD}"/>
+              </a:ext>
+            </a:extLst>
+          </p:cNvPr>
+          <p:cNvSpPr txBox="1"/>
+          <p:nvPr/>
+        </p:nvSpPr>
+        <p:spPr>
+          <a:xfrm>
+            <a:off x="3057706" y="4268839"/>
+            <a:ext cx="2053877" cy="553998"/>
+          </a:xfrm>
+          <a:prstGeom prst="rect">
+            <a:avLst/>
+          </a:prstGeom>
+          <a:noFill/>
+        </p:spPr>
+        <p:txBody>
+          <a:bodyPr wrap="square" rtlCol="0">
+            <a:spAutoFit/>
+          </a:bodyPr>
+          <a:lstStyle/>
+          <a:p>
+            <a:pPr algn="ctr"/>
+            <a:r>
+              <a:rPr lang="en-US" sz="1000" dirty="0">
+                <a:solidFill>
+                  <a:schemeClr val="bg2">
+                    <a:lumMod val="25000"/>
+                  </a:schemeClr>
+                </a:solidFill>
+                <a:effectLst>
+                  <a:outerShdw blurRad="38100" dist="38100" dir="2700000" algn="tl">
+                    <a:srgbClr val="000000">
+                      <a:alpha val="43137"/>
+                    </a:srgbClr>
+                  </a:outerShdw>
+                </a:effectLst>
+                <a:latin typeface="Montserrat Light" panose="00000400000000000000" pitchFamily="50" charset="0"/>
+              </a:rPr>
+              <a:t>Low-low</a:t>
+            </a:r>
+            <a:endParaRPr lang="en-US" sz="1000" dirty="0">
+              <a:solidFill>
+                <a:schemeClr val="bg2">
+                  <a:lumMod val="25000"/>
+                </a:schemeClr>
+              </a:solidFill>
+              <a:latin typeface="Montserrat ExtraLight" panose="00000300000000000000" pitchFamily="50" charset="0"/>
+            </a:endParaRPr>
+          </a:p>
+          <a:p>
+            <a:pPr algn="ctr"/>
+            <a:r>
+              <a:rPr lang="en-US" sz="1000" dirty="0">
+                <a:solidFill>
+                  <a:schemeClr val="bg2">
+                    <a:lumMod val="25000"/>
+                  </a:schemeClr>
+                </a:solidFill>
+                <a:latin typeface="Montserrat ExtraLight" panose="00000300000000000000" pitchFamily="50" charset="0"/>
+              </a:rPr>
+              <a:t>Positive correlation</a:t>
+            </a:r>
+          </a:p>
+          <a:p>
+            <a:pPr algn="ctr"/>
+            <a:endParaRPr lang="en-US" sz="1000" dirty="0">
+              <a:solidFill>
+                <a:schemeClr val="bg2">
+                  <a:lumMod val="25000"/>
+                </a:schemeClr>
+              </a:solidFill>
+              <a:latin typeface="Montserrat ExtraLight" panose="00000300000000000000" pitchFamily="50" charset="0"/>
+            </a:endParaRPr>
+          </a:p>
+        </p:txBody>
+      </p:sp>
+      <p:sp>
+        <p:nvSpPr>
+          <p:cNvPr id="12" name="ZoneTexte 11">
+            <a:extLst>
+              <a:ext uri="{FF2B5EF4-FFF2-40B4-BE49-F238E27FC236}">
+                <a16:creationId xmlns:a16="http://schemas.microsoft.com/office/drawing/2014/main" id="{2165CE1F-D356-4A9B-9B1C-E0209A49490B}"/>
+              </a:ext>
+            </a:extLst>
+          </p:cNvPr>
+          <p:cNvSpPr txBox="1"/>
+          <p:nvPr/>
+        </p:nvSpPr>
+        <p:spPr>
+          <a:xfrm>
+            <a:off x="4227127" y="4681980"/>
+            <a:ext cx="2053877" cy="253916"/>
+          </a:xfrm>
+          <a:prstGeom prst="rect">
+            <a:avLst/>
+          </a:prstGeom>
+          <a:noFill/>
+        </p:spPr>
+        <p:txBody>
+          <a:bodyPr wrap="square" rtlCol="0">
+            <a:spAutoFit/>
+          </a:bodyPr>
+          <a:lstStyle/>
+          <a:p>
+            <a:pPr algn="ctr"/>
+            <a:r>
+              <a:rPr lang="en-US" sz="1050" dirty="0">
+                <a:solidFill>
+                  <a:schemeClr val="bg2">
+                    <a:lumMod val="25000"/>
+                  </a:schemeClr>
+                </a:solidFill>
+                <a:latin typeface="Raleway" panose="020B0503030101060003" pitchFamily="34" charset="0"/>
+              </a:rPr>
+              <a:t>Felony</a:t>
+            </a:r>
+          </a:p>
+        </p:txBody>
+      </p:sp>
+    </p:spTree>
+    <p:extLst>
+      <p:ext uri="{BB962C8B-B14F-4D97-AF65-F5344CB8AC3E}">
+        <p14:creationId xmlns:p14="http://schemas.microsoft.com/office/powerpoint/2010/main" val="3231636375"/>
       </p:ext>
     </p:extLst>
   </p:cSld>

--- a/visualizations/Diagrams.pptx
+++ b/visualizations/Diagrams.pptx
@@ -4,6 +4,9 @@
   <p:sldMasterIdLst>
     <p:sldMasterId id="2147483648" r:id="rId1"/>
   </p:sldMasterIdLst>
+  <p:notesMasterIdLst>
+    <p:notesMasterId r:id="rId11"/>
+  </p:notesMasterIdLst>
   <p:sldIdLst>
     <p:sldId id="256" r:id="rId2"/>
     <p:sldId id="257" r:id="rId3"/>
@@ -11,6 +14,9 @@
     <p:sldId id="259" r:id="rId5"/>
     <p:sldId id="260" r:id="rId6"/>
     <p:sldId id="261" r:id="rId7"/>
+    <p:sldId id="262" r:id="rId8"/>
+    <p:sldId id="263" r:id="rId9"/>
+    <p:sldId id="264" r:id="rId10"/>
   </p:sldIdLst>
   <p:sldSz cx="12192000" cy="6858000"/>
   <p:notesSz cx="6858000" cy="9144000"/>
@@ -117,6 +123,530 @@
 </p:presentation>
 </file>
 
+<file path=ppt/notesMasters/notesMaster1.xml><?xml version="1.0" encoding="utf-8"?>
+<p:notesMaster xmlns:a="http://schemas.openxmlformats.org/drawingml/2006/main" xmlns:r="http://schemas.openxmlformats.org/officeDocument/2006/relationships" xmlns:p="http://schemas.openxmlformats.org/presentationml/2006/main">
+  <p:cSld>
+    <p:bg>
+      <p:bgRef idx="1001">
+        <a:schemeClr val="bg1"/>
+      </p:bgRef>
+    </p:bg>
+    <p:spTree>
+      <p:nvGrpSpPr>
+        <p:cNvPr id="1" name=""/>
+        <p:cNvGrpSpPr/>
+        <p:nvPr/>
+      </p:nvGrpSpPr>
+      <p:grpSpPr>
+        <a:xfrm>
+          <a:off x="0" y="0"/>
+          <a:ext cx="0" cy="0"/>
+          <a:chOff x="0" y="0"/>
+          <a:chExt cx="0" cy="0"/>
+        </a:xfrm>
+      </p:grpSpPr>
+      <p:sp>
+        <p:nvSpPr>
+          <p:cNvPr id="2" name="Espace réservé de l'en-tête 1"/>
+          <p:cNvSpPr>
+            <a:spLocks noGrp="1"/>
+          </p:cNvSpPr>
+          <p:nvPr>
+            <p:ph type="hdr" sz="quarter"/>
+          </p:nvPr>
+        </p:nvSpPr>
+        <p:spPr>
+          <a:xfrm>
+            <a:off x="0" y="0"/>
+            <a:ext cx="2971800" cy="458788"/>
+          </a:xfrm>
+          <a:prstGeom prst="rect">
+            <a:avLst/>
+          </a:prstGeom>
+        </p:spPr>
+        <p:txBody>
+          <a:bodyPr vert="horz" lIns="91440" tIns="45720" rIns="91440" bIns="45720" rtlCol="0"/>
+          <a:lstStyle>
+            <a:lvl1pPr algn="l">
+              <a:defRPr sz="1200"/>
+            </a:lvl1pPr>
+          </a:lstStyle>
+          <a:p>
+            <a:endParaRPr lang="en-US"/>
+          </a:p>
+        </p:txBody>
+      </p:sp>
+      <p:sp>
+        <p:nvSpPr>
+          <p:cNvPr id="3" name="Espace réservé de la date 2"/>
+          <p:cNvSpPr>
+            <a:spLocks noGrp="1"/>
+          </p:cNvSpPr>
+          <p:nvPr>
+            <p:ph type="dt" idx="1"/>
+          </p:nvPr>
+        </p:nvSpPr>
+        <p:spPr>
+          <a:xfrm>
+            <a:off x="3884613" y="0"/>
+            <a:ext cx="2971800" cy="458788"/>
+          </a:xfrm>
+          <a:prstGeom prst="rect">
+            <a:avLst/>
+          </a:prstGeom>
+        </p:spPr>
+        <p:txBody>
+          <a:bodyPr vert="horz" lIns="91440" tIns="45720" rIns="91440" bIns="45720" rtlCol="0"/>
+          <a:lstStyle>
+            <a:lvl1pPr algn="r">
+              <a:defRPr sz="1200"/>
+            </a:lvl1pPr>
+          </a:lstStyle>
+          <a:p>
+            <a:fld id="{4BF69238-294F-40C4-8D7E-8861A3547C35}" type="datetimeFigureOut">
+              <a:rPr lang="en-US" smtClean="0"/>
+              <a:t>1/3/2021</a:t>
+            </a:fld>
+            <a:endParaRPr lang="en-US"/>
+          </a:p>
+        </p:txBody>
+      </p:sp>
+      <p:sp>
+        <p:nvSpPr>
+          <p:cNvPr id="4" name="Espace réservé de l'image des diapositives 3"/>
+          <p:cNvSpPr>
+            <a:spLocks noGrp="1" noRot="1" noChangeAspect="1"/>
+          </p:cNvSpPr>
+          <p:nvPr>
+            <p:ph type="sldImg" idx="2"/>
+          </p:nvPr>
+        </p:nvSpPr>
+        <p:spPr>
+          <a:xfrm>
+            <a:off x="685800" y="1143000"/>
+            <a:ext cx="5486400" cy="3086100"/>
+          </a:xfrm>
+          <a:prstGeom prst="rect">
+            <a:avLst/>
+          </a:prstGeom>
+          <a:noFill/>
+          <a:ln w="12700">
+            <a:solidFill>
+              <a:prstClr val="black"/>
+            </a:solidFill>
+          </a:ln>
+        </p:spPr>
+        <p:txBody>
+          <a:bodyPr vert="horz" lIns="91440" tIns="45720" rIns="91440" bIns="45720" rtlCol="0" anchor="ctr"/>
+          <a:lstStyle/>
+          <a:p>
+            <a:endParaRPr lang="en-US"/>
+          </a:p>
+        </p:txBody>
+      </p:sp>
+      <p:sp>
+        <p:nvSpPr>
+          <p:cNvPr id="5" name="Espace réservé des notes 4"/>
+          <p:cNvSpPr>
+            <a:spLocks noGrp="1"/>
+          </p:cNvSpPr>
+          <p:nvPr>
+            <p:ph type="body" sz="quarter" idx="3"/>
+          </p:nvPr>
+        </p:nvSpPr>
+        <p:spPr>
+          <a:xfrm>
+            <a:off x="685800" y="4400550"/>
+            <a:ext cx="5486400" cy="3600450"/>
+          </a:xfrm>
+          <a:prstGeom prst="rect">
+            <a:avLst/>
+          </a:prstGeom>
+        </p:spPr>
+        <p:txBody>
+          <a:bodyPr vert="horz" lIns="91440" tIns="45720" rIns="91440" bIns="45720" rtlCol="0"/>
+          <a:lstStyle/>
+          <a:p>
+            <a:pPr lvl="0"/>
+            <a:r>
+              <a:rPr lang="fr-FR"/>
+              <a:t>Cliquez pour modifier les styles du texte du masque</a:t>
+            </a:r>
+          </a:p>
+          <a:p>
+            <a:pPr lvl="1"/>
+            <a:r>
+              <a:rPr lang="fr-FR"/>
+              <a:t>Deuxième niveau</a:t>
+            </a:r>
+          </a:p>
+          <a:p>
+            <a:pPr lvl="2"/>
+            <a:r>
+              <a:rPr lang="fr-FR"/>
+              <a:t>Troisième niveau</a:t>
+            </a:r>
+          </a:p>
+          <a:p>
+            <a:pPr lvl="3"/>
+            <a:r>
+              <a:rPr lang="fr-FR"/>
+              <a:t>Quatrième niveau</a:t>
+            </a:r>
+          </a:p>
+          <a:p>
+            <a:pPr lvl="4"/>
+            <a:r>
+              <a:rPr lang="fr-FR"/>
+              <a:t>Cinquième niveau</a:t>
+            </a:r>
+            <a:endParaRPr lang="en-US"/>
+          </a:p>
+        </p:txBody>
+      </p:sp>
+      <p:sp>
+        <p:nvSpPr>
+          <p:cNvPr id="6" name="Espace réservé du pied de page 5"/>
+          <p:cNvSpPr>
+            <a:spLocks noGrp="1"/>
+          </p:cNvSpPr>
+          <p:nvPr>
+            <p:ph type="ftr" sz="quarter" idx="4"/>
+          </p:nvPr>
+        </p:nvSpPr>
+        <p:spPr>
+          <a:xfrm>
+            <a:off x="0" y="8685213"/>
+            <a:ext cx="2971800" cy="458787"/>
+          </a:xfrm>
+          <a:prstGeom prst="rect">
+            <a:avLst/>
+          </a:prstGeom>
+        </p:spPr>
+        <p:txBody>
+          <a:bodyPr vert="horz" lIns="91440" tIns="45720" rIns="91440" bIns="45720" rtlCol="0" anchor="b"/>
+          <a:lstStyle>
+            <a:lvl1pPr algn="l">
+              <a:defRPr sz="1200"/>
+            </a:lvl1pPr>
+          </a:lstStyle>
+          <a:p>
+            <a:endParaRPr lang="en-US"/>
+          </a:p>
+        </p:txBody>
+      </p:sp>
+      <p:sp>
+        <p:nvSpPr>
+          <p:cNvPr id="7" name="Espace réservé du numéro de diapositive 6"/>
+          <p:cNvSpPr>
+            <a:spLocks noGrp="1"/>
+          </p:cNvSpPr>
+          <p:nvPr>
+            <p:ph type="sldNum" sz="quarter" idx="5"/>
+          </p:nvPr>
+        </p:nvSpPr>
+        <p:spPr>
+          <a:xfrm>
+            <a:off x="3884613" y="8685213"/>
+            <a:ext cx="2971800" cy="458787"/>
+          </a:xfrm>
+          <a:prstGeom prst="rect">
+            <a:avLst/>
+          </a:prstGeom>
+        </p:spPr>
+        <p:txBody>
+          <a:bodyPr vert="horz" lIns="91440" tIns="45720" rIns="91440" bIns="45720" rtlCol="0" anchor="b"/>
+          <a:lstStyle>
+            <a:lvl1pPr algn="r">
+              <a:defRPr sz="1200"/>
+            </a:lvl1pPr>
+          </a:lstStyle>
+          <a:p>
+            <a:fld id="{8A403AFE-3FC7-4613-B105-9BE746F5E67A}" type="slidenum">
+              <a:rPr lang="en-US" smtClean="0"/>
+              <a:t>‹N°›</a:t>
+            </a:fld>
+            <a:endParaRPr lang="en-US"/>
+          </a:p>
+        </p:txBody>
+      </p:sp>
+    </p:spTree>
+    <p:extLst>
+      <p:ext uri="{BB962C8B-B14F-4D97-AF65-F5344CB8AC3E}">
+        <p14:creationId xmlns:p14="http://schemas.microsoft.com/office/powerpoint/2010/main" val="546946751"/>
+      </p:ext>
+    </p:extLst>
+  </p:cSld>
+  <p:clrMap bg1="lt1" tx1="dk1" bg2="lt2" tx2="dk2" accent1="accent1" accent2="accent2" accent3="accent3" accent4="accent4" accent5="accent5" accent6="accent6" hlink="hlink" folHlink="folHlink"/>
+  <p:notesStyle>
+    <a:lvl1pPr marL="0" algn="l" defTabSz="914400" rtl="0" eaLnBrk="1" latinLnBrk="0" hangingPunct="1">
+      <a:defRPr sz="1200" kern="1200">
+        <a:solidFill>
+          <a:schemeClr val="tx1"/>
+        </a:solidFill>
+        <a:latin typeface="+mn-lt"/>
+        <a:ea typeface="+mn-ea"/>
+        <a:cs typeface="+mn-cs"/>
+      </a:defRPr>
+    </a:lvl1pPr>
+    <a:lvl2pPr marL="457200" algn="l" defTabSz="914400" rtl="0" eaLnBrk="1" latinLnBrk="0" hangingPunct="1">
+      <a:defRPr sz="1200" kern="1200">
+        <a:solidFill>
+          <a:schemeClr val="tx1"/>
+        </a:solidFill>
+        <a:latin typeface="+mn-lt"/>
+        <a:ea typeface="+mn-ea"/>
+        <a:cs typeface="+mn-cs"/>
+      </a:defRPr>
+    </a:lvl2pPr>
+    <a:lvl3pPr marL="914400" algn="l" defTabSz="914400" rtl="0" eaLnBrk="1" latinLnBrk="0" hangingPunct="1">
+      <a:defRPr sz="1200" kern="1200">
+        <a:solidFill>
+          <a:schemeClr val="tx1"/>
+        </a:solidFill>
+        <a:latin typeface="+mn-lt"/>
+        <a:ea typeface="+mn-ea"/>
+        <a:cs typeface="+mn-cs"/>
+      </a:defRPr>
+    </a:lvl3pPr>
+    <a:lvl4pPr marL="1371600" algn="l" defTabSz="914400" rtl="0" eaLnBrk="1" latinLnBrk="0" hangingPunct="1">
+      <a:defRPr sz="1200" kern="1200">
+        <a:solidFill>
+          <a:schemeClr val="tx1"/>
+        </a:solidFill>
+        <a:latin typeface="+mn-lt"/>
+        <a:ea typeface="+mn-ea"/>
+        <a:cs typeface="+mn-cs"/>
+      </a:defRPr>
+    </a:lvl4pPr>
+    <a:lvl5pPr marL="1828800" algn="l" defTabSz="914400" rtl="0" eaLnBrk="1" latinLnBrk="0" hangingPunct="1">
+      <a:defRPr sz="1200" kern="1200">
+        <a:solidFill>
+          <a:schemeClr val="tx1"/>
+        </a:solidFill>
+        <a:latin typeface="+mn-lt"/>
+        <a:ea typeface="+mn-ea"/>
+        <a:cs typeface="+mn-cs"/>
+      </a:defRPr>
+    </a:lvl5pPr>
+    <a:lvl6pPr marL="2286000" algn="l" defTabSz="914400" rtl="0" eaLnBrk="1" latinLnBrk="0" hangingPunct="1">
+      <a:defRPr sz="1200" kern="1200">
+        <a:solidFill>
+          <a:schemeClr val="tx1"/>
+        </a:solidFill>
+        <a:latin typeface="+mn-lt"/>
+        <a:ea typeface="+mn-ea"/>
+        <a:cs typeface="+mn-cs"/>
+      </a:defRPr>
+    </a:lvl6pPr>
+    <a:lvl7pPr marL="2743200" algn="l" defTabSz="914400" rtl="0" eaLnBrk="1" latinLnBrk="0" hangingPunct="1">
+      <a:defRPr sz="1200" kern="1200">
+        <a:solidFill>
+          <a:schemeClr val="tx1"/>
+        </a:solidFill>
+        <a:latin typeface="+mn-lt"/>
+        <a:ea typeface="+mn-ea"/>
+        <a:cs typeface="+mn-cs"/>
+      </a:defRPr>
+    </a:lvl7pPr>
+    <a:lvl8pPr marL="3200400" algn="l" defTabSz="914400" rtl="0" eaLnBrk="1" latinLnBrk="0" hangingPunct="1">
+      <a:defRPr sz="1200" kern="1200">
+        <a:solidFill>
+          <a:schemeClr val="tx1"/>
+        </a:solidFill>
+        <a:latin typeface="+mn-lt"/>
+        <a:ea typeface="+mn-ea"/>
+        <a:cs typeface="+mn-cs"/>
+      </a:defRPr>
+    </a:lvl8pPr>
+    <a:lvl9pPr marL="3657600" algn="l" defTabSz="914400" rtl="0" eaLnBrk="1" latinLnBrk="0" hangingPunct="1">
+      <a:defRPr sz="1200" kern="1200">
+        <a:solidFill>
+          <a:schemeClr val="tx1"/>
+        </a:solidFill>
+        <a:latin typeface="+mn-lt"/>
+        <a:ea typeface="+mn-ea"/>
+        <a:cs typeface="+mn-cs"/>
+      </a:defRPr>
+    </a:lvl9pPr>
+  </p:notesStyle>
+</p:notesMaster>
+</file>
+
+<file path=ppt/notesSlides/notesSlide1.xml><?xml version="1.0" encoding="utf-8"?>
+<p:notes xmlns:a="http://schemas.openxmlformats.org/drawingml/2006/main" xmlns:r="http://schemas.openxmlformats.org/officeDocument/2006/relationships" xmlns:p="http://schemas.openxmlformats.org/presentationml/2006/main">
+  <p:cSld>
+    <p:spTree>
+      <p:nvGrpSpPr>
+        <p:cNvPr id="1" name=""/>
+        <p:cNvGrpSpPr/>
+        <p:nvPr/>
+      </p:nvGrpSpPr>
+      <p:grpSpPr>
+        <a:xfrm>
+          <a:off x="0" y="0"/>
+          <a:ext cx="0" cy="0"/>
+          <a:chOff x="0" y="0"/>
+          <a:chExt cx="0" cy="0"/>
+        </a:xfrm>
+      </p:grpSpPr>
+      <p:sp>
+        <p:nvSpPr>
+          <p:cNvPr id="2" name="Espace réservé de l'image des diapositives 1"/>
+          <p:cNvSpPr>
+            <a:spLocks noGrp="1" noRot="1" noChangeAspect="1"/>
+          </p:cNvSpPr>
+          <p:nvPr>
+            <p:ph type="sldImg"/>
+          </p:nvPr>
+        </p:nvSpPr>
+        <p:spPr/>
+      </p:sp>
+      <p:sp>
+        <p:nvSpPr>
+          <p:cNvPr id="3" name="Espace réservé des notes 2"/>
+          <p:cNvSpPr>
+            <a:spLocks noGrp="1"/>
+          </p:cNvSpPr>
+          <p:nvPr>
+            <p:ph type="body" idx="1"/>
+          </p:nvPr>
+        </p:nvSpPr>
+        <p:spPr/>
+        <p:txBody>
+          <a:bodyPr/>
+          <a:lstStyle/>
+          <a:p>
+            <a:pPr marL="0" marR="0" lvl="0" indent="0" algn="l" defTabSz="914400" rtl="0" eaLnBrk="1" fontAlgn="auto" latinLnBrk="0" hangingPunct="1">
+              <a:lnSpc>
+                <a:spcPct val="100000"/>
+              </a:lnSpc>
+              <a:spcBef>
+                <a:spcPts val="0"/>
+              </a:spcBef>
+              <a:spcAft>
+                <a:spcPts val="0"/>
+              </a:spcAft>
+              <a:buClrTx/>
+              <a:buSzTx/>
+              <a:buFontTx/>
+              <a:buNone/>
+              <a:tabLst/>
+              <a:defRPr/>
+            </a:pPr>
+            <a:r>
+              <a:rPr lang="en-US" dirty="0"/>
+              <a:t>Espinosa has increase in </a:t>
+            </a:r>
+            <a:r>
+              <a:rPr lang="en-US" sz="1800" dirty="0">
+                <a:latin typeface="Montserrat Light" panose="00000400000000000000" pitchFamily="50" charset="0"/>
+              </a:rPr>
+              <a:t>↑↓↓↑</a:t>
+            </a:r>
+          </a:p>
+          <a:p>
+            <a:endParaRPr lang="en-US" dirty="0"/>
+          </a:p>
+          <a:p>
+            <a:r>
+              <a:rPr lang="en-US" dirty="0"/>
+              <a:t>Housing - Increase in comparison to NYC </a:t>
+            </a:r>
+          </a:p>
+          <a:p>
+            <a:r>
+              <a:rPr lang="en-US" dirty="0"/>
+              <a:t>Loretta Lee’s for Brooklyn Heights </a:t>
+            </a:r>
+          </a:p>
+          <a:p>
+            <a:r>
+              <a:rPr lang="en-US" dirty="0"/>
+              <a:t>In areas that gentrified </a:t>
+            </a:r>
+          </a:p>
+          <a:p>
+            <a:endParaRPr lang="en-US" dirty="0"/>
+          </a:p>
+          <a:p>
+            <a:r>
+              <a:rPr lang="en-US" dirty="0" err="1"/>
+              <a:t>Striked</a:t>
+            </a:r>
+            <a:r>
+              <a:rPr lang="en-US" dirty="0"/>
+              <a:t> out</a:t>
+            </a:r>
+          </a:p>
+          <a:p>
+            <a:r>
+              <a:rPr lang="en-US" dirty="0"/>
+              <a:t>Inconclusive</a:t>
+            </a:r>
+          </a:p>
+          <a:p>
+            <a:endParaRPr lang="en-US" dirty="0"/>
+          </a:p>
+          <a:p>
+            <a:r>
+              <a:rPr lang="en-US" dirty="0"/>
+              <a:t>1980 – 1990</a:t>
+            </a:r>
+          </a:p>
+          <a:p>
+            <a:r>
+              <a:rPr lang="en-US" dirty="0"/>
+              <a:t>2000 - 2016</a:t>
+            </a:r>
+          </a:p>
+          <a:p>
+            <a:endParaRPr lang="en-US" dirty="0"/>
+          </a:p>
+          <a:p>
+            <a:endParaRPr lang="en-US" dirty="0"/>
+          </a:p>
+          <a:p>
+            <a:endParaRPr lang="en-US" dirty="0"/>
+          </a:p>
+        </p:txBody>
+      </p:sp>
+      <p:sp>
+        <p:nvSpPr>
+          <p:cNvPr id="4" name="Espace réservé du numéro de diapositive 3"/>
+          <p:cNvSpPr>
+            <a:spLocks noGrp="1"/>
+          </p:cNvSpPr>
+          <p:nvPr>
+            <p:ph type="sldNum" sz="quarter" idx="5"/>
+          </p:nvPr>
+        </p:nvSpPr>
+        <p:spPr/>
+        <p:txBody>
+          <a:bodyPr/>
+          <a:lstStyle/>
+          <a:p>
+            <a:fld id="{8A403AFE-3FC7-4613-B105-9BE746F5E67A}" type="slidenum">
+              <a:rPr lang="en-US" smtClean="0"/>
+              <a:t>7</a:t>
+            </a:fld>
+            <a:endParaRPr lang="en-US"/>
+          </a:p>
+        </p:txBody>
+      </p:sp>
+    </p:spTree>
+    <p:extLst>
+      <p:ext uri="{BB962C8B-B14F-4D97-AF65-F5344CB8AC3E}">
+        <p14:creationId xmlns:p14="http://schemas.microsoft.com/office/powerpoint/2010/main" val="2821899685"/>
+      </p:ext>
+    </p:extLst>
+  </p:cSld>
+  <p:clrMapOvr>
+    <a:masterClrMapping/>
+  </p:clrMapOvr>
+</p:notes>
+</file>
+
 <file path=ppt/slideLayouts/slideLayout1.xml><?xml version="1.0" encoding="utf-8"?>
 <p:sldLayout xmlns:a="http://schemas.openxmlformats.org/drawingml/2006/main" xmlns:r="http://schemas.openxmlformats.org/officeDocument/2006/relationships" xmlns:p="http://schemas.openxmlformats.org/presentationml/2006/main" type="title" preserve="1">
   <p:cSld name="Diapositive de titre">
@@ -266,7 +796,7 @@
           <a:p>
             <a:fld id="{E9DB031D-56B3-4206-A4EC-8F4FFECEEA0D}" type="datetimeFigureOut">
               <a:rPr lang="en-US" smtClean="0"/>
-              <a:t>12/6/2020</a:t>
+              <a:t>1/3/2021</a:t>
             </a:fld>
             <a:endParaRPr lang="en-US"/>
           </a:p>
@@ -466,7 +996,7 @@
           <a:p>
             <a:fld id="{E9DB031D-56B3-4206-A4EC-8F4FFECEEA0D}" type="datetimeFigureOut">
               <a:rPr lang="en-US" smtClean="0"/>
-              <a:t>12/6/2020</a:t>
+              <a:t>1/3/2021</a:t>
             </a:fld>
             <a:endParaRPr lang="en-US"/>
           </a:p>
@@ -676,7 +1206,7 @@
           <a:p>
             <a:fld id="{E9DB031D-56B3-4206-A4EC-8F4FFECEEA0D}" type="datetimeFigureOut">
               <a:rPr lang="en-US" smtClean="0"/>
-              <a:t>12/6/2020</a:t>
+              <a:t>1/3/2021</a:t>
             </a:fld>
             <a:endParaRPr lang="en-US"/>
           </a:p>
@@ -876,7 +1406,7 @@
           <a:p>
             <a:fld id="{E9DB031D-56B3-4206-A4EC-8F4FFECEEA0D}" type="datetimeFigureOut">
               <a:rPr lang="en-US" smtClean="0"/>
-              <a:t>12/6/2020</a:t>
+              <a:t>1/3/2021</a:t>
             </a:fld>
             <a:endParaRPr lang="en-US"/>
           </a:p>
@@ -1152,7 +1682,7 @@
           <a:p>
             <a:fld id="{E9DB031D-56B3-4206-A4EC-8F4FFECEEA0D}" type="datetimeFigureOut">
               <a:rPr lang="en-US" smtClean="0"/>
-              <a:t>12/6/2020</a:t>
+              <a:t>1/3/2021</a:t>
             </a:fld>
             <a:endParaRPr lang="en-US"/>
           </a:p>
@@ -1420,7 +1950,7 @@
           <a:p>
             <a:fld id="{E9DB031D-56B3-4206-A4EC-8F4FFECEEA0D}" type="datetimeFigureOut">
               <a:rPr lang="en-US" smtClean="0"/>
-              <a:t>12/6/2020</a:t>
+              <a:t>1/3/2021</a:t>
             </a:fld>
             <a:endParaRPr lang="en-US"/>
           </a:p>
@@ -1835,7 +2365,7 @@
           <a:p>
             <a:fld id="{E9DB031D-56B3-4206-A4EC-8F4FFECEEA0D}" type="datetimeFigureOut">
               <a:rPr lang="en-US" smtClean="0"/>
-              <a:t>12/6/2020</a:t>
+              <a:t>1/3/2021</a:t>
             </a:fld>
             <a:endParaRPr lang="en-US"/>
           </a:p>
@@ -1977,7 +2507,7 @@
           <a:p>
             <a:fld id="{E9DB031D-56B3-4206-A4EC-8F4FFECEEA0D}" type="datetimeFigureOut">
               <a:rPr lang="en-US" smtClean="0"/>
-              <a:t>12/6/2020</a:t>
+              <a:t>1/3/2021</a:t>
             </a:fld>
             <a:endParaRPr lang="en-US"/>
           </a:p>
@@ -2090,7 +2620,7 @@
           <a:p>
             <a:fld id="{E9DB031D-56B3-4206-A4EC-8F4FFECEEA0D}" type="datetimeFigureOut">
               <a:rPr lang="en-US" smtClean="0"/>
-              <a:t>12/6/2020</a:t>
+              <a:t>1/3/2021</a:t>
             </a:fld>
             <a:endParaRPr lang="en-US"/>
           </a:p>
@@ -2403,7 +2933,7 @@
           <a:p>
             <a:fld id="{E9DB031D-56B3-4206-A4EC-8F4FFECEEA0D}" type="datetimeFigureOut">
               <a:rPr lang="en-US" smtClean="0"/>
-              <a:t>12/6/2020</a:t>
+              <a:t>1/3/2021</a:t>
             </a:fld>
             <a:endParaRPr lang="en-US"/>
           </a:p>
@@ -2692,7 +3222,7 @@
           <a:p>
             <a:fld id="{E9DB031D-56B3-4206-A4EC-8F4FFECEEA0D}" type="datetimeFigureOut">
               <a:rPr lang="en-US" smtClean="0"/>
-              <a:t>12/6/2020</a:t>
+              <a:t>1/3/2021</a:t>
             </a:fld>
             <a:endParaRPr lang="en-US"/>
           </a:p>
@@ -2935,7 +3465,7 @@
           <a:p>
             <a:fld id="{E9DB031D-56B3-4206-A4EC-8F4FFECEEA0D}" type="datetimeFigureOut">
               <a:rPr lang="en-US" smtClean="0"/>
-              <a:t>12/6/2020</a:t>
+              <a:t>1/3/2021</a:t>
             </a:fld>
             <a:endParaRPr lang="en-US"/>
           </a:p>
@@ -5629,6 +6159,3404 @@
 </p:sld>
 </file>
 
+<file path=ppt/slides/slide7.xml><?xml version="1.0" encoding="utf-8"?>
+<p:sld xmlns:a="http://schemas.openxmlformats.org/drawingml/2006/main" xmlns:r="http://schemas.openxmlformats.org/officeDocument/2006/relationships" xmlns:p="http://schemas.openxmlformats.org/presentationml/2006/main">
+  <p:cSld>
+    <p:spTree>
+      <p:nvGrpSpPr>
+        <p:cNvPr id="1" name=""/>
+        <p:cNvGrpSpPr/>
+        <p:nvPr/>
+      </p:nvGrpSpPr>
+      <p:grpSpPr>
+        <a:xfrm>
+          <a:off x="0" y="0"/>
+          <a:ext cx="0" cy="0"/>
+          <a:chOff x="0" y="0"/>
+          <a:chExt cx="0" cy="0"/>
+        </a:xfrm>
+      </p:grpSpPr>
+      <p:graphicFrame>
+        <p:nvGraphicFramePr>
+          <p:cNvPr id="4" name="Tableau 4">
+            <a:extLst>
+              <a:ext uri="{FF2B5EF4-FFF2-40B4-BE49-F238E27FC236}">
+                <a16:creationId xmlns:a16="http://schemas.microsoft.com/office/drawing/2014/main" id="{0CE383A4-4FFF-4030-BBC6-F749A6CC1AA2}"/>
+              </a:ext>
+            </a:extLst>
+          </p:cNvPr>
+          <p:cNvGraphicFramePr>
+            <a:graphicFrameLocks noGrp="1"/>
+          </p:cNvGraphicFramePr>
+          <p:nvPr>
+            <p:extLst>
+              <p:ext uri="{D42A27DB-BD31-4B8C-83A1-F6EECF244321}">
+                <p14:modId xmlns:p14="http://schemas.microsoft.com/office/powerpoint/2010/main" val="1288319881"/>
+              </p:ext>
+            </p:extLst>
+          </p:nvPr>
+        </p:nvGraphicFramePr>
+        <p:xfrm>
+          <a:off x="287788" y="1330338"/>
+          <a:ext cx="12162831" cy="4480560"/>
+        </p:xfrm>
+        <a:graphic>
+          <a:graphicData uri="http://schemas.openxmlformats.org/drawingml/2006/table">
+            <a:tbl>
+              <a:tblPr firstRow="1" bandRow="1">
+                <a:tableStyleId>{5C22544A-7EE6-4342-B048-85BDC9FD1C3A}</a:tableStyleId>
+              </a:tblPr>
+              <a:tblGrid>
+                <a:gridCol w="1562999">
+                  <a:extLst>
+                    <a:ext uri="{9D8B030D-6E8A-4147-A177-3AD203B41FA5}">
+                      <a16:colId xmlns:a16="http://schemas.microsoft.com/office/drawing/2014/main" val="2295841408"/>
+                    </a:ext>
+                  </a:extLst>
+                </a:gridCol>
+                <a:gridCol w="2313866">
+                  <a:extLst>
+                    <a:ext uri="{9D8B030D-6E8A-4147-A177-3AD203B41FA5}">
+                      <a16:colId xmlns:a16="http://schemas.microsoft.com/office/drawing/2014/main" val="1604365406"/>
+                    </a:ext>
+                  </a:extLst>
+                </a:gridCol>
+                <a:gridCol w="2753371">
+                  <a:extLst>
+                    <a:ext uri="{9D8B030D-6E8A-4147-A177-3AD203B41FA5}">
+                      <a16:colId xmlns:a16="http://schemas.microsoft.com/office/drawing/2014/main" val="2749581506"/>
+                    </a:ext>
+                  </a:extLst>
+                </a:gridCol>
+                <a:gridCol w="2481913">
+                  <a:extLst>
+                    <a:ext uri="{9D8B030D-6E8A-4147-A177-3AD203B41FA5}">
+                      <a16:colId xmlns:a16="http://schemas.microsoft.com/office/drawing/2014/main" val="3007989439"/>
+                    </a:ext>
+                  </a:extLst>
+                </a:gridCol>
+                <a:gridCol w="3050682">
+                  <a:extLst>
+                    <a:ext uri="{9D8B030D-6E8A-4147-A177-3AD203B41FA5}">
+                      <a16:colId xmlns:a16="http://schemas.microsoft.com/office/drawing/2014/main" val="4036499110"/>
+                    </a:ext>
+                  </a:extLst>
+                </a:gridCol>
+              </a:tblGrid>
+              <a:tr h="491183">
+                <a:tc>
+                  <a:txBody>
+                    <a:bodyPr/>
+                    <a:lstStyle/>
+                    <a:p>
+                      <a:endParaRPr lang="en-US" sz="1400" dirty="0">
+                        <a:solidFill>
+                          <a:schemeClr val="tx1">
+                            <a:lumMod val="85000"/>
+                            <a:lumOff val="15000"/>
+                          </a:schemeClr>
+                        </a:solidFill>
+                        <a:latin typeface="Montserrat Light" panose="00000400000000000000" pitchFamily="50" charset="0"/>
+                      </a:endParaRPr>
+                    </a:p>
+                  </a:txBody>
+                  <a:tcPr anchor="ctr">
+                    <a:lnL w="12700" cap="flat" cmpd="sng" algn="ctr">
+                      <a:solidFill>
+                        <a:schemeClr val="bg1">
+                          <a:lumMod val="95000"/>
+                        </a:schemeClr>
+                      </a:solidFill>
+                      <a:prstDash val="solid"/>
+                      <a:round/>
+                      <a:headEnd type="none" w="med" len="med"/>
+                      <a:tailEnd type="none" w="med" len="med"/>
+                    </a:lnL>
+                    <a:lnR w="12700" cap="flat" cmpd="sng" algn="ctr">
+                      <a:solidFill>
+                        <a:schemeClr val="bg1">
+                          <a:lumMod val="95000"/>
+                        </a:schemeClr>
+                      </a:solidFill>
+                      <a:prstDash val="solid"/>
+                      <a:round/>
+                      <a:headEnd type="none" w="med" len="med"/>
+                      <a:tailEnd type="none" w="med" len="med"/>
+                    </a:lnR>
+                    <a:lnT w="12700" cap="flat" cmpd="sng" algn="ctr">
+                      <a:solidFill>
+                        <a:schemeClr val="bg1">
+                          <a:lumMod val="95000"/>
+                        </a:schemeClr>
+                      </a:solidFill>
+                      <a:prstDash val="solid"/>
+                      <a:round/>
+                      <a:headEnd type="none" w="med" len="med"/>
+                      <a:tailEnd type="none" w="med" len="med"/>
+                    </a:lnT>
+                    <a:lnB w="12700" cap="flat" cmpd="sng" algn="ctr">
+                      <a:solidFill>
+                        <a:schemeClr val="bg1">
+                          <a:lumMod val="95000"/>
+                        </a:schemeClr>
+                      </a:solidFill>
+                      <a:prstDash val="solid"/>
+                      <a:round/>
+                      <a:headEnd type="none" w="med" len="med"/>
+                      <a:tailEnd type="none" w="med" len="med"/>
+                    </a:lnB>
+                    <a:lnTlToBr w="12700" cmpd="sng">
+                      <a:noFill/>
+                      <a:prstDash val="solid"/>
+                    </a:lnTlToBr>
+                    <a:lnBlToTr w="12700" cmpd="sng">
+                      <a:noFill/>
+                      <a:prstDash val="solid"/>
+                    </a:lnBlToTr>
+                    <a:noFill/>
+                  </a:tcPr>
+                </a:tc>
+                <a:tc>
+                  <a:txBody>
+                    <a:bodyPr/>
+                    <a:lstStyle/>
+                    <a:p>
+                      <a:pPr marL="0" algn="l" defTabSz="914400" rtl="0" eaLnBrk="1" latinLnBrk="0" hangingPunct="1"/>
+                      <a:r>
+                        <a:rPr lang="en-US" sz="1400" b="0" i="1" kern="1200" dirty="0">
+                          <a:solidFill>
+                            <a:schemeClr val="tx1">
+                              <a:lumMod val="85000"/>
+                              <a:lumOff val="15000"/>
+                            </a:schemeClr>
+                          </a:solidFill>
+                          <a:latin typeface="Montserrat Light" panose="00000400000000000000" pitchFamily="50" charset="0"/>
+                          <a:ea typeface="+mn-ea"/>
+                          <a:cs typeface="+mn-cs"/>
+                        </a:rPr>
+                        <a:t>NYU Furman Center</a:t>
+                      </a:r>
+                    </a:p>
+                    <a:p>
+                      <a:pPr marL="0" algn="l" defTabSz="914400" rtl="0" eaLnBrk="1" latinLnBrk="0" hangingPunct="1"/>
+                      <a:r>
+                        <a:rPr lang="en-US" sz="1400" b="0" i="1" kern="1200" dirty="0">
+                          <a:solidFill>
+                            <a:schemeClr val="tx1">
+                              <a:lumMod val="85000"/>
+                              <a:lumOff val="15000"/>
+                            </a:schemeClr>
+                          </a:solidFill>
+                          <a:latin typeface="Montserrat Light" panose="00000400000000000000" pitchFamily="50" charset="0"/>
+                          <a:ea typeface="+mn-ea"/>
+                          <a:cs typeface="+mn-cs"/>
+                        </a:rPr>
+                        <a:t>1990 – 2014</a:t>
+                      </a:r>
+                    </a:p>
+                    <a:p>
+                      <a:r>
+                        <a:rPr lang="en-US" sz="1400" b="0" dirty="0">
+                          <a:solidFill>
+                            <a:schemeClr val="tx1">
+                              <a:lumMod val="85000"/>
+                              <a:lumOff val="15000"/>
+                            </a:schemeClr>
+                          </a:solidFill>
+                          <a:latin typeface="Montserrat Medium" panose="00000600000000000000" pitchFamily="50" charset="0"/>
+                        </a:rPr>
+                        <a:t>New York City</a:t>
+                      </a:r>
+                    </a:p>
+                  </a:txBody>
+                  <a:tcPr anchor="ctr">
+                    <a:lnL w="12700" cap="flat" cmpd="sng" algn="ctr">
+                      <a:solidFill>
+                        <a:schemeClr val="bg1">
+                          <a:lumMod val="95000"/>
+                        </a:schemeClr>
+                      </a:solidFill>
+                      <a:prstDash val="solid"/>
+                      <a:round/>
+                      <a:headEnd type="none" w="med" len="med"/>
+                      <a:tailEnd type="none" w="med" len="med"/>
+                    </a:lnL>
+                    <a:lnR w="12700" cap="flat" cmpd="sng" algn="ctr">
+                      <a:solidFill>
+                        <a:schemeClr val="bg1">
+                          <a:lumMod val="95000"/>
+                        </a:schemeClr>
+                      </a:solidFill>
+                      <a:prstDash val="solid"/>
+                      <a:round/>
+                      <a:headEnd type="none" w="med" len="med"/>
+                      <a:tailEnd type="none" w="med" len="med"/>
+                    </a:lnR>
+                    <a:lnT w="12700" cap="flat" cmpd="sng" algn="ctr">
+                      <a:solidFill>
+                        <a:schemeClr val="bg1">
+                          <a:lumMod val="95000"/>
+                        </a:schemeClr>
+                      </a:solidFill>
+                      <a:prstDash val="solid"/>
+                      <a:round/>
+                      <a:headEnd type="none" w="med" len="med"/>
+                      <a:tailEnd type="none" w="med" len="med"/>
+                    </a:lnT>
+                    <a:lnB w="12700" cap="flat" cmpd="sng" algn="ctr">
+                      <a:solidFill>
+                        <a:schemeClr val="bg1">
+                          <a:lumMod val="95000"/>
+                        </a:schemeClr>
+                      </a:solidFill>
+                      <a:prstDash val="solid"/>
+                      <a:round/>
+                      <a:headEnd type="none" w="med" len="med"/>
+                      <a:tailEnd type="none" w="med" len="med"/>
+                    </a:lnB>
+                    <a:lnTlToBr w="12700" cmpd="sng">
+                      <a:noFill/>
+                      <a:prstDash val="solid"/>
+                    </a:lnTlToBr>
+                    <a:lnBlToTr w="12700" cmpd="sng">
+                      <a:noFill/>
+                      <a:prstDash val="solid"/>
+                    </a:lnBlToTr>
+                    <a:noFill/>
+                  </a:tcPr>
+                </a:tc>
+                <a:tc>
+                  <a:txBody>
+                    <a:bodyPr/>
+                    <a:lstStyle/>
+                    <a:p>
+                      <a:r>
+                        <a:rPr lang="en-US" sz="1400" b="0" i="1" dirty="0">
+                          <a:solidFill>
+                            <a:schemeClr val="tx1">
+                              <a:lumMod val="85000"/>
+                              <a:lumOff val="15000"/>
+                            </a:schemeClr>
+                          </a:solidFill>
+                          <a:latin typeface="Montserrat Light" panose="00000400000000000000" pitchFamily="50" charset="0"/>
+                        </a:rPr>
+                        <a:t>Loretta Lee </a:t>
+                      </a:r>
+                    </a:p>
+                    <a:p>
+                      <a:r>
+                        <a:rPr lang="en-US" sz="1400" b="0" dirty="0">
+                          <a:solidFill>
+                            <a:schemeClr val="tx1">
+                              <a:lumMod val="85000"/>
+                              <a:lumOff val="15000"/>
+                            </a:schemeClr>
+                          </a:solidFill>
+                          <a:latin typeface="Montserrat Light" panose="00000400000000000000" pitchFamily="50" charset="0"/>
+                        </a:rPr>
+                        <a:t>(1970 – 2000)</a:t>
+                      </a:r>
+                    </a:p>
+                    <a:p>
+                      <a:r>
+                        <a:rPr lang="en-US" sz="1400" b="0" dirty="0">
+                          <a:solidFill>
+                            <a:schemeClr val="tx1">
+                              <a:lumMod val="85000"/>
+                              <a:lumOff val="15000"/>
+                            </a:schemeClr>
+                          </a:solidFill>
+                          <a:latin typeface="Montserrat Medium" panose="00000600000000000000" pitchFamily="50" charset="0"/>
+                        </a:rPr>
+                        <a:t>Brooklyn Heights</a:t>
+                      </a:r>
+                    </a:p>
+                  </a:txBody>
+                  <a:tcPr anchor="ctr">
+                    <a:lnL w="12700" cap="flat" cmpd="sng" algn="ctr">
+                      <a:solidFill>
+                        <a:schemeClr val="bg1">
+                          <a:lumMod val="95000"/>
+                        </a:schemeClr>
+                      </a:solidFill>
+                      <a:prstDash val="solid"/>
+                      <a:round/>
+                      <a:headEnd type="none" w="med" len="med"/>
+                      <a:tailEnd type="none" w="med" len="med"/>
+                    </a:lnL>
+                    <a:lnR w="12700" cap="flat" cmpd="sng" algn="ctr">
+                      <a:solidFill>
+                        <a:schemeClr val="bg1">
+                          <a:lumMod val="95000"/>
+                        </a:schemeClr>
+                      </a:solidFill>
+                      <a:prstDash val="solid"/>
+                      <a:round/>
+                      <a:headEnd type="none" w="med" len="med"/>
+                      <a:tailEnd type="none" w="med" len="med"/>
+                    </a:lnR>
+                    <a:lnT w="12700" cap="flat" cmpd="sng" algn="ctr">
+                      <a:solidFill>
+                        <a:schemeClr val="bg1">
+                          <a:lumMod val="95000"/>
+                        </a:schemeClr>
+                      </a:solidFill>
+                      <a:prstDash val="solid"/>
+                      <a:round/>
+                      <a:headEnd type="none" w="med" len="med"/>
+                      <a:tailEnd type="none" w="med" len="med"/>
+                    </a:lnT>
+                    <a:lnB w="12700" cap="flat" cmpd="sng" algn="ctr">
+                      <a:solidFill>
+                        <a:schemeClr val="bg1">
+                          <a:lumMod val="95000"/>
+                        </a:schemeClr>
+                      </a:solidFill>
+                      <a:prstDash val="solid"/>
+                      <a:round/>
+                      <a:headEnd type="none" w="med" len="med"/>
+                      <a:tailEnd type="none" w="med" len="med"/>
+                    </a:lnB>
+                    <a:lnTlToBr w="12700" cmpd="sng">
+                      <a:noFill/>
+                      <a:prstDash val="solid"/>
+                    </a:lnTlToBr>
+                    <a:lnBlToTr w="12700" cmpd="sng">
+                      <a:noFill/>
+                      <a:prstDash val="solid"/>
+                    </a:lnBlToTr>
+                    <a:noFill/>
+                  </a:tcPr>
+                </a:tc>
+                <a:tc>
+                  <a:txBody>
+                    <a:bodyPr/>
+                    <a:lstStyle/>
+                    <a:p>
+                      <a:r>
+                        <a:rPr lang="en-US" sz="1400" b="0" i="1" kern="1200" dirty="0">
+                          <a:solidFill>
+                            <a:schemeClr val="tx1">
+                              <a:lumMod val="85000"/>
+                              <a:lumOff val="15000"/>
+                            </a:schemeClr>
+                          </a:solidFill>
+                          <a:latin typeface="Montserrat Light" panose="00000400000000000000" pitchFamily="50" charset="0"/>
+                          <a:ea typeface="+mn-ea"/>
+                          <a:cs typeface="+mn-cs"/>
+                        </a:rPr>
+                        <a:t>Arthur O’ Sullivan </a:t>
+                      </a:r>
+                    </a:p>
+                    <a:p>
+                      <a:r>
+                        <a:rPr lang="en-US" sz="1400" b="0" dirty="0">
+                          <a:solidFill>
+                            <a:schemeClr val="tx1">
+                              <a:lumMod val="85000"/>
+                              <a:lumOff val="15000"/>
+                            </a:schemeClr>
+                          </a:solidFill>
+                          <a:latin typeface="Montserrat Light" panose="00000400000000000000" pitchFamily="50" charset="0"/>
+                        </a:rPr>
+                        <a:t>(1990 - 2000)</a:t>
+                      </a:r>
+                    </a:p>
+                    <a:p>
+                      <a:pPr marL="0" algn="l" defTabSz="914400" rtl="0" eaLnBrk="1" latinLnBrk="0" hangingPunct="1"/>
+                      <a:r>
+                        <a:rPr lang="en-US" sz="1400" b="0" kern="1200" dirty="0">
+                          <a:solidFill>
+                            <a:schemeClr val="tx1">
+                              <a:lumMod val="85000"/>
+                              <a:lumOff val="15000"/>
+                            </a:schemeClr>
+                          </a:solidFill>
+                          <a:latin typeface="Montserrat Medium" panose="00000600000000000000" pitchFamily="50" charset="0"/>
+                          <a:ea typeface="+mn-ea"/>
+                          <a:cs typeface="+mn-cs"/>
+                        </a:rPr>
+                        <a:t>Portland Inner City</a:t>
+                      </a:r>
+                    </a:p>
+                  </a:txBody>
+                  <a:tcPr anchor="ctr">
+                    <a:lnL w="12700" cap="flat" cmpd="sng" algn="ctr">
+                      <a:solidFill>
+                        <a:schemeClr val="bg1">
+                          <a:lumMod val="95000"/>
+                        </a:schemeClr>
+                      </a:solidFill>
+                      <a:prstDash val="solid"/>
+                      <a:round/>
+                      <a:headEnd type="none" w="med" len="med"/>
+                      <a:tailEnd type="none" w="med" len="med"/>
+                    </a:lnL>
+                    <a:lnR w="12700" cap="flat" cmpd="sng" algn="ctr">
+                      <a:solidFill>
+                        <a:schemeClr val="bg1">
+                          <a:lumMod val="95000"/>
+                        </a:schemeClr>
+                      </a:solidFill>
+                      <a:prstDash val="solid"/>
+                      <a:round/>
+                      <a:headEnd type="none" w="med" len="med"/>
+                      <a:tailEnd type="none" w="med" len="med"/>
+                    </a:lnR>
+                    <a:lnT w="12700" cap="flat" cmpd="sng" algn="ctr">
+                      <a:solidFill>
+                        <a:schemeClr val="bg1">
+                          <a:lumMod val="95000"/>
+                        </a:schemeClr>
+                      </a:solidFill>
+                      <a:prstDash val="solid"/>
+                      <a:round/>
+                      <a:headEnd type="none" w="med" len="med"/>
+                      <a:tailEnd type="none" w="med" len="med"/>
+                    </a:lnT>
+                    <a:lnB w="12700" cap="flat" cmpd="sng" algn="ctr">
+                      <a:solidFill>
+                        <a:schemeClr val="bg1">
+                          <a:lumMod val="95000"/>
+                        </a:schemeClr>
+                      </a:solidFill>
+                      <a:prstDash val="solid"/>
+                      <a:round/>
+                      <a:headEnd type="none" w="med" len="med"/>
+                      <a:tailEnd type="none" w="med" len="med"/>
+                    </a:lnB>
+                    <a:lnTlToBr w="12700" cmpd="sng">
+                      <a:noFill/>
+                      <a:prstDash val="solid"/>
+                    </a:lnTlToBr>
+                    <a:lnBlToTr w="12700" cmpd="sng">
+                      <a:noFill/>
+                      <a:prstDash val="solid"/>
+                    </a:lnBlToTr>
+                    <a:noFill/>
+                  </a:tcPr>
+                </a:tc>
+                <a:tc>
+                  <a:txBody>
+                    <a:bodyPr/>
+                    <a:lstStyle/>
+                    <a:p>
+                      <a:r>
+                        <a:rPr lang="en-US" sz="1400" b="0" i="1" kern="1200" dirty="0">
+                          <a:solidFill>
+                            <a:schemeClr val="tx1">
+                              <a:lumMod val="85000"/>
+                              <a:lumOff val="15000"/>
+                            </a:schemeClr>
+                          </a:solidFill>
+                          <a:latin typeface="Montserrat Light" panose="00000400000000000000" pitchFamily="50" charset="0"/>
+                          <a:ea typeface="+mn-ea"/>
+                          <a:cs typeface="+mn-cs"/>
+                        </a:rPr>
+                        <a:t>Gerard </a:t>
+                      </a:r>
+                      <a:r>
+                        <a:rPr lang="en-US" sz="1400" b="0" i="1" kern="1200" dirty="0" err="1">
+                          <a:solidFill>
+                            <a:schemeClr val="tx1">
+                              <a:lumMod val="85000"/>
+                              <a:lumOff val="15000"/>
+                            </a:schemeClr>
+                          </a:solidFill>
+                          <a:latin typeface="Montserrat Light" panose="00000400000000000000" pitchFamily="50" charset="0"/>
+                          <a:ea typeface="+mn-ea"/>
+                          <a:cs typeface="+mn-cs"/>
+                        </a:rPr>
+                        <a:t>Torrats</a:t>
+                      </a:r>
+                      <a:r>
+                        <a:rPr lang="en-US" sz="1400" b="0" i="1" kern="1200" dirty="0">
+                          <a:solidFill>
+                            <a:schemeClr val="tx1">
+                              <a:lumMod val="85000"/>
+                              <a:lumOff val="15000"/>
+                            </a:schemeClr>
+                          </a:solidFill>
+                          <a:latin typeface="Montserrat Light" panose="00000400000000000000" pitchFamily="50" charset="0"/>
+                          <a:ea typeface="+mn-ea"/>
+                          <a:cs typeface="+mn-cs"/>
+                        </a:rPr>
+                        <a:t>-Espinosa</a:t>
+                      </a:r>
+                    </a:p>
+                    <a:p>
+                      <a:r>
+                        <a:rPr lang="en-US" sz="1400" b="0" dirty="0">
+                          <a:solidFill>
+                            <a:schemeClr val="tx1">
+                              <a:lumMod val="85000"/>
+                              <a:lumOff val="15000"/>
+                            </a:schemeClr>
+                          </a:solidFill>
+                          <a:latin typeface="Montserrat Light" panose="00000400000000000000" pitchFamily="50" charset="0"/>
+                        </a:rPr>
+                        <a:t>(1990 – 2000)</a:t>
+                      </a:r>
+                    </a:p>
+                    <a:p>
+                      <a:r>
+                        <a:rPr lang="en-US" sz="1400" b="0" kern="1200" dirty="0">
+                          <a:solidFill>
+                            <a:schemeClr val="tx1">
+                              <a:lumMod val="85000"/>
+                              <a:lumOff val="15000"/>
+                            </a:schemeClr>
+                          </a:solidFill>
+                          <a:latin typeface="Montserrat Medium" panose="00000600000000000000" pitchFamily="50" charset="0"/>
+                          <a:ea typeface="+mn-ea"/>
+                          <a:cs typeface="+mn-cs"/>
+                        </a:rPr>
+                        <a:t>American Cities</a:t>
+                      </a:r>
+                    </a:p>
+                  </a:txBody>
+                  <a:tcPr anchor="ctr">
+                    <a:lnL w="12700" cap="flat" cmpd="sng" algn="ctr">
+                      <a:solidFill>
+                        <a:schemeClr val="bg1">
+                          <a:lumMod val="95000"/>
+                        </a:schemeClr>
+                      </a:solidFill>
+                      <a:prstDash val="solid"/>
+                      <a:round/>
+                      <a:headEnd type="none" w="med" len="med"/>
+                      <a:tailEnd type="none" w="med" len="med"/>
+                    </a:lnL>
+                    <a:lnR w="12700" cap="flat" cmpd="sng" algn="ctr">
+                      <a:solidFill>
+                        <a:schemeClr val="bg1">
+                          <a:lumMod val="95000"/>
+                        </a:schemeClr>
+                      </a:solidFill>
+                      <a:prstDash val="solid"/>
+                      <a:round/>
+                      <a:headEnd type="none" w="med" len="med"/>
+                      <a:tailEnd type="none" w="med" len="med"/>
+                    </a:lnR>
+                    <a:lnT w="12700" cap="flat" cmpd="sng" algn="ctr">
+                      <a:solidFill>
+                        <a:schemeClr val="bg1">
+                          <a:lumMod val="95000"/>
+                        </a:schemeClr>
+                      </a:solidFill>
+                      <a:prstDash val="solid"/>
+                      <a:round/>
+                      <a:headEnd type="none" w="med" len="med"/>
+                      <a:tailEnd type="none" w="med" len="med"/>
+                    </a:lnT>
+                    <a:lnB w="12700" cap="flat" cmpd="sng" algn="ctr">
+                      <a:solidFill>
+                        <a:schemeClr val="bg1">
+                          <a:lumMod val="95000"/>
+                        </a:schemeClr>
+                      </a:solidFill>
+                      <a:prstDash val="solid"/>
+                      <a:round/>
+                      <a:headEnd type="none" w="med" len="med"/>
+                      <a:tailEnd type="none" w="med" len="med"/>
+                    </a:lnB>
+                    <a:lnTlToBr w="12700" cmpd="sng">
+                      <a:noFill/>
+                      <a:prstDash val="solid"/>
+                    </a:lnTlToBr>
+                    <a:lnBlToTr w="12700" cmpd="sng">
+                      <a:noFill/>
+                      <a:prstDash val="solid"/>
+                    </a:lnBlToTr>
+                    <a:noFill/>
+                  </a:tcPr>
+                </a:tc>
+                <a:extLst>
+                  <a:ext uri="{0D108BD9-81ED-4DB2-BD59-A6C34878D82A}">
+                    <a16:rowId xmlns:a16="http://schemas.microsoft.com/office/drawing/2014/main" val="1980735909"/>
+                  </a:ext>
+                </a:extLst>
+              </a:tr>
+              <a:tr h="370840">
+                <a:tc>
+                  <a:txBody>
+                    <a:bodyPr/>
+                    <a:lstStyle/>
+                    <a:p>
+                      <a:r>
+                        <a:rPr lang="en-US" sz="1400" dirty="0">
+                          <a:solidFill>
+                            <a:schemeClr val="tx1">
+                              <a:lumMod val="85000"/>
+                              <a:lumOff val="15000"/>
+                            </a:schemeClr>
+                          </a:solidFill>
+                          <a:latin typeface="Montserrat Light" panose="00000400000000000000" pitchFamily="50" charset="0"/>
+                        </a:rPr>
+                        <a:t>Demographic</a:t>
+                      </a:r>
+                    </a:p>
+                  </a:txBody>
+                  <a:tcPr anchor="ctr">
+                    <a:lnL w="12700" cap="flat" cmpd="sng" algn="ctr">
+                      <a:solidFill>
+                        <a:schemeClr val="bg1">
+                          <a:lumMod val="95000"/>
+                        </a:schemeClr>
+                      </a:solidFill>
+                      <a:prstDash val="solid"/>
+                      <a:round/>
+                      <a:headEnd type="none" w="med" len="med"/>
+                      <a:tailEnd type="none" w="med" len="med"/>
+                    </a:lnL>
+                    <a:lnR w="12700" cap="flat" cmpd="sng" algn="ctr">
+                      <a:solidFill>
+                        <a:schemeClr val="bg1">
+                          <a:lumMod val="95000"/>
+                        </a:schemeClr>
+                      </a:solidFill>
+                      <a:prstDash val="solid"/>
+                      <a:round/>
+                      <a:headEnd type="none" w="med" len="med"/>
+                      <a:tailEnd type="none" w="med" len="med"/>
+                    </a:lnR>
+                    <a:lnT w="12700" cap="flat" cmpd="sng" algn="ctr">
+                      <a:solidFill>
+                        <a:schemeClr val="bg1">
+                          <a:lumMod val="95000"/>
+                        </a:schemeClr>
+                      </a:solidFill>
+                      <a:prstDash val="solid"/>
+                      <a:round/>
+                      <a:headEnd type="none" w="med" len="med"/>
+                      <a:tailEnd type="none" w="med" len="med"/>
+                    </a:lnT>
+                    <a:lnB w="12700" cap="flat" cmpd="sng" algn="ctr">
+                      <a:solidFill>
+                        <a:schemeClr val="bg1">
+                          <a:lumMod val="95000"/>
+                        </a:schemeClr>
+                      </a:solidFill>
+                      <a:prstDash val="solid"/>
+                      <a:round/>
+                      <a:headEnd type="none" w="med" len="med"/>
+                      <a:tailEnd type="none" w="med" len="med"/>
+                    </a:lnB>
+                    <a:lnTlToBr w="12700" cmpd="sng">
+                      <a:noFill/>
+                      <a:prstDash val="solid"/>
+                    </a:lnTlToBr>
+                    <a:lnBlToTr w="12700" cmpd="sng">
+                      <a:noFill/>
+                      <a:prstDash val="solid"/>
+                    </a:lnBlToTr>
+                    <a:noFill/>
+                  </a:tcPr>
+                </a:tc>
+                <a:tc>
+                  <a:txBody>
+                    <a:bodyPr/>
+                    <a:lstStyle/>
+                    <a:p>
+                      <a:pPr marL="285750" marR="0" lvl="0" indent="-285750" algn="l" defTabSz="914400" rtl="0" eaLnBrk="1" fontAlgn="auto" latinLnBrk="0" hangingPunct="1">
+                        <a:lnSpc>
+                          <a:spcPct val="100000"/>
+                        </a:lnSpc>
+                        <a:spcBef>
+                          <a:spcPts val="0"/>
+                        </a:spcBef>
+                        <a:spcAft>
+                          <a:spcPts val="0"/>
+                        </a:spcAft>
+                        <a:buClrTx/>
+                        <a:buSzTx/>
+                        <a:buFont typeface="Arial" panose="020B0604020202020204" pitchFamily="34" charset="0"/>
+                        <a:buChar char="•"/>
+                        <a:tabLst/>
+                        <a:defRPr/>
+                      </a:pPr>
+                      <a:r>
+                        <a:rPr lang="en-US" sz="1200" dirty="0">
+                          <a:solidFill>
+                            <a:schemeClr val="tx1">
+                              <a:lumMod val="85000"/>
+                              <a:lumOff val="15000"/>
+                            </a:schemeClr>
+                          </a:solidFill>
+                          <a:latin typeface="Montserrat Light" panose="00000400000000000000" pitchFamily="50" charset="0"/>
+                        </a:rPr>
+                        <a:t>% White ↑</a:t>
+                      </a:r>
+                    </a:p>
+                    <a:p>
+                      <a:pPr marL="285750" marR="0" lvl="0" indent="-285750" algn="l" defTabSz="914400" rtl="0" eaLnBrk="1" fontAlgn="auto" latinLnBrk="0" hangingPunct="1">
+                        <a:lnSpc>
+                          <a:spcPct val="100000"/>
+                        </a:lnSpc>
+                        <a:spcBef>
+                          <a:spcPts val="0"/>
+                        </a:spcBef>
+                        <a:spcAft>
+                          <a:spcPts val="0"/>
+                        </a:spcAft>
+                        <a:buClrTx/>
+                        <a:buSzTx/>
+                        <a:buFont typeface="Arial" panose="020B0604020202020204" pitchFamily="34" charset="0"/>
+                        <a:buChar char="•"/>
+                        <a:tabLst/>
+                        <a:defRPr/>
+                      </a:pPr>
+                      <a:r>
+                        <a:rPr lang="en-US" sz="1200" dirty="0">
+                          <a:solidFill>
+                            <a:schemeClr val="tx1">
+                              <a:lumMod val="85000"/>
+                              <a:lumOff val="15000"/>
+                            </a:schemeClr>
+                          </a:solidFill>
+                          <a:latin typeface="Montserrat Light" panose="00000400000000000000" pitchFamily="50" charset="0"/>
+                        </a:rPr>
+                        <a:t>% Black Households ↓</a:t>
+                      </a:r>
+                    </a:p>
+                    <a:p>
+                      <a:pPr marL="0" indent="0">
+                        <a:buFont typeface="Arial" panose="020B0604020202020204" pitchFamily="34" charset="0"/>
+                        <a:buNone/>
+                      </a:pPr>
+                      <a:endParaRPr lang="en-US" sz="1200" dirty="0">
+                        <a:solidFill>
+                          <a:schemeClr val="tx1">
+                            <a:lumMod val="85000"/>
+                            <a:lumOff val="15000"/>
+                          </a:schemeClr>
+                        </a:solidFill>
+                        <a:highlight>
+                          <a:srgbClr val="FFDD61"/>
+                        </a:highlight>
+                        <a:latin typeface="Montserrat Light" panose="00000400000000000000" pitchFamily="50" charset="0"/>
+                      </a:endParaRPr>
+                    </a:p>
+                  </a:txBody>
+                  <a:tcPr anchor="ctr">
+                    <a:lnL w="12700" cap="flat" cmpd="sng" algn="ctr">
+                      <a:solidFill>
+                        <a:schemeClr val="bg1">
+                          <a:lumMod val="95000"/>
+                        </a:schemeClr>
+                      </a:solidFill>
+                      <a:prstDash val="solid"/>
+                      <a:round/>
+                      <a:headEnd type="none" w="med" len="med"/>
+                      <a:tailEnd type="none" w="med" len="med"/>
+                    </a:lnL>
+                    <a:lnR w="12700" cap="flat" cmpd="sng" algn="ctr">
+                      <a:solidFill>
+                        <a:schemeClr val="bg1">
+                          <a:lumMod val="95000"/>
+                        </a:schemeClr>
+                      </a:solidFill>
+                      <a:prstDash val="solid"/>
+                      <a:round/>
+                      <a:headEnd type="none" w="med" len="med"/>
+                      <a:tailEnd type="none" w="med" len="med"/>
+                    </a:lnR>
+                    <a:lnT w="12700" cap="flat" cmpd="sng" algn="ctr">
+                      <a:solidFill>
+                        <a:schemeClr val="bg1">
+                          <a:lumMod val="95000"/>
+                        </a:schemeClr>
+                      </a:solidFill>
+                      <a:prstDash val="solid"/>
+                      <a:round/>
+                      <a:headEnd type="none" w="med" len="med"/>
+                      <a:tailEnd type="none" w="med" len="med"/>
+                    </a:lnT>
+                    <a:lnB w="12700" cap="flat" cmpd="sng" algn="ctr">
+                      <a:solidFill>
+                        <a:schemeClr val="bg1">
+                          <a:lumMod val="95000"/>
+                        </a:schemeClr>
+                      </a:solidFill>
+                      <a:prstDash val="solid"/>
+                      <a:round/>
+                      <a:headEnd type="none" w="med" len="med"/>
+                      <a:tailEnd type="none" w="med" len="med"/>
+                    </a:lnB>
+                    <a:lnTlToBr w="12700" cmpd="sng">
+                      <a:noFill/>
+                      <a:prstDash val="solid"/>
+                    </a:lnTlToBr>
+                    <a:lnBlToTr w="12700" cmpd="sng">
+                      <a:noFill/>
+                      <a:prstDash val="solid"/>
+                    </a:lnBlToTr>
+                    <a:noFill/>
+                  </a:tcPr>
+                </a:tc>
+                <a:tc>
+                  <a:txBody>
+                    <a:bodyPr/>
+                    <a:lstStyle/>
+                    <a:p>
+                      <a:pPr marL="285750" indent="-285750">
+                        <a:buFont typeface="Arial" panose="020B0604020202020204" pitchFamily="34" charset="0"/>
+                        <a:buChar char="•"/>
+                      </a:pPr>
+                      <a:r>
+                        <a:rPr lang="en-US" sz="1200" strike="sngStrike" dirty="0">
+                          <a:solidFill>
+                            <a:schemeClr val="tx1">
+                              <a:lumMod val="85000"/>
+                              <a:lumOff val="15000"/>
+                            </a:schemeClr>
+                          </a:solidFill>
+                          <a:latin typeface="Montserrat Light" panose="00000400000000000000" pitchFamily="50" charset="0"/>
+                        </a:rPr>
+                        <a:t>Age</a:t>
+                      </a:r>
+                    </a:p>
+                    <a:p>
+                      <a:pPr marL="285750" indent="-285750">
+                        <a:buFont typeface="Arial" panose="020B0604020202020204" pitchFamily="34" charset="0"/>
+                        <a:buChar char="•"/>
+                      </a:pPr>
+                      <a:r>
+                        <a:rPr lang="en-US" sz="1200" dirty="0">
+                          <a:solidFill>
+                            <a:schemeClr val="tx1">
+                              <a:lumMod val="85000"/>
+                              <a:lumOff val="15000"/>
+                            </a:schemeClr>
+                          </a:solidFill>
+                          <a:latin typeface="Montserrat Light" panose="00000400000000000000" pitchFamily="50" charset="0"/>
+                        </a:rPr>
+                        <a:t>% White ↓</a:t>
+                      </a:r>
+                    </a:p>
+                    <a:p>
+                      <a:pPr marL="285750" indent="-285750">
+                        <a:buFont typeface="Arial" panose="020B0604020202020204" pitchFamily="34" charset="0"/>
+                        <a:buChar char="•"/>
+                      </a:pPr>
+                      <a:r>
+                        <a:rPr lang="en-US" sz="1200" dirty="0">
+                          <a:solidFill>
+                            <a:schemeClr val="tx1">
+                              <a:lumMod val="85000"/>
+                              <a:lumOff val="15000"/>
+                            </a:schemeClr>
+                          </a:solidFill>
+                          <a:latin typeface="Montserrat Light" panose="00000400000000000000" pitchFamily="50" charset="0"/>
+                        </a:rPr>
+                        <a:t>% African American ↑</a:t>
+                      </a:r>
+                    </a:p>
+                    <a:p>
+                      <a:pPr marL="285750" indent="-285750">
+                        <a:buFont typeface="Arial" panose="020B0604020202020204" pitchFamily="34" charset="0"/>
+                        <a:buChar char="•"/>
+                      </a:pPr>
+                      <a:r>
+                        <a:rPr lang="en-US" sz="1200" strike="noStrike" dirty="0">
+                          <a:solidFill>
+                            <a:schemeClr val="tx1">
+                              <a:lumMod val="85000"/>
+                              <a:lumOff val="15000"/>
+                            </a:schemeClr>
+                          </a:solidFill>
+                          <a:latin typeface="Montserrat Light" panose="00000400000000000000" pitchFamily="50" charset="0"/>
+                        </a:rPr>
+                        <a:t>% Hispanic </a:t>
+                      </a:r>
+                      <a:r>
+                        <a:rPr lang="en-US" sz="1200" dirty="0">
+                          <a:solidFill>
+                            <a:schemeClr val="tx1">
+                              <a:lumMod val="85000"/>
+                              <a:lumOff val="15000"/>
+                            </a:schemeClr>
+                          </a:solidFill>
+                          <a:latin typeface="Montserrat Light" panose="00000400000000000000" pitchFamily="50" charset="0"/>
+                        </a:rPr>
+                        <a:t>↓</a:t>
+                      </a:r>
+                      <a:endParaRPr lang="en-US" sz="1200" strike="noStrike" dirty="0">
+                        <a:solidFill>
+                          <a:schemeClr val="tx1">
+                            <a:lumMod val="85000"/>
+                            <a:lumOff val="15000"/>
+                          </a:schemeClr>
+                        </a:solidFill>
+                        <a:latin typeface="Montserrat Light" panose="00000400000000000000" pitchFamily="50" charset="0"/>
+                      </a:endParaRPr>
+                    </a:p>
+                    <a:p>
+                      <a:pPr marL="285750" indent="-285750">
+                        <a:buFont typeface="Arial" panose="020B0604020202020204" pitchFamily="34" charset="0"/>
+                        <a:buChar char="•"/>
+                      </a:pPr>
+                      <a:r>
+                        <a:rPr lang="en-US" sz="1200" dirty="0">
+                          <a:solidFill>
+                            <a:schemeClr val="tx1">
+                              <a:lumMod val="85000"/>
+                              <a:lumOff val="15000"/>
+                            </a:schemeClr>
+                          </a:solidFill>
+                          <a:highlight>
+                            <a:srgbClr val="FFDD61"/>
+                          </a:highlight>
+                          <a:latin typeface="Montserrat Light" panose="00000400000000000000" pitchFamily="50" charset="0"/>
+                        </a:rPr>
+                        <a:t>% 25 years completing &gt; 15 years school ↑↑</a:t>
+                      </a:r>
+                    </a:p>
+                  </a:txBody>
+                  <a:tcPr anchor="ctr">
+                    <a:lnL w="12700" cap="flat" cmpd="sng" algn="ctr">
+                      <a:solidFill>
+                        <a:schemeClr val="bg1">
+                          <a:lumMod val="95000"/>
+                        </a:schemeClr>
+                      </a:solidFill>
+                      <a:prstDash val="solid"/>
+                      <a:round/>
+                      <a:headEnd type="none" w="med" len="med"/>
+                      <a:tailEnd type="none" w="med" len="med"/>
+                    </a:lnL>
+                    <a:lnR w="12700" cap="flat" cmpd="sng" algn="ctr">
+                      <a:solidFill>
+                        <a:schemeClr val="bg1">
+                          <a:lumMod val="95000"/>
+                        </a:schemeClr>
+                      </a:solidFill>
+                      <a:prstDash val="solid"/>
+                      <a:round/>
+                      <a:headEnd type="none" w="med" len="med"/>
+                      <a:tailEnd type="none" w="med" len="med"/>
+                    </a:lnR>
+                    <a:lnT w="12700" cap="flat" cmpd="sng" algn="ctr">
+                      <a:solidFill>
+                        <a:schemeClr val="bg1">
+                          <a:lumMod val="95000"/>
+                        </a:schemeClr>
+                      </a:solidFill>
+                      <a:prstDash val="solid"/>
+                      <a:round/>
+                      <a:headEnd type="none" w="med" len="med"/>
+                      <a:tailEnd type="none" w="med" len="med"/>
+                    </a:lnT>
+                    <a:lnB w="12700" cap="flat" cmpd="sng" algn="ctr">
+                      <a:solidFill>
+                        <a:schemeClr val="bg1">
+                          <a:lumMod val="95000"/>
+                        </a:schemeClr>
+                      </a:solidFill>
+                      <a:prstDash val="solid"/>
+                      <a:round/>
+                      <a:headEnd type="none" w="med" len="med"/>
+                      <a:tailEnd type="none" w="med" len="med"/>
+                    </a:lnB>
+                    <a:lnTlToBr w="12700" cmpd="sng">
+                      <a:noFill/>
+                      <a:prstDash val="solid"/>
+                    </a:lnTlToBr>
+                    <a:lnBlToTr w="12700" cmpd="sng">
+                      <a:noFill/>
+                      <a:prstDash val="solid"/>
+                    </a:lnBlToTr>
+                    <a:noFill/>
+                  </a:tcPr>
+                </a:tc>
+                <a:tc>
+                  <a:txBody>
+                    <a:bodyPr/>
+                    <a:lstStyle/>
+                    <a:p>
+                      <a:pPr marL="171450" indent="-171450">
+                        <a:buFont typeface="Arial" panose="020B0604020202020204" pitchFamily="34" charset="0"/>
+                        <a:buChar char="•"/>
+                      </a:pPr>
+                      <a:r>
+                        <a:rPr lang="en-US" sz="1200" dirty="0">
+                          <a:solidFill>
+                            <a:schemeClr val="tx1">
+                              <a:lumMod val="85000"/>
+                              <a:lumOff val="15000"/>
+                            </a:schemeClr>
+                          </a:solidFill>
+                          <a:latin typeface="Montserrat Light" panose="00000400000000000000" pitchFamily="50" charset="0"/>
+                        </a:rPr>
+                        <a:t>% Black ↓</a:t>
+                      </a:r>
+                    </a:p>
+                    <a:p>
+                      <a:pPr marL="171450" indent="-171450">
+                        <a:buFont typeface="Arial" panose="020B0604020202020204" pitchFamily="34" charset="0"/>
+                        <a:buChar char="•"/>
+                      </a:pPr>
+                      <a:r>
+                        <a:rPr lang="en-US" sz="1200" dirty="0">
+                          <a:solidFill>
+                            <a:schemeClr val="tx1">
+                              <a:lumMod val="85000"/>
+                              <a:lumOff val="15000"/>
+                            </a:schemeClr>
+                          </a:solidFill>
+                          <a:latin typeface="Montserrat Light" panose="00000400000000000000" pitchFamily="50" charset="0"/>
+                        </a:rPr>
+                        <a:t>% High school completion ↓</a:t>
+                      </a:r>
+                    </a:p>
+                    <a:p>
+                      <a:pPr marL="171450" indent="-171450">
+                        <a:buFont typeface="Arial" panose="020B0604020202020204" pitchFamily="34" charset="0"/>
+                        <a:buChar char="•"/>
+                      </a:pPr>
+                      <a:r>
+                        <a:rPr lang="en-US" sz="1200" dirty="0">
+                          <a:solidFill>
+                            <a:schemeClr val="tx1">
+                              <a:lumMod val="85000"/>
+                              <a:lumOff val="15000"/>
+                            </a:schemeClr>
+                          </a:solidFill>
+                          <a:latin typeface="Montserrat Light" panose="00000400000000000000" pitchFamily="50" charset="0"/>
+                        </a:rPr>
+                        <a:t>% Graduate or professional degree ↑</a:t>
+                      </a:r>
+                    </a:p>
+                    <a:p>
+                      <a:pPr marL="171450" indent="-171450">
+                        <a:buFont typeface="Arial" panose="020B0604020202020204" pitchFamily="34" charset="0"/>
+                        <a:buChar char="•"/>
+                      </a:pPr>
+                      <a:endParaRPr lang="en-US" sz="1200" dirty="0">
+                        <a:solidFill>
+                          <a:schemeClr val="tx1">
+                            <a:lumMod val="85000"/>
+                            <a:lumOff val="15000"/>
+                          </a:schemeClr>
+                        </a:solidFill>
+                        <a:latin typeface="Montserrat Light" panose="00000400000000000000" pitchFamily="50" charset="0"/>
+                      </a:endParaRPr>
+                    </a:p>
+                  </a:txBody>
+                  <a:tcPr anchor="ctr">
+                    <a:lnL w="12700" cap="flat" cmpd="sng" algn="ctr">
+                      <a:solidFill>
+                        <a:schemeClr val="bg1">
+                          <a:lumMod val="95000"/>
+                        </a:schemeClr>
+                      </a:solidFill>
+                      <a:prstDash val="solid"/>
+                      <a:round/>
+                      <a:headEnd type="none" w="med" len="med"/>
+                      <a:tailEnd type="none" w="med" len="med"/>
+                    </a:lnL>
+                    <a:lnR w="12700" cap="flat" cmpd="sng" algn="ctr">
+                      <a:solidFill>
+                        <a:schemeClr val="bg1">
+                          <a:lumMod val="95000"/>
+                        </a:schemeClr>
+                      </a:solidFill>
+                      <a:prstDash val="solid"/>
+                      <a:round/>
+                      <a:headEnd type="none" w="med" len="med"/>
+                      <a:tailEnd type="none" w="med" len="med"/>
+                    </a:lnR>
+                    <a:lnT w="12700" cap="flat" cmpd="sng" algn="ctr">
+                      <a:solidFill>
+                        <a:schemeClr val="bg1">
+                          <a:lumMod val="95000"/>
+                        </a:schemeClr>
+                      </a:solidFill>
+                      <a:prstDash val="solid"/>
+                      <a:round/>
+                      <a:headEnd type="none" w="med" len="med"/>
+                      <a:tailEnd type="none" w="med" len="med"/>
+                    </a:lnT>
+                    <a:lnB w="12700" cap="flat" cmpd="sng" algn="ctr">
+                      <a:solidFill>
+                        <a:schemeClr val="bg1">
+                          <a:lumMod val="95000"/>
+                        </a:schemeClr>
+                      </a:solidFill>
+                      <a:prstDash val="solid"/>
+                      <a:round/>
+                      <a:headEnd type="none" w="med" len="med"/>
+                      <a:tailEnd type="none" w="med" len="med"/>
+                    </a:lnB>
+                    <a:lnTlToBr w="12700" cmpd="sng">
+                      <a:noFill/>
+                      <a:prstDash val="solid"/>
+                    </a:lnTlToBr>
+                    <a:lnBlToTr w="12700" cmpd="sng">
+                      <a:noFill/>
+                      <a:prstDash val="solid"/>
+                    </a:lnBlToTr>
+                    <a:noFill/>
+                  </a:tcPr>
+                </a:tc>
+                <a:tc>
+                  <a:txBody>
+                    <a:bodyPr/>
+                    <a:lstStyle/>
+                    <a:p>
+                      <a:pPr marL="285750" indent="-285750">
+                        <a:buFont typeface="Arial" panose="020B0604020202020204" pitchFamily="34" charset="0"/>
+                        <a:buChar char="•"/>
+                      </a:pPr>
+                      <a:r>
+                        <a:rPr lang="en-US" sz="1200" dirty="0">
+                          <a:solidFill>
+                            <a:schemeClr val="tx1">
+                              <a:lumMod val="85000"/>
+                              <a:lumOff val="15000"/>
+                            </a:schemeClr>
+                          </a:solidFill>
+                          <a:highlight>
+                            <a:srgbClr val="FFDD61"/>
+                          </a:highlight>
+                          <a:latin typeface="Montserrat Light" panose="00000400000000000000" pitchFamily="50" charset="0"/>
+                        </a:rPr>
+                        <a:t>% White Households ↑</a:t>
+                      </a:r>
+                    </a:p>
+                    <a:p>
+                      <a:pPr marL="285750" indent="-285750">
+                        <a:buFont typeface="Arial" panose="020B0604020202020204" pitchFamily="34" charset="0"/>
+                        <a:buChar char="•"/>
+                      </a:pPr>
+                      <a:r>
+                        <a:rPr lang="en-US" sz="1200" dirty="0">
+                          <a:solidFill>
+                            <a:schemeClr val="tx1">
+                              <a:lumMod val="85000"/>
+                              <a:lumOff val="15000"/>
+                            </a:schemeClr>
+                          </a:solidFill>
+                          <a:latin typeface="Montserrat Light" panose="00000400000000000000" pitchFamily="50" charset="0"/>
+                        </a:rPr>
+                        <a:t>% Black Households ↓</a:t>
+                      </a:r>
+                    </a:p>
+                    <a:p>
+                      <a:pPr marL="285750" indent="-285750">
+                        <a:buFont typeface="Arial" panose="020B0604020202020204" pitchFamily="34" charset="0"/>
+                        <a:buChar char="•"/>
+                      </a:pPr>
+                      <a:r>
+                        <a:rPr lang="en-US" sz="1200" dirty="0">
+                          <a:solidFill>
+                            <a:schemeClr val="tx1">
+                              <a:lumMod val="85000"/>
+                              <a:lumOff val="15000"/>
+                            </a:schemeClr>
+                          </a:solidFill>
+                          <a:latin typeface="Montserrat Light" panose="00000400000000000000" pitchFamily="50" charset="0"/>
+                        </a:rPr>
+                        <a:t>% Hispanic Households ↓</a:t>
+                      </a:r>
+                    </a:p>
+                    <a:p>
+                      <a:pPr marL="285750" indent="-285750">
+                        <a:buFont typeface="Arial" panose="020B0604020202020204" pitchFamily="34" charset="0"/>
+                        <a:buChar char="•"/>
+                      </a:pPr>
+                      <a:r>
+                        <a:rPr lang="en-US" sz="1200" dirty="0">
+                          <a:solidFill>
+                            <a:schemeClr val="tx1">
+                              <a:lumMod val="85000"/>
+                              <a:lumOff val="15000"/>
+                            </a:schemeClr>
+                          </a:solidFill>
+                          <a:latin typeface="Montserrat Light" panose="00000400000000000000" pitchFamily="50" charset="0"/>
+                        </a:rPr>
+                        <a:t>% Children ↓/ Without ↓/ </a:t>
+                      </a:r>
+                      <a:br>
+                        <a:rPr lang="en-US" sz="1200" dirty="0">
+                          <a:solidFill>
+                            <a:schemeClr val="tx1">
+                              <a:lumMod val="85000"/>
+                              <a:lumOff val="15000"/>
+                            </a:schemeClr>
+                          </a:solidFill>
+                          <a:latin typeface="Montserrat Light" panose="00000400000000000000" pitchFamily="50" charset="0"/>
+                        </a:rPr>
+                      </a:br>
+                      <a:r>
+                        <a:rPr lang="en-US" sz="1200" dirty="0">
+                          <a:solidFill>
+                            <a:schemeClr val="tx1">
+                              <a:lumMod val="85000"/>
+                              <a:lumOff val="15000"/>
+                            </a:schemeClr>
+                          </a:solidFill>
+                          <a:highlight>
+                            <a:srgbClr val="FFDD61"/>
+                          </a:highlight>
+                          <a:latin typeface="Montserrat Light" panose="00000400000000000000" pitchFamily="50" charset="0"/>
+                        </a:rPr>
+                        <a:t>Non-Family ↑</a:t>
+                      </a:r>
+                    </a:p>
+                    <a:p>
+                      <a:pPr marL="285750" indent="-285750">
+                        <a:buFont typeface="Arial" panose="020B0604020202020204" pitchFamily="34" charset="0"/>
+                        <a:buChar char="•"/>
+                      </a:pPr>
+                      <a:r>
+                        <a:rPr lang="en-US" sz="1200" dirty="0">
+                          <a:solidFill>
+                            <a:schemeClr val="tx1">
+                              <a:lumMod val="85000"/>
+                              <a:lumOff val="15000"/>
+                            </a:schemeClr>
+                          </a:solidFill>
+                          <a:highlight>
+                            <a:srgbClr val="FFDD61"/>
+                          </a:highlight>
+                          <a:latin typeface="Montserrat Light" panose="00000400000000000000" pitchFamily="50" charset="0"/>
+                        </a:rPr>
+                        <a:t>% College ↑</a:t>
+                      </a:r>
+                    </a:p>
+                  </a:txBody>
+                  <a:tcPr anchor="ctr">
+                    <a:lnL w="12700" cap="flat" cmpd="sng" algn="ctr">
+                      <a:solidFill>
+                        <a:schemeClr val="bg1">
+                          <a:lumMod val="95000"/>
+                        </a:schemeClr>
+                      </a:solidFill>
+                      <a:prstDash val="solid"/>
+                      <a:round/>
+                      <a:headEnd type="none" w="med" len="med"/>
+                      <a:tailEnd type="none" w="med" len="med"/>
+                    </a:lnL>
+                    <a:lnR w="12700" cap="flat" cmpd="sng" algn="ctr">
+                      <a:solidFill>
+                        <a:schemeClr val="bg1">
+                          <a:lumMod val="95000"/>
+                        </a:schemeClr>
+                      </a:solidFill>
+                      <a:prstDash val="solid"/>
+                      <a:round/>
+                      <a:headEnd type="none" w="med" len="med"/>
+                      <a:tailEnd type="none" w="med" len="med"/>
+                    </a:lnR>
+                    <a:lnT w="12700" cap="flat" cmpd="sng" algn="ctr">
+                      <a:solidFill>
+                        <a:schemeClr val="bg1">
+                          <a:lumMod val="95000"/>
+                        </a:schemeClr>
+                      </a:solidFill>
+                      <a:prstDash val="solid"/>
+                      <a:round/>
+                      <a:headEnd type="none" w="med" len="med"/>
+                      <a:tailEnd type="none" w="med" len="med"/>
+                    </a:lnT>
+                    <a:lnB w="12700" cap="flat" cmpd="sng" algn="ctr">
+                      <a:solidFill>
+                        <a:schemeClr val="bg1">
+                          <a:lumMod val="95000"/>
+                        </a:schemeClr>
+                      </a:solidFill>
+                      <a:prstDash val="solid"/>
+                      <a:round/>
+                      <a:headEnd type="none" w="med" len="med"/>
+                      <a:tailEnd type="none" w="med" len="med"/>
+                    </a:lnB>
+                    <a:lnTlToBr w="12700" cmpd="sng">
+                      <a:noFill/>
+                      <a:prstDash val="solid"/>
+                    </a:lnTlToBr>
+                    <a:lnBlToTr w="12700" cmpd="sng">
+                      <a:noFill/>
+                      <a:prstDash val="solid"/>
+                    </a:lnBlToTr>
+                    <a:noFill/>
+                  </a:tcPr>
+                </a:tc>
+                <a:extLst>
+                  <a:ext uri="{0D108BD9-81ED-4DB2-BD59-A6C34878D82A}">
+                    <a16:rowId xmlns:a16="http://schemas.microsoft.com/office/drawing/2014/main" val="3564769761"/>
+                  </a:ext>
+                </a:extLst>
+              </a:tr>
+              <a:tr h="370840">
+                <a:tc>
+                  <a:txBody>
+                    <a:bodyPr/>
+                    <a:lstStyle/>
+                    <a:p>
+                      <a:r>
+                        <a:rPr lang="en-US" sz="1400" dirty="0">
+                          <a:solidFill>
+                            <a:schemeClr val="tx1">
+                              <a:lumMod val="85000"/>
+                              <a:lumOff val="15000"/>
+                            </a:schemeClr>
+                          </a:solidFill>
+                          <a:latin typeface="Montserrat Light" panose="00000400000000000000" pitchFamily="50" charset="0"/>
+                        </a:rPr>
+                        <a:t>Economic</a:t>
+                      </a:r>
+                    </a:p>
+                  </a:txBody>
+                  <a:tcPr anchor="ctr">
+                    <a:lnL w="12700" cap="flat" cmpd="sng" algn="ctr">
+                      <a:solidFill>
+                        <a:schemeClr val="bg1">
+                          <a:lumMod val="95000"/>
+                        </a:schemeClr>
+                      </a:solidFill>
+                      <a:prstDash val="solid"/>
+                      <a:round/>
+                      <a:headEnd type="none" w="med" len="med"/>
+                      <a:tailEnd type="none" w="med" len="med"/>
+                    </a:lnL>
+                    <a:lnR w="12700" cap="flat" cmpd="sng" algn="ctr">
+                      <a:solidFill>
+                        <a:schemeClr val="bg1">
+                          <a:lumMod val="95000"/>
+                        </a:schemeClr>
+                      </a:solidFill>
+                      <a:prstDash val="solid"/>
+                      <a:round/>
+                      <a:headEnd type="none" w="med" len="med"/>
+                      <a:tailEnd type="none" w="med" len="med"/>
+                    </a:lnR>
+                    <a:lnT w="12700" cap="flat" cmpd="sng" algn="ctr">
+                      <a:solidFill>
+                        <a:schemeClr val="bg1">
+                          <a:lumMod val="95000"/>
+                        </a:schemeClr>
+                      </a:solidFill>
+                      <a:prstDash val="solid"/>
+                      <a:round/>
+                      <a:headEnd type="none" w="med" len="med"/>
+                      <a:tailEnd type="none" w="med" len="med"/>
+                    </a:lnT>
+                    <a:lnB w="12700" cap="flat" cmpd="sng" algn="ctr">
+                      <a:solidFill>
+                        <a:schemeClr val="bg1">
+                          <a:lumMod val="95000"/>
+                        </a:schemeClr>
+                      </a:solidFill>
+                      <a:prstDash val="solid"/>
+                      <a:round/>
+                      <a:headEnd type="none" w="med" len="med"/>
+                      <a:tailEnd type="none" w="med" len="med"/>
+                    </a:lnB>
+                    <a:lnTlToBr w="12700" cmpd="sng">
+                      <a:noFill/>
+                      <a:prstDash val="solid"/>
+                    </a:lnTlToBr>
+                    <a:lnBlToTr w="12700" cmpd="sng">
+                      <a:noFill/>
+                      <a:prstDash val="solid"/>
+                    </a:lnBlToTr>
+                    <a:noFill/>
+                  </a:tcPr>
+                </a:tc>
+                <a:tc>
+                  <a:txBody>
+                    <a:bodyPr/>
+                    <a:lstStyle/>
+                    <a:p>
+                      <a:pPr marL="285750" indent="-285750">
+                        <a:buFont typeface="Arial" panose="020B0604020202020204" pitchFamily="34" charset="0"/>
+                        <a:buChar char="•"/>
+                      </a:pPr>
+                      <a:r>
+                        <a:rPr lang="en-US" sz="1200" dirty="0">
+                          <a:solidFill>
+                            <a:schemeClr val="tx1">
+                              <a:lumMod val="85000"/>
+                              <a:lumOff val="15000"/>
+                            </a:schemeClr>
+                          </a:solidFill>
+                          <a:latin typeface="Montserrat Light" panose="00000400000000000000" pitchFamily="50" charset="0"/>
+                        </a:rPr>
+                        <a:t>Low income in 1990</a:t>
+                      </a:r>
+                    </a:p>
+                  </a:txBody>
+                  <a:tcPr anchor="ctr">
+                    <a:lnL w="12700" cap="flat" cmpd="sng" algn="ctr">
+                      <a:solidFill>
+                        <a:schemeClr val="bg1">
+                          <a:lumMod val="95000"/>
+                        </a:schemeClr>
+                      </a:solidFill>
+                      <a:prstDash val="solid"/>
+                      <a:round/>
+                      <a:headEnd type="none" w="med" len="med"/>
+                      <a:tailEnd type="none" w="med" len="med"/>
+                    </a:lnL>
+                    <a:lnR w="12700" cap="flat" cmpd="sng" algn="ctr">
+                      <a:solidFill>
+                        <a:schemeClr val="bg1">
+                          <a:lumMod val="95000"/>
+                        </a:schemeClr>
+                      </a:solidFill>
+                      <a:prstDash val="solid"/>
+                      <a:round/>
+                      <a:headEnd type="none" w="med" len="med"/>
+                      <a:tailEnd type="none" w="med" len="med"/>
+                    </a:lnR>
+                    <a:lnT w="12700" cap="flat" cmpd="sng" algn="ctr">
+                      <a:solidFill>
+                        <a:schemeClr val="bg1">
+                          <a:lumMod val="95000"/>
+                        </a:schemeClr>
+                      </a:solidFill>
+                      <a:prstDash val="solid"/>
+                      <a:round/>
+                      <a:headEnd type="none" w="med" len="med"/>
+                      <a:tailEnd type="none" w="med" len="med"/>
+                    </a:lnT>
+                    <a:lnB w="12700" cap="flat" cmpd="sng" algn="ctr">
+                      <a:solidFill>
+                        <a:schemeClr val="bg1">
+                          <a:lumMod val="95000"/>
+                        </a:schemeClr>
+                      </a:solidFill>
+                      <a:prstDash val="solid"/>
+                      <a:round/>
+                      <a:headEnd type="none" w="med" len="med"/>
+                      <a:tailEnd type="none" w="med" len="med"/>
+                    </a:lnB>
+                    <a:lnTlToBr w="12700" cmpd="sng">
+                      <a:noFill/>
+                      <a:prstDash val="solid"/>
+                    </a:lnTlToBr>
+                    <a:lnBlToTr w="12700" cmpd="sng">
+                      <a:noFill/>
+                      <a:prstDash val="solid"/>
+                    </a:lnBlToTr>
+                    <a:noFill/>
+                  </a:tcPr>
+                </a:tc>
+                <a:tc>
+                  <a:txBody>
+                    <a:bodyPr/>
+                    <a:lstStyle/>
+                    <a:p>
+                      <a:pPr marL="285750" indent="-285750">
+                        <a:buFont typeface="Arial" panose="020B0604020202020204" pitchFamily="34" charset="0"/>
+                        <a:buChar char="•"/>
+                      </a:pPr>
+                      <a:r>
+                        <a:rPr lang="en-US" sz="1200" dirty="0">
+                          <a:solidFill>
+                            <a:schemeClr val="tx1">
+                              <a:lumMod val="85000"/>
+                              <a:lumOff val="15000"/>
+                            </a:schemeClr>
+                          </a:solidFill>
+                          <a:latin typeface="Montserrat Light" panose="00000400000000000000" pitchFamily="50" charset="0"/>
+                        </a:rPr>
+                        <a:t>% Professional, Technical occupations ↓</a:t>
+                      </a:r>
+                    </a:p>
+                    <a:p>
+                      <a:pPr marL="285750" indent="-285750">
+                        <a:buFont typeface="Arial" panose="020B0604020202020204" pitchFamily="34" charset="0"/>
+                        <a:buChar char="•"/>
+                      </a:pPr>
+                      <a:r>
+                        <a:rPr lang="en-US" sz="1200" dirty="0">
+                          <a:solidFill>
+                            <a:schemeClr val="tx1">
+                              <a:lumMod val="85000"/>
+                              <a:lumOff val="15000"/>
+                            </a:schemeClr>
+                          </a:solidFill>
+                          <a:latin typeface="Montserrat Light" panose="00000400000000000000" pitchFamily="50" charset="0"/>
+                        </a:rPr>
+                        <a:t>% Employed as managers, administrators ↑</a:t>
+                      </a:r>
+                    </a:p>
+                    <a:p>
+                      <a:pPr marL="285750" indent="-285750">
+                        <a:buFont typeface="Arial" panose="020B0604020202020204" pitchFamily="34" charset="0"/>
+                        <a:buChar char="•"/>
+                      </a:pPr>
+                      <a:r>
+                        <a:rPr lang="en-US" sz="1200" dirty="0">
+                          <a:solidFill>
+                            <a:schemeClr val="tx1">
+                              <a:lumMod val="85000"/>
+                              <a:lumOff val="15000"/>
+                            </a:schemeClr>
+                          </a:solidFill>
+                          <a:latin typeface="Montserrat Light" panose="00000400000000000000" pitchFamily="50" charset="0"/>
+                        </a:rPr>
+                        <a:t>% Employed in Finance, Insurance, Real Estate ↑</a:t>
+                      </a:r>
+                    </a:p>
+                    <a:p>
+                      <a:pPr marL="285750" indent="-285750">
+                        <a:buFont typeface="Arial" panose="020B0604020202020204" pitchFamily="34" charset="0"/>
+                        <a:buChar char="•"/>
+                      </a:pPr>
+                      <a:endParaRPr lang="en-US" sz="1200" dirty="0">
+                        <a:solidFill>
+                          <a:schemeClr val="tx1">
+                            <a:lumMod val="85000"/>
+                            <a:lumOff val="15000"/>
+                          </a:schemeClr>
+                        </a:solidFill>
+                        <a:latin typeface="Montserrat Light" panose="00000400000000000000" pitchFamily="50" charset="0"/>
+                      </a:endParaRPr>
+                    </a:p>
+                  </a:txBody>
+                  <a:tcPr anchor="ctr">
+                    <a:lnL w="12700" cap="flat" cmpd="sng" algn="ctr">
+                      <a:solidFill>
+                        <a:schemeClr val="bg1">
+                          <a:lumMod val="95000"/>
+                        </a:schemeClr>
+                      </a:solidFill>
+                      <a:prstDash val="solid"/>
+                      <a:round/>
+                      <a:headEnd type="none" w="med" len="med"/>
+                      <a:tailEnd type="none" w="med" len="med"/>
+                    </a:lnL>
+                    <a:lnR w="12700" cap="flat" cmpd="sng" algn="ctr">
+                      <a:solidFill>
+                        <a:schemeClr val="bg1">
+                          <a:lumMod val="95000"/>
+                        </a:schemeClr>
+                      </a:solidFill>
+                      <a:prstDash val="solid"/>
+                      <a:round/>
+                      <a:headEnd type="none" w="med" len="med"/>
+                      <a:tailEnd type="none" w="med" len="med"/>
+                    </a:lnR>
+                    <a:lnT w="12700" cap="flat" cmpd="sng" algn="ctr">
+                      <a:solidFill>
+                        <a:schemeClr val="bg1">
+                          <a:lumMod val="95000"/>
+                        </a:schemeClr>
+                      </a:solidFill>
+                      <a:prstDash val="solid"/>
+                      <a:round/>
+                      <a:headEnd type="none" w="med" len="med"/>
+                      <a:tailEnd type="none" w="med" len="med"/>
+                    </a:lnT>
+                    <a:lnB w="12700" cap="flat" cmpd="sng" algn="ctr">
+                      <a:solidFill>
+                        <a:schemeClr val="bg1">
+                          <a:lumMod val="95000"/>
+                        </a:schemeClr>
+                      </a:solidFill>
+                      <a:prstDash val="solid"/>
+                      <a:round/>
+                      <a:headEnd type="none" w="med" len="med"/>
+                      <a:tailEnd type="none" w="med" len="med"/>
+                    </a:lnB>
+                    <a:lnTlToBr w="12700" cmpd="sng">
+                      <a:noFill/>
+                      <a:prstDash val="solid"/>
+                    </a:lnTlToBr>
+                    <a:lnBlToTr w="12700" cmpd="sng">
+                      <a:noFill/>
+                      <a:prstDash val="solid"/>
+                    </a:lnBlToTr>
+                    <a:noFill/>
+                  </a:tcPr>
+                </a:tc>
+                <a:tc>
+                  <a:txBody>
+                    <a:bodyPr/>
+                    <a:lstStyle/>
+                    <a:p>
+                      <a:pPr marL="171450" indent="-171450">
+                        <a:buFont typeface="Arial" panose="020B0604020202020204" pitchFamily="34" charset="0"/>
+                        <a:buChar char="•"/>
+                      </a:pPr>
+                      <a:r>
+                        <a:rPr lang="en-US" sz="1200" dirty="0">
+                          <a:solidFill>
+                            <a:schemeClr val="tx1">
+                              <a:lumMod val="85000"/>
+                              <a:lumOff val="15000"/>
+                            </a:schemeClr>
+                          </a:solidFill>
+                          <a:latin typeface="Montserrat Light" panose="00000400000000000000" pitchFamily="50" charset="0"/>
+                        </a:rPr>
+                        <a:t>% Income 2x higher than poverty income ↑</a:t>
+                      </a:r>
+                    </a:p>
+                    <a:p>
+                      <a:pPr marL="171450" indent="-171450">
+                        <a:buFont typeface="Arial" panose="020B0604020202020204" pitchFamily="34" charset="0"/>
+                        <a:buChar char="•"/>
+                      </a:pPr>
+                      <a:r>
+                        <a:rPr lang="en-US" sz="1200" dirty="0">
+                          <a:solidFill>
+                            <a:schemeClr val="tx1">
+                              <a:lumMod val="85000"/>
+                              <a:lumOff val="15000"/>
+                            </a:schemeClr>
+                          </a:solidFill>
+                          <a:highlight>
+                            <a:srgbClr val="FFDD61"/>
+                          </a:highlight>
+                          <a:latin typeface="Montserrat Light" panose="00000400000000000000" pitchFamily="50" charset="0"/>
+                        </a:rPr>
+                        <a:t>Median Income ↑</a:t>
+                      </a:r>
+                    </a:p>
+                  </a:txBody>
+                  <a:tcPr anchor="ctr">
+                    <a:lnL w="12700" cap="flat" cmpd="sng" algn="ctr">
+                      <a:solidFill>
+                        <a:schemeClr val="bg1">
+                          <a:lumMod val="95000"/>
+                        </a:schemeClr>
+                      </a:solidFill>
+                      <a:prstDash val="solid"/>
+                      <a:round/>
+                      <a:headEnd type="none" w="med" len="med"/>
+                      <a:tailEnd type="none" w="med" len="med"/>
+                    </a:lnL>
+                    <a:lnR w="12700" cap="flat" cmpd="sng" algn="ctr">
+                      <a:solidFill>
+                        <a:schemeClr val="bg1">
+                          <a:lumMod val="95000"/>
+                        </a:schemeClr>
+                      </a:solidFill>
+                      <a:prstDash val="solid"/>
+                      <a:round/>
+                      <a:headEnd type="none" w="med" len="med"/>
+                      <a:tailEnd type="none" w="med" len="med"/>
+                    </a:lnR>
+                    <a:lnT w="12700" cap="flat" cmpd="sng" algn="ctr">
+                      <a:solidFill>
+                        <a:schemeClr val="bg1">
+                          <a:lumMod val="95000"/>
+                        </a:schemeClr>
+                      </a:solidFill>
+                      <a:prstDash val="solid"/>
+                      <a:round/>
+                      <a:headEnd type="none" w="med" len="med"/>
+                      <a:tailEnd type="none" w="med" len="med"/>
+                    </a:lnT>
+                    <a:lnB w="12700" cap="flat" cmpd="sng" algn="ctr">
+                      <a:solidFill>
+                        <a:schemeClr val="bg1">
+                          <a:lumMod val="95000"/>
+                        </a:schemeClr>
+                      </a:solidFill>
+                      <a:prstDash val="solid"/>
+                      <a:round/>
+                      <a:headEnd type="none" w="med" len="med"/>
+                      <a:tailEnd type="none" w="med" len="med"/>
+                    </a:lnB>
+                    <a:lnTlToBr w="12700" cmpd="sng">
+                      <a:noFill/>
+                      <a:prstDash val="solid"/>
+                    </a:lnTlToBr>
+                    <a:lnBlToTr w="12700" cmpd="sng">
+                      <a:noFill/>
+                      <a:prstDash val="solid"/>
+                    </a:lnBlToTr>
+                    <a:noFill/>
+                  </a:tcPr>
+                </a:tc>
+                <a:tc>
+                  <a:txBody>
+                    <a:bodyPr/>
+                    <a:lstStyle/>
+                    <a:p>
+                      <a:pPr marL="285750" indent="-285750">
+                        <a:buFont typeface="Arial" panose="020B0604020202020204" pitchFamily="34" charset="0"/>
+                        <a:buChar char="•"/>
+                      </a:pPr>
+                      <a:r>
+                        <a:rPr lang="en-US" sz="1200" dirty="0">
+                          <a:solidFill>
+                            <a:schemeClr val="tx1">
+                              <a:lumMod val="85000"/>
+                              <a:lumOff val="15000"/>
+                            </a:schemeClr>
+                          </a:solidFill>
+                          <a:latin typeface="Montserrat Light" panose="00000400000000000000" pitchFamily="50" charset="0"/>
+                        </a:rPr>
+                        <a:t>% Poverty ↓</a:t>
+                      </a:r>
+                    </a:p>
+                    <a:p>
+                      <a:pPr marL="285750" indent="-285750">
+                        <a:buFont typeface="Arial" panose="020B0604020202020204" pitchFamily="34" charset="0"/>
+                        <a:buChar char="•"/>
+                      </a:pPr>
+                      <a:r>
+                        <a:rPr lang="en-US" sz="1200" dirty="0">
+                          <a:solidFill>
+                            <a:schemeClr val="tx1">
+                              <a:lumMod val="85000"/>
+                              <a:lumOff val="15000"/>
+                            </a:schemeClr>
+                          </a:solidFill>
+                          <a:highlight>
+                            <a:srgbClr val="FFDD61"/>
+                          </a:highlight>
+                          <a:latin typeface="Montserrat Light" panose="00000400000000000000" pitchFamily="50" charset="0"/>
+                        </a:rPr>
+                        <a:t>Income percentile ↑</a:t>
+                      </a:r>
+                    </a:p>
+                    <a:p>
+                      <a:pPr marL="285750" indent="-285750">
+                        <a:buFont typeface="Arial" panose="020B0604020202020204" pitchFamily="34" charset="0"/>
+                        <a:buChar char="•"/>
+                      </a:pPr>
+                      <a:endParaRPr lang="en-US" sz="1200" dirty="0">
+                        <a:solidFill>
+                          <a:schemeClr val="tx1">
+                            <a:lumMod val="85000"/>
+                            <a:lumOff val="15000"/>
+                          </a:schemeClr>
+                        </a:solidFill>
+                        <a:latin typeface="Montserrat Light" panose="00000400000000000000" pitchFamily="50" charset="0"/>
+                      </a:endParaRPr>
+                    </a:p>
+                  </a:txBody>
+                  <a:tcPr anchor="ctr">
+                    <a:lnL w="12700" cap="flat" cmpd="sng" algn="ctr">
+                      <a:solidFill>
+                        <a:schemeClr val="bg1">
+                          <a:lumMod val="95000"/>
+                        </a:schemeClr>
+                      </a:solidFill>
+                      <a:prstDash val="solid"/>
+                      <a:round/>
+                      <a:headEnd type="none" w="med" len="med"/>
+                      <a:tailEnd type="none" w="med" len="med"/>
+                    </a:lnL>
+                    <a:lnR w="12700" cap="flat" cmpd="sng" algn="ctr">
+                      <a:solidFill>
+                        <a:schemeClr val="bg1">
+                          <a:lumMod val="95000"/>
+                        </a:schemeClr>
+                      </a:solidFill>
+                      <a:prstDash val="solid"/>
+                      <a:round/>
+                      <a:headEnd type="none" w="med" len="med"/>
+                      <a:tailEnd type="none" w="med" len="med"/>
+                    </a:lnR>
+                    <a:lnT w="12700" cap="flat" cmpd="sng" algn="ctr">
+                      <a:solidFill>
+                        <a:schemeClr val="bg1">
+                          <a:lumMod val="95000"/>
+                        </a:schemeClr>
+                      </a:solidFill>
+                      <a:prstDash val="solid"/>
+                      <a:round/>
+                      <a:headEnd type="none" w="med" len="med"/>
+                      <a:tailEnd type="none" w="med" len="med"/>
+                    </a:lnT>
+                    <a:lnB w="12700" cap="flat" cmpd="sng" algn="ctr">
+                      <a:solidFill>
+                        <a:schemeClr val="bg1">
+                          <a:lumMod val="95000"/>
+                        </a:schemeClr>
+                      </a:solidFill>
+                      <a:prstDash val="solid"/>
+                      <a:round/>
+                      <a:headEnd type="none" w="med" len="med"/>
+                      <a:tailEnd type="none" w="med" len="med"/>
+                    </a:lnB>
+                    <a:lnTlToBr w="12700" cmpd="sng">
+                      <a:noFill/>
+                      <a:prstDash val="solid"/>
+                    </a:lnTlToBr>
+                    <a:lnBlToTr w="12700" cmpd="sng">
+                      <a:noFill/>
+                      <a:prstDash val="solid"/>
+                    </a:lnBlToTr>
+                    <a:noFill/>
+                  </a:tcPr>
+                </a:tc>
+                <a:extLst>
+                  <a:ext uri="{0D108BD9-81ED-4DB2-BD59-A6C34878D82A}">
+                    <a16:rowId xmlns:a16="http://schemas.microsoft.com/office/drawing/2014/main" val="862086406"/>
+                  </a:ext>
+                </a:extLst>
+              </a:tr>
+              <a:tr h="370840">
+                <a:tc>
+                  <a:txBody>
+                    <a:bodyPr/>
+                    <a:lstStyle/>
+                    <a:p>
+                      <a:r>
+                        <a:rPr lang="en-US" sz="1400" dirty="0">
+                          <a:solidFill>
+                            <a:schemeClr val="tx1">
+                              <a:lumMod val="85000"/>
+                              <a:lumOff val="15000"/>
+                            </a:schemeClr>
+                          </a:solidFill>
+                          <a:latin typeface="Montserrat Light" panose="00000400000000000000" pitchFamily="50" charset="0"/>
+                        </a:rPr>
+                        <a:t>Housing</a:t>
+                      </a:r>
+                    </a:p>
+                  </a:txBody>
+                  <a:tcPr anchor="ctr">
+                    <a:lnL w="12700" cap="flat" cmpd="sng" algn="ctr">
+                      <a:solidFill>
+                        <a:schemeClr val="bg1">
+                          <a:lumMod val="95000"/>
+                        </a:schemeClr>
+                      </a:solidFill>
+                      <a:prstDash val="solid"/>
+                      <a:round/>
+                      <a:headEnd type="none" w="med" len="med"/>
+                      <a:tailEnd type="none" w="med" len="med"/>
+                    </a:lnL>
+                    <a:lnR w="12700" cap="flat" cmpd="sng" algn="ctr">
+                      <a:solidFill>
+                        <a:schemeClr val="bg1">
+                          <a:lumMod val="95000"/>
+                        </a:schemeClr>
+                      </a:solidFill>
+                      <a:prstDash val="solid"/>
+                      <a:round/>
+                      <a:headEnd type="none" w="med" len="med"/>
+                      <a:tailEnd type="none" w="med" len="med"/>
+                    </a:lnR>
+                    <a:lnT w="12700" cap="flat" cmpd="sng" algn="ctr">
+                      <a:solidFill>
+                        <a:schemeClr val="bg1">
+                          <a:lumMod val="95000"/>
+                        </a:schemeClr>
+                      </a:solidFill>
+                      <a:prstDash val="solid"/>
+                      <a:round/>
+                      <a:headEnd type="none" w="med" len="med"/>
+                      <a:tailEnd type="none" w="med" len="med"/>
+                    </a:lnT>
+                    <a:lnB w="12700" cap="flat" cmpd="sng" algn="ctr">
+                      <a:solidFill>
+                        <a:schemeClr val="bg1">
+                          <a:lumMod val="95000"/>
+                        </a:schemeClr>
+                      </a:solidFill>
+                      <a:prstDash val="solid"/>
+                      <a:round/>
+                      <a:headEnd type="none" w="med" len="med"/>
+                      <a:tailEnd type="none" w="med" len="med"/>
+                    </a:lnB>
+                    <a:lnTlToBr w="12700" cmpd="sng">
+                      <a:noFill/>
+                      <a:prstDash val="solid"/>
+                    </a:lnTlToBr>
+                    <a:lnBlToTr w="12700" cmpd="sng">
+                      <a:noFill/>
+                      <a:prstDash val="solid"/>
+                    </a:lnBlToTr>
+                    <a:noFill/>
+                  </a:tcPr>
+                </a:tc>
+                <a:tc>
+                  <a:txBody>
+                    <a:bodyPr/>
+                    <a:lstStyle/>
+                    <a:p>
+                      <a:pPr marL="171450" indent="-171450">
+                        <a:buFont typeface="Arial" panose="020B0604020202020204" pitchFamily="34" charset="0"/>
+                        <a:buChar char="•"/>
+                      </a:pPr>
+                      <a:r>
+                        <a:rPr lang="en-US" sz="1200" dirty="0">
+                          <a:solidFill>
+                            <a:schemeClr val="tx1">
+                              <a:lumMod val="85000"/>
+                              <a:lumOff val="15000"/>
+                            </a:schemeClr>
+                          </a:solidFill>
+                          <a:latin typeface="Montserrat Light" panose="00000400000000000000" pitchFamily="50" charset="0"/>
+                        </a:rPr>
+                        <a:t>Experienced rent growth above the median </a:t>
+                      </a:r>
+                    </a:p>
+                  </a:txBody>
+                  <a:tcPr anchor="ctr">
+                    <a:lnL w="12700" cap="flat" cmpd="sng" algn="ctr">
+                      <a:solidFill>
+                        <a:schemeClr val="bg1">
+                          <a:lumMod val="95000"/>
+                        </a:schemeClr>
+                      </a:solidFill>
+                      <a:prstDash val="solid"/>
+                      <a:round/>
+                      <a:headEnd type="none" w="med" len="med"/>
+                      <a:tailEnd type="none" w="med" len="med"/>
+                    </a:lnL>
+                    <a:lnR w="12700" cap="flat" cmpd="sng" algn="ctr">
+                      <a:solidFill>
+                        <a:schemeClr val="bg1">
+                          <a:lumMod val="95000"/>
+                        </a:schemeClr>
+                      </a:solidFill>
+                      <a:prstDash val="solid"/>
+                      <a:round/>
+                      <a:headEnd type="none" w="med" len="med"/>
+                      <a:tailEnd type="none" w="med" len="med"/>
+                    </a:lnR>
+                    <a:lnT w="12700" cap="flat" cmpd="sng" algn="ctr">
+                      <a:solidFill>
+                        <a:schemeClr val="bg1">
+                          <a:lumMod val="95000"/>
+                        </a:schemeClr>
+                      </a:solidFill>
+                      <a:prstDash val="solid"/>
+                      <a:round/>
+                      <a:headEnd type="none" w="med" len="med"/>
+                      <a:tailEnd type="none" w="med" len="med"/>
+                    </a:lnT>
+                    <a:lnB w="12700" cap="flat" cmpd="sng" algn="ctr">
+                      <a:solidFill>
+                        <a:schemeClr val="bg1">
+                          <a:lumMod val="95000"/>
+                        </a:schemeClr>
+                      </a:solidFill>
+                      <a:prstDash val="solid"/>
+                      <a:round/>
+                      <a:headEnd type="none" w="med" len="med"/>
+                      <a:tailEnd type="none" w="med" len="med"/>
+                    </a:lnB>
+                    <a:lnTlToBr w="12700" cmpd="sng">
+                      <a:noFill/>
+                      <a:prstDash val="solid"/>
+                    </a:lnTlToBr>
+                    <a:lnBlToTr w="12700" cmpd="sng">
+                      <a:noFill/>
+                      <a:prstDash val="solid"/>
+                    </a:lnBlToTr>
+                    <a:noFill/>
+                  </a:tcPr>
+                </a:tc>
+                <a:tc>
+                  <a:txBody>
+                    <a:bodyPr/>
+                    <a:lstStyle/>
+                    <a:p>
+                      <a:pPr marL="285750" indent="-285750">
+                        <a:buFont typeface="Arial" panose="020B0604020202020204" pitchFamily="34" charset="0"/>
+                        <a:buChar char="•"/>
+                      </a:pPr>
+                      <a:r>
+                        <a:rPr lang="en-US" sz="1200" dirty="0">
+                          <a:solidFill>
+                            <a:schemeClr val="tx1">
+                              <a:lumMod val="85000"/>
+                              <a:lumOff val="15000"/>
+                            </a:schemeClr>
+                          </a:solidFill>
+                          <a:latin typeface="Montserrat Light" panose="00000400000000000000" pitchFamily="50" charset="0"/>
+                        </a:rPr>
+                        <a:t>No. of Housing Units ↓</a:t>
+                      </a:r>
+                    </a:p>
+                    <a:p>
+                      <a:pPr marL="285750" indent="-285750">
+                        <a:buFont typeface="Arial" panose="020B0604020202020204" pitchFamily="34" charset="0"/>
+                        <a:buChar char="•"/>
+                      </a:pPr>
+                      <a:r>
+                        <a:rPr lang="en-US" sz="1200" dirty="0">
+                          <a:solidFill>
+                            <a:schemeClr val="tx1">
+                              <a:lumMod val="85000"/>
+                              <a:lumOff val="15000"/>
+                            </a:schemeClr>
+                          </a:solidFill>
+                          <a:latin typeface="Montserrat Light" panose="00000400000000000000" pitchFamily="50" charset="0"/>
+                        </a:rPr>
+                        <a:t>% Owner-occupied ↑</a:t>
+                      </a:r>
+                    </a:p>
+                    <a:p>
+                      <a:pPr marL="285750" indent="-285750">
+                        <a:buFont typeface="Arial" panose="020B0604020202020204" pitchFamily="34" charset="0"/>
+                        <a:buChar char="•"/>
+                      </a:pPr>
+                      <a:r>
+                        <a:rPr lang="en-US" sz="1200" dirty="0">
+                          <a:solidFill>
+                            <a:schemeClr val="tx1">
+                              <a:lumMod val="85000"/>
+                              <a:lumOff val="15000"/>
+                            </a:schemeClr>
+                          </a:solidFill>
+                          <a:latin typeface="Montserrat Light" panose="00000400000000000000" pitchFamily="50" charset="0"/>
+                        </a:rPr>
+                        <a:t>% Renter-occupied ↓</a:t>
+                      </a:r>
+                    </a:p>
+                    <a:p>
+                      <a:pPr marL="285750" indent="-285750">
+                        <a:buFont typeface="Arial" panose="020B0604020202020204" pitchFamily="34" charset="0"/>
+                        <a:buChar char="•"/>
+                      </a:pPr>
+                      <a:r>
+                        <a:rPr lang="en-US" sz="1200" dirty="0">
+                          <a:solidFill>
+                            <a:schemeClr val="tx1">
+                              <a:lumMod val="85000"/>
+                              <a:lumOff val="15000"/>
+                            </a:schemeClr>
+                          </a:solidFill>
+                          <a:latin typeface="Montserrat Light" panose="00000400000000000000" pitchFamily="50" charset="0"/>
+                        </a:rPr>
+                        <a:t>Avg Rent ↑</a:t>
+                      </a:r>
+                    </a:p>
+                    <a:p>
+                      <a:pPr marL="285750" indent="-285750">
+                        <a:buFont typeface="Arial" panose="020B0604020202020204" pitchFamily="34" charset="0"/>
+                        <a:buChar char="•"/>
+                      </a:pPr>
+                      <a:r>
+                        <a:rPr lang="en-US" sz="1200" dirty="0">
+                          <a:solidFill>
+                            <a:schemeClr val="tx1">
+                              <a:lumMod val="85000"/>
+                              <a:lumOff val="15000"/>
+                            </a:schemeClr>
+                          </a:solidFill>
+                          <a:latin typeface="Montserrat Light" panose="00000400000000000000" pitchFamily="50" charset="0"/>
+                        </a:rPr>
+                        <a:t>Avg Value ↑</a:t>
+                      </a:r>
+                    </a:p>
+                    <a:p>
+                      <a:pPr marL="0" indent="0">
+                        <a:buFont typeface="Arial" panose="020B0604020202020204" pitchFamily="34" charset="0"/>
+                        <a:buNone/>
+                      </a:pPr>
+                      <a:endParaRPr lang="en-US" sz="1200" dirty="0">
+                        <a:solidFill>
+                          <a:schemeClr val="tx1">
+                            <a:lumMod val="85000"/>
+                            <a:lumOff val="15000"/>
+                          </a:schemeClr>
+                        </a:solidFill>
+                        <a:latin typeface="Montserrat Light" panose="00000400000000000000" pitchFamily="50" charset="0"/>
+                      </a:endParaRPr>
+                    </a:p>
+                  </a:txBody>
+                  <a:tcPr anchor="ctr">
+                    <a:lnL w="12700" cap="flat" cmpd="sng" algn="ctr">
+                      <a:solidFill>
+                        <a:schemeClr val="bg1">
+                          <a:lumMod val="95000"/>
+                        </a:schemeClr>
+                      </a:solidFill>
+                      <a:prstDash val="solid"/>
+                      <a:round/>
+                      <a:headEnd type="none" w="med" len="med"/>
+                      <a:tailEnd type="none" w="med" len="med"/>
+                    </a:lnL>
+                    <a:lnR w="12700" cap="flat" cmpd="sng" algn="ctr">
+                      <a:solidFill>
+                        <a:schemeClr val="bg1">
+                          <a:lumMod val="95000"/>
+                        </a:schemeClr>
+                      </a:solidFill>
+                      <a:prstDash val="solid"/>
+                      <a:round/>
+                      <a:headEnd type="none" w="med" len="med"/>
+                      <a:tailEnd type="none" w="med" len="med"/>
+                    </a:lnR>
+                    <a:lnT w="12700" cap="flat" cmpd="sng" algn="ctr">
+                      <a:solidFill>
+                        <a:schemeClr val="bg1">
+                          <a:lumMod val="95000"/>
+                        </a:schemeClr>
+                      </a:solidFill>
+                      <a:prstDash val="solid"/>
+                      <a:round/>
+                      <a:headEnd type="none" w="med" len="med"/>
+                      <a:tailEnd type="none" w="med" len="med"/>
+                    </a:lnT>
+                    <a:lnB w="12700" cap="flat" cmpd="sng" algn="ctr">
+                      <a:solidFill>
+                        <a:schemeClr val="bg1">
+                          <a:lumMod val="95000"/>
+                        </a:schemeClr>
+                      </a:solidFill>
+                      <a:prstDash val="solid"/>
+                      <a:round/>
+                      <a:headEnd type="none" w="med" len="med"/>
+                      <a:tailEnd type="none" w="med" len="med"/>
+                    </a:lnB>
+                    <a:lnTlToBr w="12700" cmpd="sng">
+                      <a:noFill/>
+                      <a:prstDash val="solid"/>
+                    </a:lnTlToBr>
+                    <a:lnBlToTr w="12700" cmpd="sng">
+                      <a:noFill/>
+                      <a:prstDash val="solid"/>
+                    </a:lnBlToTr>
+                    <a:noFill/>
+                  </a:tcPr>
+                </a:tc>
+                <a:tc>
+                  <a:txBody>
+                    <a:bodyPr/>
+                    <a:lstStyle/>
+                    <a:p>
+                      <a:pPr marL="171450" indent="-171450">
+                        <a:buFont typeface="Arial" panose="020B0604020202020204" pitchFamily="34" charset="0"/>
+                        <a:buChar char="•"/>
+                      </a:pPr>
+                      <a:r>
+                        <a:rPr lang="en-US" sz="1200" dirty="0">
+                          <a:solidFill>
+                            <a:schemeClr val="tx1">
+                              <a:lumMod val="85000"/>
+                              <a:lumOff val="15000"/>
+                            </a:schemeClr>
+                          </a:solidFill>
+                          <a:latin typeface="Montserrat Light" panose="00000400000000000000" pitchFamily="50" charset="0"/>
+                        </a:rPr>
+                        <a:t>Median House Value ↑</a:t>
+                      </a:r>
+                    </a:p>
+                    <a:p>
+                      <a:pPr marL="171450" indent="-171450">
+                        <a:buFont typeface="Arial" panose="020B0604020202020204" pitchFamily="34" charset="0"/>
+                        <a:buChar char="•"/>
+                      </a:pPr>
+                      <a:r>
+                        <a:rPr lang="en-US" sz="1200" strike="sngStrike" dirty="0">
+                          <a:solidFill>
+                            <a:schemeClr val="tx1">
+                              <a:lumMod val="85000"/>
+                              <a:lumOff val="15000"/>
+                            </a:schemeClr>
+                          </a:solidFill>
+                          <a:latin typeface="Montserrat Light" panose="00000400000000000000" pitchFamily="50" charset="0"/>
+                        </a:rPr>
+                        <a:t>Median Rent </a:t>
+                      </a:r>
+                    </a:p>
+                    <a:p>
+                      <a:pPr marL="171450" indent="-171450">
+                        <a:buFont typeface="Arial" panose="020B0604020202020204" pitchFamily="34" charset="0"/>
+                        <a:buChar char="•"/>
+                      </a:pPr>
+                      <a:endParaRPr lang="en-US" sz="1200" dirty="0">
+                        <a:solidFill>
+                          <a:schemeClr val="tx1">
+                            <a:lumMod val="85000"/>
+                            <a:lumOff val="15000"/>
+                          </a:schemeClr>
+                        </a:solidFill>
+                        <a:latin typeface="Montserrat Light" panose="00000400000000000000" pitchFamily="50" charset="0"/>
+                      </a:endParaRPr>
+                    </a:p>
+                  </a:txBody>
+                  <a:tcPr anchor="ctr">
+                    <a:lnL w="12700" cap="flat" cmpd="sng" algn="ctr">
+                      <a:solidFill>
+                        <a:schemeClr val="bg1">
+                          <a:lumMod val="95000"/>
+                        </a:schemeClr>
+                      </a:solidFill>
+                      <a:prstDash val="solid"/>
+                      <a:round/>
+                      <a:headEnd type="none" w="med" len="med"/>
+                      <a:tailEnd type="none" w="med" len="med"/>
+                    </a:lnL>
+                    <a:lnR w="12700" cap="flat" cmpd="sng" algn="ctr">
+                      <a:solidFill>
+                        <a:schemeClr val="bg1">
+                          <a:lumMod val="95000"/>
+                        </a:schemeClr>
+                      </a:solidFill>
+                      <a:prstDash val="solid"/>
+                      <a:round/>
+                      <a:headEnd type="none" w="med" len="med"/>
+                      <a:tailEnd type="none" w="med" len="med"/>
+                    </a:lnR>
+                    <a:lnT w="12700" cap="flat" cmpd="sng" algn="ctr">
+                      <a:solidFill>
+                        <a:schemeClr val="bg1">
+                          <a:lumMod val="95000"/>
+                        </a:schemeClr>
+                      </a:solidFill>
+                      <a:prstDash val="solid"/>
+                      <a:round/>
+                      <a:headEnd type="none" w="med" len="med"/>
+                      <a:tailEnd type="none" w="med" len="med"/>
+                    </a:lnT>
+                    <a:lnB w="12700" cap="flat" cmpd="sng" algn="ctr">
+                      <a:solidFill>
+                        <a:schemeClr val="bg1">
+                          <a:lumMod val="95000"/>
+                        </a:schemeClr>
+                      </a:solidFill>
+                      <a:prstDash val="solid"/>
+                      <a:round/>
+                      <a:headEnd type="none" w="med" len="med"/>
+                      <a:tailEnd type="none" w="med" len="med"/>
+                    </a:lnB>
+                    <a:lnTlToBr w="12700" cmpd="sng">
+                      <a:noFill/>
+                      <a:prstDash val="solid"/>
+                    </a:lnTlToBr>
+                    <a:lnBlToTr w="12700" cmpd="sng">
+                      <a:noFill/>
+                      <a:prstDash val="solid"/>
+                    </a:lnBlToTr>
+                    <a:noFill/>
+                  </a:tcPr>
+                </a:tc>
+                <a:tc>
+                  <a:txBody>
+                    <a:bodyPr/>
+                    <a:lstStyle/>
+                    <a:p>
+                      <a:pPr marL="0" indent="0">
+                        <a:buFont typeface="Arial" panose="020B0604020202020204" pitchFamily="34" charset="0"/>
+                        <a:buNone/>
+                      </a:pPr>
+                      <a:endParaRPr lang="en-US" sz="1200" dirty="0">
+                        <a:solidFill>
+                          <a:schemeClr val="tx1">
+                            <a:lumMod val="85000"/>
+                            <a:lumOff val="15000"/>
+                          </a:schemeClr>
+                        </a:solidFill>
+                        <a:latin typeface="Montserrat Light" panose="00000400000000000000" pitchFamily="50" charset="0"/>
+                      </a:endParaRPr>
+                    </a:p>
+                  </a:txBody>
+                  <a:tcPr anchor="ctr">
+                    <a:lnL w="12700" cap="flat" cmpd="sng" algn="ctr">
+                      <a:solidFill>
+                        <a:schemeClr val="bg1">
+                          <a:lumMod val="95000"/>
+                        </a:schemeClr>
+                      </a:solidFill>
+                      <a:prstDash val="solid"/>
+                      <a:round/>
+                      <a:headEnd type="none" w="med" len="med"/>
+                      <a:tailEnd type="none" w="med" len="med"/>
+                    </a:lnL>
+                    <a:lnR w="12700" cap="flat" cmpd="sng" algn="ctr">
+                      <a:solidFill>
+                        <a:schemeClr val="bg1">
+                          <a:lumMod val="95000"/>
+                        </a:schemeClr>
+                      </a:solidFill>
+                      <a:prstDash val="solid"/>
+                      <a:round/>
+                      <a:headEnd type="none" w="med" len="med"/>
+                      <a:tailEnd type="none" w="med" len="med"/>
+                    </a:lnR>
+                    <a:lnT w="12700" cap="flat" cmpd="sng" algn="ctr">
+                      <a:solidFill>
+                        <a:schemeClr val="bg1">
+                          <a:lumMod val="95000"/>
+                        </a:schemeClr>
+                      </a:solidFill>
+                      <a:prstDash val="solid"/>
+                      <a:round/>
+                      <a:headEnd type="none" w="med" len="med"/>
+                      <a:tailEnd type="none" w="med" len="med"/>
+                    </a:lnT>
+                    <a:lnB w="12700" cap="flat" cmpd="sng" algn="ctr">
+                      <a:solidFill>
+                        <a:schemeClr val="bg1">
+                          <a:lumMod val="95000"/>
+                        </a:schemeClr>
+                      </a:solidFill>
+                      <a:prstDash val="solid"/>
+                      <a:round/>
+                      <a:headEnd type="none" w="med" len="med"/>
+                      <a:tailEnd type="none" w="med" len="med"/>
+                    </a:lnB>
+                    <a:lnTlToBr w="12700" cmpd="sng">
+                      <a:noFill/>
+                      <a:prstDash val="solid"/>
+                    </a:lnTlToBr>
+                    <a:lnBlToTr w="12700" cmpd="sng">
+                      <a:noFill/>
+                      <a:prstDash val="solid"/>
+                    </a:lnBlToTr>
+                    <a:noFill/>
+                  </a:tcPr>
+                </a:tc>
+                <a:extLst>
+                  <a:ext uri="{0D108BD9-81ED-4DB2-BD59-A6C34878D82A}">
+                    <a16:rowId xmlns:a16="http://schemas.microsoft.com/office/drawing/2014/main" val="1223249721"/>
+                  </a:ext>
+                </a:extLst>
+              </a:tr>
+            </a:tbl>
+          </a:graphicData>
+        </a:graphic>
+      </p:graphicFrame>
+    </p:spTree>
+    <p:extLst>
+      <p:ext uri="{BB962C8B-B14F-4D97-AF65-F5344CB8AC3E}">
+        <p14:creationId xmlns:p14="http://schemas.microsoft.com/office/powerpoint/2010/main" val="4002805895"/>
+      </p:ext>
+    </p:extLst>
+  </p:cSld>
+  <p:clrMapOvr>
+    <a:masterClrMapping/>
+  </p:clrMapOvr>
+</p:sld>
+</file>
+
+<file path=ppt/slides/slide8.xml><?xml version="1.0" encoding="utf-8"?>
+<p:sld xmlns:a="http://schemas.openxmlformats.org/drawingml/2006/main" xmlns:r="http://schemas.openxmlformats.org/officeDocument/2006/relationships" xmlns:p="http://schemas.openxmlformats.org/presentationml/2006/main">
+  <p:cSld>
+    <p:spTree>
+      <p:nvGrpSpPr>
+        <p:cNvPr id="1" name=""/>
+        <p:cNvGrpSpPr/>
+        <p:nvPr/>
+      </p:nvGrpSpPr>
+      <p:grpSpPr>
+        <a:xfrm>
+          <a:off x="0" y="0"/>
+          <a:ext cx="0" cy="0"/>
+          <a:chOff x="0" y="0"/>
+          <a:chExt cx="0" cy="0"/>
+        </a:xfrm>
+      </p:grpSpPr>
+      <p:sp>
+        <p:nvSpPr>
+          <p:cNvPr id="5" name="ZoneTexte 4">
+            <a:extLst>
+              <a:ext uri="{FF2B5EF4-FFF2-40B4-BE49-F238E27FC236}">
+                <a16:creationId xmlns:a16="http://schemas.microsoft.com/office/drawing/2014/main" id="{77163F51-3ED1-4358-9071-E6F06AD0E810}"/>
+              </a:ext>
+            </a:extLst>
+          </p:cNvPr>
+          <p:cNvSpPr txBox="1"/>
+          <p:nvPr/>
+        </p:nvSpPr>
+        <p:spPr>
+          <a:xfrm>
+            <a:off x="536863" y="73253"/>
+            <a:ext cx="11118273" cy="7478970"/>
+          </a:xfrm>
+          <a:prstGeom prst="rect">
+            <a:avLst/>
+          </a:prstGeom>
+          <a:noFill/>
+        </p:spPr>
+        <p:txBody>
+          <a:bodyPr wrap="square">
+            <a:spAutoFit/>
+          </a:bodyPr>
+          <a:lstStyle/>
+          <a:p>
+            <a:r>
+              <a:rPr lang="en-US" dirty="0">
+                <a:latin typeface="Montserrat Medium" panose="00000600000000000000" pitchFamily="50" charset="0"/>
+              </a:rPr>
+              <a:t>Time Series Regression – Gentrification on Crime (2010 – 2018)</a:t>
+            </a:r>
+          </a:p>
+          <a:p>
+            <a:endParaRPr lang="en-US" sz="1600" dirty="0">
+              <a:latin typeface="Montserrat Light" panose="00000400000000000000" pitchFamily="50" charset="0"/>
+            </a:endParaRPr>
+          </a:p>
+          <a:p>
+            <a:r>
+              <a:rPr lang="en-US" sz="1600" dirty="0">
+                <a:latin typeface="Montserrat Light" panose="00000400000000000000" pitchFamily="50" charset="0"/>
+              </a:rPr>
+              <a:t>Call:</a:t>
+            </a:r>
+          </a:p>
+          <a:p>
+            <a:r>
+              <a:rPr lang="en-US" sz="1600" dirty="0" err="1">
+                <a:latin typeface="Montserrat Light" panose="00000400000000000000" pitchFamily="50" charset="0"/>
+              </a:rPr>
+              <a:t>plm</a:t>
+            </a:r>
+            <a:r>
+              <a:rPr lang="en-US" sz="1600" dirty="0">
+                <a:latin typeface="Montserrat Light" panose="00000400000000000000" pitchFamily="50" charset="0"/>
+              </a:rPr>
+              <a:t>(formula = FEL_NTA_C ~ NTA_G + </a:t>
+            </a:r>
+            <a:r>
+              <a:rPr lang="en-US" sz="1600" dirty="0" err="1">
+                <a:latin typeface="Montserrat Light" panose="00000400000000000000" pitchFamily="50" charset="0"/>
+              </a:rPr>
+              <a:t>as.factor</a:t>
+            </a:r>
+            <a:r>
+              <a:rPr lang="en-US" sz="1600" dirty="0">
+                <a:latin typeface="Montserrat Light" panose="00000400000000000000" pitchFamily="50" charset="0"/>
+              </a:rPr>
+              <a:t>(YEAR), data = </a:t>
+            </a:r>
+            <a:r>
+              <a:rPr lang="en-US" sz="1600" dirty="0" err="1">
+                <a:latin typeface="Montserrat Light" panose="00000400000000000000" pitchFamily="50" charset="0"/>
+              </a:rPr>
+              <a:t>all_years_poly</a:t>
+            </a:r>
+            <a:r>
+              <a:rPr lang="en-US" sz="1600" dirty="0">
+                <a:latin typeface="Montserrat Light" panose="00000400000000000000" pitchFamily="50" charset="0"/>
+              </a:rPr>
+              <a:t>, </a:t>
+            </a:r>
+          </a:p>
+          <a:p>
+            <a:r>
+              <a:rPr lang="en-US" sz="1600" dirty="0">
+                <a:latin typeface="Montserrat Light" panose="00000400000000000000" pitchFamily="50" charset="0"/>
+              </a:rPr>
+              <a:t>    index = c("NTA_C", "YEAR"))</a:t>
+            </a:r>
+          </a:p>
+          <a:p>
+            <a:endParaRPr lang="en-US" sz="1600" dirty="0">
+              <a:latin typeface="Montserrat Light" panose="00000400000000000000" pitchFamily="50" charset="0"/>
+            </a:endParaRPr>
+          </a:p>
+          <a:p>
+            <a:r>
+              <a:rPr lang="en-US" sz="1600" dirty="0">
+                <a:latin typeface="Montserrat Light" panose="00000400000000000000" pitchFamily="50" charset="0"/>
+              </a:rPr>
+              <a:t>Balanced Panel: n = 19, T = 8, N = 152</a:t>
+            </a:r>
+          </a:p>
+          <a:p>
+            <a:endParaRPr lang="en-US" sz="1600" dirty="0">
+              <a:latin typeface="Montserrat Light" panose="00000400000000000000" pitchFamily="50" charset="0"/>
+            </a:endParaRPr>
+          </a:p>
+          <a:p>
+            <a:r>
+              <a:rPr lang="en-US" sz="1600" dirty="0">
+                <a:latin typeface="Montserrat Light" panose="00000400000000000000" pitchFamily="50" charset="0"/>
+              </a:rPr>
+              <a:t>Residuals:</a:t>
+            </a:r>
+          </a:p>
+          <a:p>
+            <a:r>
+              <a:rPr lang="en-US" sz="1600" dirty="0">
+                <a:latin typeface="Montserrat Light" panose="00000400000000000000" pitchFamily="50" charset="0"/>
+              </a:rPr>
+              <a:t>       Min.     1st Qu.      Median     3rd Qu.        Max. </a:t>
+            </a:r>
+          </a:p>
+          <a:p>
+            <a:r>
+              <a:rPr lang="en-US" sz="1600" dirty="0">
+                <a:latin typeface="Montserrat Light" panose="00000400000000000000" pitchFamily="50" charset="0"/>
+              </a:rPr>
+              <a:t>-5.8864e-03 -6.0499e-04  1.4802e-05  7.3477e-04  3.8679e-03 </a:t>
+            </a:r>
+          </a:p>
+          <a:p>
+            <a:endParaRPr lang="en-US" sz="1600" dirty="0">
+              <a:latin typeface="Montserrat Light" panose="00000400000000000000" pitchFamily="50" charset="0"/>
+            </a:endParaRPr>
+          </a:p>
+          <a:p>
+            <a:r>
+              <a:rPr lang="en-US" sz="1600" dirty="0">
+                <a:latin typeface="Montserrat Light" panose="00000400000000000000" pitchFamily="50" charset="0"/>
+              </a:rPr>
+              <a:t>Coefficients:</a:t>
+            </a:r>
+          </a:p>
+          <a:p>
+            <a:r>
+              <a:rPr lang="en-US" sz="1600" dirty="0">
+                <a:latin typeface="Montserrat Light" panose="00000400000000000000" pitchFamily="50" charset="0"/>
+              </a:rPr>
+              <a:t>                       Estimate  Std. Error t-value  </a:t>
+            </a:r>
+            <a:r>
+              <a:rPr lang="en-US" sz="1600" dirty="0" err="1">
+                <a:latin typeface="Montserrat Light" panose="00000400000000000000" pitchFamily="50" charset="0"/>
+              </a:rPr>
+              <a:t>Pr</a:t>
+            </a:r>
+            <a:r>
+              <a:rPr lang="en-US" sz="1600" dirty="0">
+                <a:latin typeface="Montserrat Light" panose="00000400000000000000" pitchFamily="50" charset="0"/>
+              </a:rPr>
+              <a:t>(&gt;|t|)    </a:t>
+            </a:r>
+          </a:p>
+          <a:p>
+            <a:r>
+              <a:rPr lang="en-US" sz="1600" dirty="0">
+                <a:latin typeface="Montserrat Light" panose="00000400000000000000" pitchFamily="50" charset="0"/>
+              </a:rPr>
+              <a:t>NTA_G                         0.00046617  	0.00021491   2.1691   0.03197 *  </a:t>
+            </a:r>
+          </a:p>
+          <a:p>
+            <a:r>
+              <a:rPr lang="en-US" sz="1600" dirty="0" err="1">
+                <a:latin typeface="Montserrat Light" panose="00000400000000000000" pitchFamily="50" charset="0"/>
+              </a:rPr>
+              <a:t>as.factor</a:t>
+            </a:r>
+            <a:r>
+              <a:rPr lang="en-US" sz="1600" dirty="0">
+                <a:latin typeface="Montserrat Light" panose="00000400000000000000" pitchFamily="50" charset="0"/>
+              </a:rPr>
+              <a:t>(YEAR)2011   0.00010764  	0.00043057   0.2500   0.80301    </a:t>
+            </a:r>
+          </a:p>
+          <a:p>
+            <a:r>
+              <a:rPr lang="en-US" sz="1600" dirty="0" err="1">
+                <a:latin typeface="Montserrat Light" panose="00000400000000000000" pitchFamily="50" charset="0"/>
+              </a:rPr>
+              <a:t>as.factor</a:t>
+            </a:r>
+            <a:r>
+              <a:rPr lang="en-US" sz="1600" dirty="0">
+                <a:latin typeface="Montserrat Light" panose="00000400000000000000" pitchFamily="50" charset="0"/>
+              </a:rPr>
+              <a:t>(YEAR)2012   -0.00077468  	0.00043183  -1.7939   0.07524 .  </a:t>
+            </a:r>
+          </a:p>
+          <a:p>
+            <a:r>
+              <a:rPr lang="en-US" sz="1600" dirty="0" err="1">
+                <a:latin typeface="Montserrat Light" panose="00000400000000000000" pitchFamily="50" charset="0"/>
+              </a:rPr>
+              <a:t>as.factor</a:t>
+            </a:r>
+            <a:r>
+              <a:rPr lang="en-US" sz="1600" dirty="0">
+                <a:latin typeface="Montserrat Light" panose="00000400000000000000" pitchFamily="50" charset="0"/>
+              </a:rPr>
+              <a:t>(YEAR)2013   -0.00089802  	0.00042805  -2.0979   0.03793 *  </a:t>
+            </a:r>
+          </a:p>
+          <a:p>
+            <a:r>
+              <a:rPr lang="en-US" sz="1600" dirty="0" err="1">
+                <a:latin typeface="Montserrat Light" panose="00000400000000000000" pitchFamily="50" charset="0"/>
+              </a:rPr>
+              <a:t>as.factor</a:t>
+            </a:r>
+            <a:r>
+              <a:rPr lang="en-US" sz="1600" dirty="0">
+                <a:latin typeface="Montserrat Light" panose="00000400000000000000" pitchFamily="50" charset="0"/>
+              </a:rPr>
+              <a:t>(YEAR)2014   -0.00067262  	0.00042817  -1.5709   0.11873    </a:t>
+            </a:r>
+          </a:p>
+          <a:p>
+            <a:r>
+              <a:rPr lang="en-US" sz="1600" dirty="0" err="1">
+                <a:latin typeface="Montserrat Light" panose="00000400000000000000" pitchFamily="50" charset="0"/>
+              </a:rPr>
+              <a:t>as.factor</a:t>
+            </a:r>
+            <a:r>
+              <a:rPr lang="en-US" sz="1600" dirty="0">
+                <a:latin typeface="Montserrat Light" panose="00000400000000000000" pitchFamily="50" charset="0"/>
+              </a:rPr>
+              <a:t>(YEAR)2015   -0.00209265  	0.00042867  -4.8817   3.144e-06 ***</a:t>
+            </a:r>
+          </a:p>
+          <a:p>
+            <a:r>
+              <a:rPr lang="en-US" sz="1600" dirty="0" err="1">
+                <a:latin typeface="Montserrat Light" panose="00000400000000000000" pitchFamily="50" charset="0"/>
+              </a:rPr>
+              <a:t>as.factor</a:t>
+            </a:r>
+            <a:r>
+              <a:rPr lang="en-US" sz="1600" dirty="0">
+                <a:latin typeface="Montserrat Light" panose="00000400000000000000" pitchFamily="50" charset="0"/>
+              </a:rPr>
+              <a:t>(YEAR)2016   -0.00061026  	0.00042773  -1.4268   0.15614    </a:t>
+            </a:r>
+          </a:p>
+          <a:p>
+            <a:r>
+              <a:rPr lang="en-US" sz="1600" dirty="0" err="1">
+                <a:latin typeface="Montserrat Light" panose="00000400000000000000" pitchFamily="50" charset="0"/>
+              </a:rPr>
+              <a:t>as.factor</a:t>
+            </a:r>
+            <a:r>
+              <a:rPr lang="en-US" sz="1600" dirty="0">
+                <a:latin typeface="Montserrat Light" panose="00000400000000000000" pitchFamily="50" charset="0"/>
+              </a:rPr>
+              <a:t>(YEAR)2017   -0.00078886  	0.00042843  -1.8413   0.06795 .  </a:t>
+            </a:r>
+          </a:p>
+          <a:p>
+            <a:r>
+              <a:rPr lang="en-US" sz="1600" dirty="0">
+                <a:latin typeface="Montserrat Light" panose="00000400000000000000" pitchFamily="50" charset="0"/>
+              </a:rPr>
+              <a:t>---</a:t>
+            </a:r>
+          </a:p>
+          <a:p>
+            <a:r>
+              <a:rPr lang="en-US" sz="1600" dirty="0" err="1">
+                <a:latin typeface="Montserrat Light" panose="00000400000000000000" pitchFamily="50" charset="0"/>
+              </a:rPr>
+              <a:t>Signif</a:t>
+            </a:r>
+            <a:r>
+              <a:rPr lang="en-US" sz="1600" dirty="0">
+                <a:latin typeface="Montserrat Light" panose="00000400000000000000" pitchFamily="50" charset="0"/>
+              </a:rPr>
+              <a:t>. codes:  0 ‘***’ 0.001 ‘**’ 0.01 ‘*’ 0.05 ‘.’ 0.1 ‘ ’ 1</a:t>
+            </a:r>
+          </a:p>
+          <a:p>
+            <a:endParaRPr lang="en-US" sz="1600" dirty="0">
+              <a:latin typeface="Montserrat Light" panose="00000400000000000000" pitchFamily="50" charset="0"/>
+            </a:endParaRPr>
+          </a:p>
+          <a:p>
+            <a:r>
+              <a:rPr lang="en-US" sz="1600" dirty="0">
+                <a:latin typeface="Montserrat Light" panose="00000400000000000000" pitchFamily="50" charset="0"/>
+              </a:rPr>
+              <a:t>Total Sum of Squares:    0.00028549</a:t>
+            </a:r>
+          </a:p>
+          <a:p>
+            <a:r>
+              <a:rPr lang="en-US" sz="1600" dirty="0">
+                <a:latin typeface="Montserrat Light" panose="00000400000000000000" pitchFamily="50" charset="0"/>
+              </a:rPr>
+              <a:t>Residual Sum of Squares: 0.00021718</a:t>
+            </a:r>
+          </a:p>
+          <a:p>
+            <a:r>
+              <a:rPr lang="en-US" sz="1600" dirty="0">
+                <a:latin typeface="Montserrat Light" panose="00000400000000000000" pitchFamily="50" charset="0"/>
+              </a:rPr>
+              <a:t>R-Squared:      0.23926</a:t>
+            </a:r>
+          </a:p>
+          <a:p>
+            <a:r>
+              <a:rPr lang="en-US" sz="1600" dirty="0">
+                <a:latin typeface="Montserrat Light" panose="00000400000000000000" pitchFamily="50" charset="0"/>
+              </a:rPr>
+              <a:t>Adj. R-Squared: 0.081022</a:t>
+            </a:r>
+          </a:p>
+          <a:p>
+            <a:r>
+              <a:rPr lang="en-US" sz="1600" dirty="0">
+                <a:latin typeface="Montserrat Light" panose="00000400000000000000" pitchFamily="50" charset="0"/>
+              </a:rPr>
+              <a:t>F-statistic: 4.91413 on 8 and 125 DF, p-value: 2.6977e-05</a:t>
+            </a:r>
+          </a:p>
+        </p:txBody>
+      </p:sp>
+      <p:sp>
+        <p:nvSpPr>
+          <p:cNvPr id="11" name="ZoneTexte 10">
+            <a:extLst>
+              <a:ext uri="{FF2B5EF4-FFF2-40B4-BE49-F238E27FC236}">
+                <a16:creationId xmlns:a16="http://schemas.microsoft.com/office/drawing/2014/main" id="{7F6374D1-5C91-460A-AABE-D9040D608265}"/>
+              </a:ext>
+            </a:extLst>
+          </p:cNvPr>
+          <p:cNvSpPr txBox="1"/>
+          <p:nvPr/>
+        </p:nvSpPr>
+        <p:spPr>
+          <a:xfrm>
+            <a:off x="8227464" y="-1111394"/>
+            <a:ext cx="6097424" cy="10433625"/>
+          </a:xfrm>
+          <a:prstGeom prst="rect">
+            <a:avLst/>
+          </a:prstGeom>
+          <a:noFill/>
+        </p:spPr>
+        <p:txBody>
+          <a:bodyPr wrap="square">
+            <a:spAutoFit/>
+          </a:bodyPr>
+          <a:lstStyle/>
+          <a:p>
+            <a:r>
+              <a:rPr lang="en-US" dirty="0">
+                <a:latin typeface="Montserrat Medium" panose="00000600000000000000" pitchFamily="50" charset="0"/>
+              </a:rPr>
+              <a:t>Time Series Regression – </a:t>
+            </a:r>
+          </a:p>
+          <a:p>
+            <a:r>
+              <a:rPr lang="en-US" dirty="0">
+                <a:latin typeface="Montserrat Medium" panose="00000600000000000000" pitchFamily="50" charset="0"/>
+              </a:rPr>
+              <a:t>Gentrification on Crime (2010 – 2018)</a:t>
+            </a:r>
+          </a:p>
+          <a:p>
+            <a:endParaRPr lang="en-US" sz="1600" dirty="0">
+              <a:latin typeface="Montserrat Light" panose="00000400000000000000" pitchFamily="50" charset="0"/>
+            </a:endParaRPr>
+          </a:p>
+          <a:p>
+            <a:endParaRPr lang="en-US" sz="1600" dirty="0">
+              <a:latin typeface="Montserrat Light" panose="00000400000000000000" pitchFamily="50" charset="0"/>
+            </a:endParaRPr>
+          </a:p>
+          <a:p>
+            <a:r>
+              <a:rPr lang="en-US" sz="1600" dirty="0">
+                <a:latin typeface="Montserrat Light" panose="00000400000000000000" pitchFamily="50" charset="0"/>
+              </a:rPr>
+              <a:t>===============================================</a:t>
+            </a:r>
+          </a:p>
+          <a:p>
+            <a:r>
+              <a:rPr lang="en-US" sz="1600" dirty="0">
+                <a:latin typeface="Montserrat Light" panose="00000400000000000000" pitchFamily="50" charset="0"/>
+              </a:rPr>
+              <a:t>                        	Dependent variable:    </a:t>
+            </a:r>
+          </a:p>
+          <a:p>
+            <a:r>
+              <a:rPr lang="en-US" sz="1600" dirty="0">
+                <a:latin typeface="Montserrat Light" panose="00000400000000000000" pitchFamily="50" charset="0"/>
+              </a:rPr>
+              <a:t>                    -----------------------------------------------</a:t>
+            </a:r>
+          </a:p>
+          <a:p>
+            <a:r>
+              <a:rPr lang="en-US" sz="1600" dirty="0">
+                <a:latin typeface="Montserrat Light" panose="00000400000000000000" pitchFamily="50" charset="0"/>
+              </a:rPr>
+              <a:t>                             Crime in Neighborhoods         </a:t>
+            </a:r>
+          </a:p>
+          <a:p>
+            <a:r>
+              <a:rPr lang="en-US" sz="1600" dirty="0">
+                <a:latin typeface="Montserrat Light" panose="00000400000000000000" pitchFamily="50" charset="0"/>
+              </a:rPr>
+              <a:t>----------------------------------------------------------------</a:t>
+            </a:r>
+          </a:p>
+          <a:p>
+            <a:r>
+              <a:rPr lang="en-US" sz="1600" dirty="0">
+                <a:latin typeface="Montserrat Light" panose="00000400000000000000" pitchFamily="50" charset="0"/>
+              </a:rPr>
+              <a:t>Gentrification Score    </a:t>
+            </a:r>
+          </a:p>
+          <a:p>
+            <a:endParaRPr lang="en-US" sz="1600" dirty="0">
+              <a:latin typeface="Montserrat Light" panose="00000400000000000000" pitchFamily="50" charset="0"/>
+            </a:endParaRPr>
+          </a:p>
+          <a:p>
+            <a:r>
+              <a:rPr lang="en-US" sz="1600" dirty="0">
+                <a:latin typeface="Montserrat Light" panose="00000400000000000000" pitchFamily="50" charset="0"/>
+              </a:rPr>
+              <a:t>2010 – 2011         		0.0005**          </a:t>
+            </a:r>
+          </a:p>
+          <a:p>
+            <a:r>
+              <a:rPr lang="en-US" sz="1600" dirty="0">
+                <a:latin typeface="Montserrat Light" panose="00000400000000000000" pitchFamily="50" charset="0"/>
+              </a:rPr>
+              <a:t>                            		 (0.0002)          </a:t>
+            </a:r>
+          </a:p>
+          <a:p>
+            <a:r>
+              <a:rPr lang="en-US" sz="1600" dirty="0">
+                <a:latin typeface="Montserrat Light" panose="00000400000000000000" pitchFamily="50" charset="0"/>
+              </a:rPr>
+              <a:t>                                               </a:t>
+            </a:r>
+          </a:p>
+          <a:p>
+            <a:r>
+              <a:rPr lang="en-US" sz="1600" dirty="0">
+                <a:latin typeface="Montserrat Light" panose="00000400000000000000" pitchFamily="50" charset="0"/>
+              </a:rPr>
+              <a:t>2011 - 2012 	         	0.0001           </a:t>
+            </a:r>
+          </a:p>
+          <a:p>
+            <a:r>
+              <a:rPr lang="en-US" sz="1600" dirty="0">
+                <a:latin typeface="Montserrat Light" panose="00000400000000000000" pitchFamily="50" charset="0"/>
+              </a:rPr>
+              <a:t>                             		(0.0004)          </a:t>
+            </a:r>
+          </a:p>
+          <a:p>
+            <a:r>
+              <a:rPr lang="en-US" sz="1600" dirty="0">
+                <a:latin typeface="Montserrat Light" panose="00000400000000000000" pitchFamily="50" charset="0"/>
+              </a:rPr>
+              <a:t>                                               </a:t>
+            </a:r>
+          </a:p>
+          <a:p>
+            <a:r>
+              <a:rPr lang="en-US" sz="1600" dirty="0">
+                <a:latin typeface="Montserrat Light" panose="00000400000000000000" pitchFamily="50" charset="0"/>
+              </a:rPr>
+              <a:t>2012 - 2013        		-0.001*          </a:t>
+            </a:r>
+          </a:p>
+          <a:p>
+            <a:r>
+              <a:rPr lang="en-US" sz="1600" dirty="0">
+                <a:latin typeface="Montserrat Light" panose="00000400000000000000" pitchFamily="50" charset="0"/>
+              </a:rPr>
+              <a:t>                             		(0.0004)          </a:t>
+            </a:r>
+          </a:p>
+          <a:p>
+            <a:r>
+              <a:rPr lang="en-US" sz="1600" dirty="0">
+                <a:latin typeface="Montserrat Light" panose="00000400000000000000" pitchFamily="50" charset="0"/>
+              </a:rPr>
+              <a:t>                                               </a:t>
+            </a:r>
+          </a:p>
+          <a:p>
+            <a:r>
+              <a:rPr lang="en-US" sz="1600" dirty="0">
+                <a:latin typeface="Montserrat Light" panose="00000400000000000000" pitchFamily="50" charset="0"/>
+              </a:rPr>
+              <a:t>2013 - 2014		-0.001**          </a:t>
+            </a:r>
+          </a:p>
+          <a:p>
+            <a:r>
+              <a:rPr lang="en-US" sz="1600" dirty="0">
+                <a:latin typeface="Montserrat Light" panose="00000400000000000000" pitchFamily="50" charset="0"/>
+              </a:rPr>
+              <a:t>                             		(0.0004)          </a:t>
+            </a:r>
+          </a:p>
+          <a:p>
+            <a:r>
+              <a:rPr lang="en-US" sz="1600" dirty="0">
+                <a:latin typeface="Montserrat Light" panose="00000400000000000000" pitchFamily="50" charset="0"/>
+              </a:rPr>
+              <a:t>                                               </a:t>
+            </a:r>
+          </a:p>
+          <a:p>
+            <a:r>
+              <a:rPr lang="en-US" sz="1600" dirty="0">
+                <a:latin typeface="Montserrat Light" panose="00000400000000000000" pitchFamily="50" charset="0"/>
+              </a:rPr>
+              <a:t>2014 - 2015        		-0.001           </a:t>
+            </a:r>
+          </a:p>
+          <a:p>
+            <a:r>
+              <a:rPr lang="en-US" sz="1600" dirty="0">
+                <a:latin typeface="Montserrat Light" panose="00000400000000000000" pitchFamily="50" charset="0"/>
+              </a:rPr>
+              <a:t>                             		(0.0004)          </a:t>
+            </a:r>
+          </a:p>
+          <a:p>
+            <a:r>
+              <a:rPr lang="en-US" sz="1600" dirty="0">
+                <a:latin typeface="Montserrat Light" panose="00000400000000000000" pitchFamily="50" charset="0"/>
+              </a:rPr>
+              <a:t>                                               </a:t>
+            </a:r>
+          </a:p>
+          <a:p>
+            <a:r>
+              <a:rPr lang="en-US" sz="1600" dirty="0">
+                <a:latin typeface="Montserrat Light" panose="00000400000000000000" pitchFamily="50" charset="0"/>
+              </a:rPr>
+              <a:t>2015- 2016		 -0.002***         </a:t>
+            </a:r>
+          </a:p>
+          <a:p>
+            <a:r>
+              <a:rPr lang="en-US" sz="1600" dirty="0">
+                <a:latin typeface="Montserrat Light" panose="00000400000000000000" pitchFamily="50" charset="0"/>
+              </a:rPr>
+              <a:t>                             		(0.0004)          </a:t>
+            </a:r>
+          </a:p>
+          <a:p>
+            <a:r>
+              <a:rPr lang="en-US" sz="1600" dirty="0">
+                <a:latin typeface="Montserrat Light" panose="00000400000000000000" pitchFamily="50" charset="0"/>
+              </a:rPr>
+              <a:t>                                               </a:t>
+            </a:r>
+          </a:p>
+          <a:p>
+            <a:r>
+              <a:rPr lang="en-US" sz="1600" dirty="0">
+                <a:latin typeface="Montserrat Light" panose="00000400000000000000" pitchFamily="50" charset="0"/>
+              </a:rPr>
+              <a:t>2016 - 2017     		-0.001           </a:t>
+            </a:r>
+          </a:p>
+          <a:p>
+            <a:r>
+              <a:rPr lang="en-US" sz="1600" dirty="0">
+                <a:latin typeface="Montserrat Light" panose="00000400000000000000" pitchFamily="50" charset="0"/>
+              </a:rPr>
+              <a:t>                           		  (0.0004)          </a:t>
+            </a:r>
+          </a:p>
+          <a:p>
+            <a:r>
+              <a:rPr lang="en-US" sz="1600" dirty="0">
+                <a:latin typeface="Montserrat Light" panose="00000400000000000000" pitchFamily="50" charset="0"/>
+              </a:rPr>
+              <a:t>                                               </a:t>
+            </a:r>
+          </a:p>
+          <a:p>
+            <a:r>
+              <a:rPr lang="en-US" sz="1600" dirty="0">
+                <a:latin typeface="Montserrat Light" panose="00000400000000000000" pitchFamily="50" charset="0"/>
+              </a:rPr>
+              <a:t>2017- 2018		-0.001*          </a:t>
+            </a:r>
+          </a:p>
+          <a:p>
+            <a:r>
+              <a:rPr lang="en-US" sz="1600" dirty="0">
+                <a:latin typeface="Montserrat Light" panose="00000400000000000000" pitchFamily="50" charset="0"/>
+              </a:rPr>
+              <a:t>                             		(0.0004)          </a:t>
+            </a:r>
+          </a:p>
+          <a:p>
+            <a:r>
+              <a:rPr lang="en-US" sz="1600" dirty="0">
+                <a:latin typeface="Montserrat Light" panose="00000400000000000000" pitchFamily="50" charset="0"/>
+              </a:rPr>
+              <a:t>                                               </a:t>
+            </a:r>
+          </a:p>
+          <a:p>
+            <a:r>
+              <a:rPr lang="en-US" sz="1600" dirty="0">
+                <a:latin typeface="Montserrat Light" panose="00000400000000000000" pitchFamily="50" charset="0"/>
+              </a:rPr>
+              <a:t>----------------------------------------------------------------</a:t>
+            </a:r>
+          </a:p>
+          <a:p>
+            <a:r>
+              <a:rPr lang="en-US" sz="1600" dirty="0">
+                <a:latin typeface="Montserrat Light" panose="00000400000000000000" pitchFamily="50" charset="0"/>
+              </a:rPr>
+              <a:t>Observations                    	152            </a:t>
+            </a:r>
+          </a:p>
+          <a:p>
+            <a:r>
+              <a:rPr lang="en-US" sz="1600" dirty="0">
+                <a:latin typeface="Montserrat Light" panose="00000400000000000000" pitchFamily="50" charset="0"/>
+              </a:rPr>
+              <a:t>R2                            	 0.239           </a:t>
+            </a:r>
+          </a:p>
+          <a:p>
+            <a:r>
+              <a:rPr lang="en-US" sz="1600" dirty="0">
+                <a:latin typeface="Montserrat Light" panose="00000400000000000000" pitchFamily="50" charset="0"/>
+              </a:rPr>
+              <a:t>Adjusted R2                    	0.081           </a:t>
+            </a:r>
+          </a:p>
+          <a:p>
+            <a:r>
+              <a:rPr lang="en-US" sz="1600" dirty="0">
+                <a:latin typeface="Montserrat Light" panose="00000400000000000000" pitchFamily="50" charset="0"/>
+              </a:rPr>
+              <a:t>F Statistic           		4.914*** (df = 8; 125)   </a:t>
+            </a:r>
+          </a:p>
+          <a:p>
+            <a:r>
+              <a:rPr lang="en-US" sz="1600" dirty="0">
+                <a:latin typeface="Montserrat Light" panose="00000400000000000000" pitchFamily="50" charset="0"/>
+              </a:rPr>
+              <a:t>===============================================</a:t>
+            </a:r>
+          </a:p>
+          <a:p>
+            <a:r>
+              <a:rPr lang="en-US" sz="1600" dirty="0">
+                <a:latin typeface="Montserrat Light" panose="00000400000000000000" pitchFamily="50" charset="0"/>
+              </a:rPr>
+              <a:t>Note:               *p&lt;0.1; **p&lt;0.05; ***p&lt;0.01</a:t>
+            </a:r>
+          </a:p>
+        </p:txBody>
+      </p:sp>
+    </p:spTree>
+    <p:extLst>
+      <p:ext uri="{BB962C8B-B14F-4D97-AF65-F5344CB8AC3E}">
+        <p14:creationId xmlns:p14="http://schemas.microsoft.com/office/powerpoint/2010/main" val="364140521"/>
+      </p:ext>
+    </p:extLst>
+  </p:cSld>
+  <p:clrMapOvr>
+    <a:masterClrMapping/>
+  </p:clrMapOvr>
+</p:sld>
+</file>
+
+<file path=ppt/slides/slide9.xml><?xml version="1.0" encoding="utf-8"?>
+<p:sld xmlns:a="http://schemas.openxmlformats.org/drawingml/2006/main" xmlns:r="http://schemas.openxmlformats.org/officeDocument/2006/relationships" xmlns:p="http://schemas.openxmlformats.org/presentationml/2006/main">
+  <p:cSld>
+    <p:spTree>
+      <p:nvGrpSpPr>
+        <p:cNvPr id="1" name=""/>
+        <p:cNvGrpSpPr/>
+        <p:nvPr/>
+      </p:nvGrpSpPr>
+      <p:grpSpPr>
+        <a:xfrm>
+          <a:off x="0" y="0"/>
+          <a:ext cx="0" cy="0"/>
+          <a:chOff x="0" y="0"/>
+          <a:chExt cx="0" cy="0"/>
+        </a:xfrm>
+      </p:grpSpPr>
+      <p:sp>
+        <p:nvSpPr>
+          <p:cNvPr id="5" name="ZoneTexte 4">
+            <a:extLst>
+              <a:ext uri="{FF2B5EF4-FFF2-40B4-BE49-F238E27FC236}">
+                <a16:creationId xmlns:a16="http://schemas.microsoft.com/office/drawing/2014/main" id="{5956776D-FA4E-49DD-B63E-AF206952F0D8}"/>
+              </a:ext>
+            </a:extLst>
+          </p:cNvPr>
+          <p:cNvSpPr txBox="1"/>
+          <p:nvPr/>
+        </p:nvSpPr>
+        <p:spPr>
+          <a:xfrm>
+            <a:off x="3048000" y="-218152"/>
+            <a:ext cx="6096000" cy="8217634"/>
+          </a:xfrm>
+          <a:prstGeom prst="rect">
+            <a:avLst/>
+          </a:prstGeom>
+          <a:noFill/>
+        </p:spPr>
+        <p:txBody>
+          <a:bodyPr wrap="square">
+            <a:spAutoFit/>
+          </a:bodyPr>
+          <a:lstStyle/>
+          <a:p>
+            <a:endParaRPr lang="en-US" sz="1600" dirty="0">
+              <a:latin typeface="Montserrat Light" panose="00000400000000000000" pitchFamily="50" charset="0"/>
+            </a:endParaRPr>
+          </a:p>
+          <a:p>
+            <a:r>
+              <a:rPr lang="en-US" sz="1600" dirty="0">
+                <a:latin typeface="Montserrat Medium" panose="00000600000000000000" pitchFamily="50" charset="0"/>
+              </a:rPr>
+              <a:t>Multivariate Regression of Gentrification predictor variables on Crime (2010 – 2018)</a:t>
+            </a:r>
+            <a:endParaRPr lang="en-US" sz="1600" dirty="0">
+              <a:latin typeface="Montserrat Light" panose="00000400000000000000" pitchFamily="50" charset="0"/>
+            </a:endParaRPr>
+          </a:p>
+          <a:p>
+            <a:endParaRPr lang="en-US" sz="1600" dirty="0">
+              <a:latin typeface="Montserrat Light" panose="00000400000000000000" pitchFamily="50" charset="0"/>
+            </a:endParaRPr>
+          </a:p>
+          <a:p>
+            <a:r>
+              <a:rPr lang="en-US" sz="1600" dirty="0">
+                <a:latin typeface="Montserrat Light" panose="00000400000000000000" pitchFamily="50" charset="0"/>
+              </a:rPr>
+              <a:t>==============================================</a:t>
+            </a:r>
+          </a:p>
+          <a:p>
+            <a:r>
+              <a:rPr lang="en-US" sz="1600" dirty="0">
+                <a:latin typeface="Montserrat Light" panose="00000400000000000000" pitchFamily="50" charset="0"/>
+              </a:rPr>
+              <a:t>                        Dependent variable:    </a:t>
+            </a:r>
+          </a:p>
+          <a:p>
+            <a:r>
+              <a:rPr lang="en-US" sz="1600" dirty="0">
+                <a:latin typeface="Montserrat Light" panose="00000400000000000000" pitchFamily="50" charset="0"/>
+              </a:rPr>
+              <a:t>                    -----------------------------------------------</a:t>
+            </a:r>
+          </a:p>
+          <a:p>
+            <a:r>
+              <a:rPr lang="en-US" sz="1600" dirty="0">
+                <a:latin typeface="Montserrat Light" panose="00000400000000000000" pitchFamily="50" charset="0"/>
+              </a:rPr>
+              <a:t>                          Change in Crime Rate </a:t>
+            </a:r>
+          </a:p>
+          <a:p>
+            <a:r>
+              <a:rPr lang="en-US" sz="1600" dirty="0">
+                <a:latin typeface="Montserrat Light" panose="00000400000000000000" pitchFamily="50" charset="0"/>
+              </a:rPr>
+              <a:t>		in NTA  (2010 – 2018)</a:t>
+            </a:r>
+          </a:p>
+          <a:p>
+            <a:r>
+              <a:rPr lang="en-US" sz="1600" dirty="0">
+                <a:latin typeface="Montserrat Light" panose="00000400000000000000" pitchFamily="50" charset="0"/>
+              </a:rPr>
+              <a:t>---------------------------------------------------------------</a:t>
+            </a:r>
+          </a:p>
+          <a:p>
+            <a:r>
+              <a:rPr lang="en-US" sz="1600" dirty="0">
+                <a:latin typeface="Montserrat Light" panose="00000400000000000000" pitchFamily="50" charset="0"/>
+              </a:rPr>
+              <a:t>% Change in Population</a:t>
+            </a:r>
+          </a:p>
+          <a:p>
+            <a:endParaRPr lang="en-US" sz="1600" dirty="0">
+              <a:latin typeface="Montserrat Light" panose="00000400000000000000" pitchFamily="50" charset="0"/>
+            </a:endParaRPr>
+          </a:p>
+          <a:p>
+            <a:r>
+              <a:rPr lang="en-US" sz="1600" dirty="0">
+                <a:latin typeface="Montserrat Light" panose="00000400000000000000" pitchFamily="50" charset="0"/>
+              </a:rPr>
+              <a:t>Without High School Diploma          0.0001           </a:t>
+            </a:r>
+          </a:p>
+          <a:p>
+            <a:r>
+              <a:rPr lang="en-US" sz="1600" dirty="0">
+                <a:latin typeface="Montserrat Light" panose="00000400000000000000" pitchFamily="50" charset="0"/>
+              </a:rPr>
+              <a:t>		                             (0.0002)          </a:t>
+            </a:r>
+          </a:p>
+          <a:p>
+            <a:r>
+              <a:rPr lang="en-US" sz="1600" dirty="0">
+                <a:latin typeface="Montserrat Light" panose="00000400000000000000" pitchFamily="50" charset="0"/>
+              </a:rPr>
+              <a:t>                                               </a:t>
+            </a:r>
+          </a:p>
+          <a:p>
+            <a:r>
+              <a:rPr lang="en-US" sz="1600" dirty="0">
+                <a:latin typeface="Montserrat Light" panose="00000400000000000000" pitchFamily="50" charset="0"/>
+              </a:rPr>
+              <a:t>White Residents 	                     	-0.00003          </a:t>
+            </a:r>
+          </a:p>
+          <a:p>
+            <a:r>
+              <a:rPr lang="en-US" sz="1600" dirty="0">
+                <a:latin typeface="Montserrat Light" panose="00000400000000000000" pitchFamily="50" charset="0"/>
+              </a:rPr>
+              <a:t>                            			 (0.0001)          </a:t>
+            </a:r>
+          </a:p>
+          <a:p>
+            <a:r>
+              <a:rPr lang="en-US" sz="1600" dirty="0">
+                <a:latin typeface="Montserrat Light" panose="00000400000000000000" pitchFamily="50" charset="0"/>
+              </a:rPr>
+              <a:t>                                               </a:t>
+            </a:r>
+          </a:p>
+          <a:p>
+            <a:r>
+              <a:rPr lang="en-US" sz="1600" dirty="0">
+                <a:latin typeface="Montserrat Light" panose="00000400000000000000" pitchFamily="50" charset="0"/>
+              </a:rPr>
+              <a:t>Non-Family Residents 		0.0001           </a:t>
+            </a:r>
+          </a:p>
+          <a:p>
+            <a:r>
+              <a:rPr lang="en-US" sz="1600" dirty="0">
+                <a:latin typeface="Montserrat Light" panose="00000400000000000000" pitchFamily="50" charset="0"/>
+              </a:rPr>
+              <a:t>                             			(0.0003)          </a:t>
+            </a:r>
+          </a:p>
+          <a:p>
+            <a:r>
+              <a:rPr lang="en-US" sz="1600" dirty="0">
+                <a:latin typeface="Montserrat Light" panose="00000400000000000000" pitchFamily="50" charset="0"/>
+              </a:rPr>
+              <a:t>                                               </a:t>
+            </a:r>
+          </a:p>
+          <a:p>
+            <a:r>
+              <a:rPr lang="en-US" sz="1600" dirty="0">
+                <a:latin typeface="Montserrat Light" panose="00000400000000000000" pitchFamily="50" charset="0"/>
+              </a:rPr>
+              <a:t>Constant                     		 -0.001*          </a:t>
+            </a:r>
+          </a:p>
+          <a:p>
+            <a:r>
+              <a:rPr lang="en-US" sz="1600" dirty="0">
+                <a:latin typeface="Montserrat Light" panose="00000400000000000000" pitchFamily="50" charset="0"/>
+              </a:rPr>
+              <a:t>                              			(0.001)          </a:t>
+            </a:r>
+          </a:p>
+          <a:p>
+            <a:r>
+              <a:rPr lang="en-US" sz="1600" dirty="0">
+                <a:latin typeface="Montserrat Light" panose="00000400000000000000" pitchFamily="50" charset="0"/>
+              </a:rPr>
+              <a:t>                                             </a:t>
+            </a:r>
+          </a:p>
+          <a:p>
+            <a:r>
+              <a:rPr lang="en-US" sz="1600" dirty="0">
+                <a:latin typeface="Montserrat Light" panose="00000400000000000000" pitchFamily="50" charset="0"/>
+              </a:rPr>
+              <a:t>--------------------------------------------------------------</a:t>
+            </a:r>
+          </a:p>
+          <a:p>
+            <a:r>
+              <a:rPr lang="en-US" sz="1600" dirty="0">
+                <a:latin typeface="Montserrat Light" panose="00000400000000000000" pitchFamily="50" charset="0"/>
+              </a:rPr>
+              <a:t>Observations                    18             </a:t>
+            </a:r>
+          </a:p>
+          <a:p>
+            <a:r>
+              <a:rPr lang="en-US" sz="1600" dirty="0">
+                <a:latin typeface="Montserrat Light" panose="00000400000000000000" pitchFamily="50" charset="0"/>
+              </a:rPr>
+              <a:t>R2                             0.031           </a:t>
+            </a:r>
+          </a:p>
+          <a:p>
+            <a:r>
+              <a:rPr lang="en-US" sz="1600" dirty="0">
+                <a:latin typeface="Montserrat Light" panose="00000400000000000000" pitchFamily="50" charset="0"/>
+              </a:rPr>
+              <a:t>Adjusted R2                   -0.177           </a:t>
+            </a:r>
+          </a:p>
+          <a:p>
+            <a:r>
+              <a:rPr lang="en-US" sz="1600" dirty="0">
+                <a:latin typeface="Montserrat Light" panose="00000400000000000000" pitchFamily="50" charset="0"/>
+              </a:rPr>
+              <a:t>Residual Std. Error       0.002 (df = 14)      </a:t>
+            </a:r>
+          </a:p>
+          <a:p>
+            <a:r>
+              <a:rPr lang="en-US" sz="1600" dirty="0">
+                <a:latin typeface="Montserrat Light" panose="00000400000000000000" pitchFamily="50" charset="0"/>
+              </a:rPr>
+              <a:t>F Statistic             0.147 (df = 3; 14)     </a:t>
+            </a:r>
+          </a:p>
+          <a:p>
+            <a:r>
+              <a:rPr lang="en-US" sz="1600" dirty="0">
+                <a:latin typeface="Montserrat Light" panose="00000400000000000000" pitchFamily="50" charset="0"/>
+              </a:rPr>
+              <a:t>===============================================</a:t>
+            </a:r>
+          </a:p>
+          <a:p>
+            <a:r>
+              <a:rPr lang="en-US" sz="1600" dirty="0">
+                <a:latin typeface="Montserrat Light" panose="00000400000000000000" pitchFamily="50" charset="0"/>
+              </a:rPr>
+              <a:t>Note:               *p&lt;0.1; **p&lt;0.05; ***p&lt;0.01</a:t>
+            </a:r>
+          </a:p>
+        </p:txBody>
+      </p:sp>
+    </p:spTree>
+    <p:extLst>
+      <p:ext uri="{BB962C8B-B14F-4D97-AF65-F5344CB8AC3E}">
+        <p14:creationId xmlns:p14="http://schemas.microsoft.com/office/powerpoint/2010/main" val="1280908465"/>
+      </p:ext>
+    </p:extLst>
+  </p:cSld>
+  <p:clrMapOvr>
+    <a:masterClrMapping/>
+  </p:clrMapOvr>
+</p:sld>
+</file>
+
 <file path=ppt/theme/theme1.xml><?xml version="1.0" encoding="utf-8"?>
 <a:theme xmlns:a="http://schemas.openxmlformats.org/drawingml/2006/main" name="Thème Office">
   <a:themeElements>
@@ -5922,4 +9850,299 @@
     </a:ext>
   </a:extLst>
 </a:theme>
+</file>
+
+<file path=ppt/theme/theme2.xml><?xml version="1.0" encoding="utf-8"?>
+<a:theme xmlns:a="http://schemas.openxmlformats.org/drawingml/2006/main" name="Thème Office">
+  <a:themeElements>
+    <a:clrScheme name="Office">
+      <a:dk1>
+        <a:sysClr val="windowText" lastClr="000000"/>
+      </a:dk1>
+      <a:lt1>
+        <a:sysClr val="window" lastClr="FFFFFF"/>
+      </a:lt1>
+      <a:dk2>
+        <a:srgbClr val="44546A"/>
+      </a:dk2>
+      <a:lt2>
+        <a:srgbClr val="E7E6E6"/>
+      </a:lt2>
+      <a:accent1>
+        <a:srgbClr val="4472C4"/>
+      </a:accent1>
+      <a:accent2>
+        <a:srgbClr val="ED7D31"/>
+      </a:accent2>
+      <a:accent3>
+        <a:srgbClr val="A5A5A5"/>
+      </a:accent3>
+      <a:accent4>
+        <a:srgbClr val="FFC000"/>
+      </a:accent4>
+      <a:accent5>
+        <a:srgbClr val="5B9BD5"/>
+      </a:accent5>
+      <a:accent6>
+        <a:srgbClr val="70AD47"/>
+      </a:accent6>
+      <a:hlink>
+        <a:srgbClr val="0563C1"/>
+      </a:hlink>
+      <a:folHlink>
+        <a:srgbClr val="954F72"/>
+      </a:folHlink>
+    </a:clrScheme>
+    <a:fontScheme name="Office">
+      <a:majorFont>
+        <a:latin typeface="Calibri Light" panose="020F0302020204030204"/>
+        <a:ea typeface=""/>
+        <a:cs typeface=""/>
+        <a:font script="Jpan" typeface="游ゴシック Light"/>
+        <a:font script="Hang" typeface="맑은 고딕"/>
+        <a:font script="Hans" typeface="等线 Light"/>
+        <a:font script="Hant" typeface="新細明體"/>
+        <a:font script="Arab" typeface="Times New Roman"/>
+        <a:font script="Hebr" typeface="Times New Roman"/>
+        <a:font script="Thai" typeface="Angsana New"/>
+        <a:font script="Ethi" typeface="Nyala"/>
+        <a:font script="Beng" typeface="Vrinda"/>
+        <a:font script="Gujr" typeface="Shruti"/>
+        <a:font script="Khmr" typeface="MoolBoran"/>
+        <a:font script="Knda" typeface="Tunga"/>
+        <a:font script="Guru" typeface="Raavi"/>
+        <a:font script="Cans" typeface="Euphemia"/>
+        <a:font script="Cher" typeface="Plantagenet Cherokee"/>
+        <a:font script="Yiii" typeface="Microsoft Yi Baiti"/>
+        <a:font script="Tibt" typeface="Microsoft Himalaya"/>
+        <a:font script="Thaa" typeface="MV Boli"/>
+        <a:font script="Deva" typeface="Mangal"/>
+        <a:font script="Telu" typeface="Gautami"/>
+        <a:font script="Taml" typeface="Latha"/>
+        <a:font script="Syrc" typeface="Estrangelo Edessa"/>
+        <a:font script="Orya" typeface="Kalinga"/>
+        <a:font script="Mlym" typeface="Kartika"/>
+        <a:font script="Laoo" typeface="DokChampa"/>
+        <a:font script="Sinh" typeface="Iskoola Pota"/>
+        <a:font script="Mong" typeface="Mongolian Baiti"/>
+        <a:font script="Viet" typeface="Times New Roman"/>
+        <a:font script="Uigh" typeface="Microsoft Uighur"/>
+        <a:font script="Geor" typeface="Sylfaen"/>
+        <a:font script="Armn" typeface="Arial"/>
+        <a:font script="Bugi" typeface="Leelawadee UI"/>
+        <a:font script="Bopo" typeface="Microsoft JhengHei"/>
+        <a:font script="Java" typeface="Javanese Text"/>
+        <a:font script="Lisu" typeface="Segoe UI"/>
+        <a:font script="Mymr" typeface="Myanmar Text"/>
+        <a:font script="Nkoo" typeface="Ebrima"/>
+        <a:font script="Olck" typeface="Nirmala UI"/>
+        <a:font script="Osma" typeface="Ebrima"/>
+        <a:font script="Phag" typeface="Phagspa"/>
+        <a:font script="Syrn" typeface="Estrangelo Edessa"/>
+        <a:font script="Syrj" typeface="Estrangelo Edessa"/>
+        <a:font script="Syre" typeface="Estrangelo Edessa"/>
+        <a:font script="Sora" typeface="Nirmala UI"/>
+        <a:font script="Tale" typeface="Microsoft Tai Le"/>
+        <a:font script="Talu" typeface="Microsoft New Tai Lue"/>
+        <a:font script="Tfng" typeface="Ebrima"/>
+      </a:majorFont>
+      <a:minorFont>
+        <a:latin typeface="Calibri" panose="020F0502020204030204"/>
+        <a:ea typeface=""/>
+        <a:cs typeface=""/>
+        <a:font script="Jpan" typeface="游ゴシック"/>
+        <a:font script="Hang" typeface="맑은 고딕"/>
+        <a:font script="Hans" typeface="等线"/>
+        <a:font script="Hant" typeface="新細明體"/>
+        <a:font script="Arab" typeface="Arial"/>
+        <a:font script="Hebr" typeface="Arial"/>
+        <a:font script="Thai" typeface="Cordia New"/>
+        <a:font script="Ethi" typeface="Nyala"/>
+        <a:font script="Beng" typeface="Vrinda"/>
+        <a:font script="Gujr" typeface="Shruti"/>
+        <a:font script="Khmr" typeface="DaunPenh"/>
+        <a:font script="Knda" typeface="Tunga"/>
+        <a:font script="Guru" typeface="Raavi"/>
+        <a:font script="Cans" typeface="Euphemia"/>
+        <a:font script="Cher" typeface="Plantagenet Cherokee"/>
+        <a:font script="Yiii" typeface="Microsoft Yi Baiti"/>
+        <a:font script="Tibt" typeface="Microsoft Himalaya"/>
+        <a:font script="Thaa" typeface="MV Boli"/>
+        <a:font script="Deva" typeface="Mangal"/>
+        <a:font script="Telu" typeface="Gautami"/>
+        <a:font script="Taml" typeface="Latha"/>
+        <a:font script="Syrc" typeface="Estrangelo Edessa"/>
+        <a:font script="Orya" typeface="Kalinga"/>
+        <a:font script="Mlym" typeface="Kartika"/>
+        <a:font script="Laoo" typeface="DokChampa"/>
+        <a:font script="Sinh" typeface="Iskoola Pota"/>
+        <a:font script="Mong" typeface="Mongolian Baiti"/>
+        <a:font script="Viet" typeface="Arial"/>
+        <a:font script="Uigh" typeface="Microsoft Uighur"/>
+        <a:font script="Geor" typeface="Sylfaen"/>
+        <a:font script="Armn" typeface="Arial"/>
+        <a:font script="Bugi" typeface="Leelawadee UI"/>
+        <a:font script="Bopo" typeface="Microsoft JhengHei"/>
+        <a:font script="Java" typeface="Javanese Text"/>
+        <a:font script="Lisu" typeface="Segoe UI"/>
+        <a:font script="Mymr" typeface="Myanmar Text"/>
+        <a:font script="Nkoo" typeface="Ebrima"/>
+        <a:font script="Olck" typeface="Nirmala UI"/>
+        <a:font script="Osma" typeface="Ebrima"/>
+        <a:font script="Phag" typeface="Phagspa"/>
+        <a:font script="Syrn" typeface="Estrangelo Edessa"/>
+        <a:font script="Syrj" typeface="Estrangelo Edessa"/>
+        <a:font script="Syre" typeface="Estrangelo Edessa"/>
+        <a:font script="Sora" typeface="Nirmala UI"/>
+        <a:font script="Tale" typeface="Microsoft Tai Le"/>
+        <a:font script="Talu" typeface="Microsoft New Tai Lue"/>
+        <a:font script="Tfng" typeface="Ebrima"/>
+      </a:minorFont>
+    </a:fontScheme>
+    <a:fmtScheme name="Office">
+      <a:fillStyleLst>
+        <a:solidFill>
+          <a:schemeClr val="phClr"/>
+        </a:solidFill>
+        <a:gradFill rotWithShape="1">
+          <a:gsLst>
+            <a:gs pos="0">
+              <a:schemeClr val="phClr">
+                <a:lumMod val="110000"/>
+                <a:satMod val="105000"/>
+                <a:tint val="67000"/>
+              </a:schemeClr>
+            </a:gs>
+            <a:gs pos="50000">
+              <a:schemeClr val="phClr">
+                <a:lumMod val="105000"/>
+                <a:satMod val="103000"/>
+                <a:tint val="73000"/>
+              </a:schemeClr>
+            </a:gs>
+            <a:gs pos="100000">
+              <a:schemeClr val="phClr">
+                <a:lumMod val="105000"/>
+                <a:satMod val="109000"/>
+                <a:tint val="81000"/>
+              </a:schemeClr>
+            </a:gs>
+          </a:gsLst>
+          <a:lin ang="5400000" scaled="0"/>
+        </a:gradFill>
+        <a:gradFill rotWithShape="1">
+          <a:gsLst>
+            <a:gs pos="0">
+              <a:schemeClr val="phClr">
+                <a:satMod val="103000"/>
+                <a:lumMod val="102000"/>
+                <a:tint val="94000"/>
+              </a:schemeClr>
+            </a:gs>
+            <a:gs pos="50000">
+              <a:schemeClr val="phClr">
+                <a:satMod val="110000"/>
+                <a:lumMod val="100000"/>
+                <a:shade val="100000"/>
+              </a:schemeClr>
+            </a:gs>
+            <a:gs pos="100000">
+              <a:schemeClr val="phClr">
+                <a:lumMod val="99000"/>
+                <a:satMod val="120000"/>
+                <a:shade val="78000"/>
+              </a:schemeClr>
+            </a:gs>
+          </a:gsLst>
+          <a:lin ang="5400000" scaled="0"/>
+        </a:gradFill>
+      </a:fillStyleLst>
+      <a:lnStyleLst>
+        <a:ln w="6350" cap="flat" cmpd="sng" algn="ctr">
+          <a:solidFill>
+            <a:schemeClr val="phClr"/>
+          </a:solidFill>
+          <a:prstDash val="solid"/>
+          <a:miter lim="800000"/>
+        </a:ln>
+        <a:ln w="12700" cap="flat" cmpd="sng" algn="ctr">
+          <a:solidFill>
+            <a:schemeClr val="phClr"/>
+          </a:solidFill>
+          <a:prstDash val="solid"/>
+          <a:miter lim="800000"/>
+        </a:ln>
+        <a:ln w="19050" cap="flat" cmpd="sng" algn="ctr">
+          <a:solidFill>
+            <a:schemeClr val="phClr"/>
+          </a:solidFill>
+          <a:prstDash val="solid"/>
+          <a:miter lim="800000"/>
+        </a:ln>
+      </a:lnStyleLst>
+      <a:effectStyleLst>
+        <a:effectStyle>
+          <a:effectLst/>
+        </a:effectStyle>
+        <a:effectStyle>
+          <a:effectLst/>
+        </a:effectStyle>
+        <a:effectStyle>
+          <a:effectLst>
+            <a:outerShdw blurRad="57150" dist="19050" dir="5400000" algn="ctr" rotWithShape="0">
+              <a:srgbClr val="000000">
+                <a:alpha val="63000"/>
+              </a:srgbClr>
+            </a:outerShdw>
+          </a:effectLst>
+        </a:effectStyle>
+      </a:effectStyleLst>
+      <a:bgFillStyleLst>
+        <a:solidFill>
+          <a:schemeClr val="phClr"/>
+        </a:solidFill>
+        <a:solidFill>
+          <a:schemeClr val="phClr">
+            <a:tint val="95000"/>
+            <a:satMod val="170000"/>
+          </a:schemeClr>
+        </a:solidFill>
+        <a:gradFill rotWithShape="1">
+          <a:gsLst>
+            <a:gs pos="0">
+              <a:schemeClr val="phClr">
+                <a:tint val="93000"/>
+                <a:satMod val="150000"/>
+                <a:shade val="98000"/>
+                <a:lumMod val="102000"/>
+              </a:schemeClr>
+            </a:gs>
+            <a:gs pos="50000">
+              <a:schemeClr val="phClr">
+                <a:tint val="98000"/>
+                <a:satMod val="130000"/>
+                <a:shade val="90000"/>
+                <a:lumMod val="103000"/>
+              </a:schemeClr>
+            </a:gs>
+            <a:gs pos="100000">
+              <a:schemeClr val="phClr">
+                <a:shade val="63000"/>
+                <a:satMod val="120000"/>
+              </a:schemeClr>
+            </a:gs>
+          </a:gsLst>
+          <a:lin ang="5400000" scaled="0"/>
+        </a:gradFill>
+      </a:bgFillStyleLst>
+    </a:fmtScheme>
+  </a:themeElements>
+  <a:objectDefaults/>
+  <a:extraClrSchemeLst/>
+  <a:extLst>
+    <a:ext uri="{05A4C25C-085E-4340-85A3-A5531E510DB2}">
+      <thm15:themeFamily xmlns:thm15="http://schemas.microsoft.com/office/thememl/2012/main" name="Office Theme" id="{62F939B6-93AF-4DB8-9C6B-D6C7DFDC589F}" vid="{4A3C46E8-61CC-4603-A589-7422A47A8E4A}"/>
+    </a:ext>
+  </a:extLst>
+</a:theme>
 </file>